--- a/SharedDomain/RabbitMQProgetto.pptx
+++ b/SharedDomain/RabbitMQProgetto.pptx
@@ -15,6 +15,7 @@
     <p:sldId id="266" r:id="rId9"/>
     <p:sldId id="263" r:id="rId10"/>
     <p:sldId id="264" r:id="rId11"/>
+    <p:sldId id="267" r:id="rId12"/>
   </p:sldIdLst>
   <p:sldSz cx="12192000" cy="6858000"/>
   <p:notesSz cx="6858000" cy="9144000"/>
@@ -268,7 +269,7 @@
           <a:p>
             <a:fld id="{627A7FD4-D23E-4EE1-9D5D-C5330F442824}" type="datetimeFigureOut">
               <a:rPr lang="it-IT" smtClean="0"/>
-              <a:t>06/02/2024</a:t>
+              <a:t>07/02/2024</a:t>
             </a:fld>
             <a:endParaRPr lang="it-IT"/>
           </a:p>
@@ -466,7 +467,7 @@
           <a:p>
             <a:fld id="{627A7FD4-D23E-4EE1-9D5D-C5330F442824}" type="datetimeFigureOut">
               <a:rPr lang="it-IT" smtClean="0"/>
-              <a:t>06/02/2024</a:t>
+              <a:t>07/02/2024</a:t>
             </a:fld>
             <a:endParaRPr lang="it-IT"/>
           </a:p>
@@ -674,7 +675,7 @@
           <a:p>
             <a:fld id="{627A7FD4-D23E-4EE1-9D5D-C5330F442824}" type="datetimeFigureOut">
               <a:rPr lang="it-IT" smtClean="0"/>
-              <a:t>06/02/2024</a:t>
+              <a:t>07/02/2024</a:t>
             </a:fld>
             <a:endParaRPr lang="it-IT"/>
           </a:p>
@@ -872,7 +873,7 @@
           <a:p>
             <a:fld id="{627A7FD4-D23E-4EE1-9D5D-C5330F442824}" type="datetimeFigureOut">
               <a:rPr lang="it-IT" smtClean="0"/>
-              <a:t>06/02/2024</a:t>
+              <a:t>07/02/2024</a:t>
             </a:fld>
             <a:endParaRPr lang="it-IT"/>
           </a:p>
@@ -1147,7 +1148,7 @@
           <a:p>
             <a:fld id="{627A7FD4-D23E-4EE1-9D5D-C5330F442824}" type="datetimeFigureOut">
               <a:rPr lang="it-IT" smtClean="0"/>
-              <a:t>06/02/2024</a:t>
+              <a:t>07/02/2024</a:t>
             </a:fld>
             <a:endParaRPr lang="it-IT"/>
           </a:p>
@@ -1412,7 +1413,7 @@
           <a:p>
             <a:fld id="{627A7FD4-D23E-4EE1-9D5D-C5330F442824}" type="datetimeFigureOut">
               <a:rPr lang="it-IT" smtClean="0"/>
-              <a:t>06/02/2024</a:t>
+              <a:t>07/02/2024</a:t>
             </a:fld>
             <a:endParaRPr lang="it-IT"/>
           </a:p>
@@ -1824,7 +1825,7 @@
           <a:p>
             <a:fld id="{627A7FD4-D23E-4EE1-9D5D-C5330F442824}" type="datetimeFigureOut">
               <a:rPr lang="it-IT" smtClean="0"/>
-              <a:t>06/02/2024</a:t>
+              <a:t>07/02/2024</a:t>
             </a:fld>
             <a:endParaRPr lang="it-IT"/>
           </a:p>
@@ -1965,7 +1966,7 @@
           <a:p>
             <a:fld id="{627A7FD4-D23E-4EE1-9D5D-C5330F442824}" type="datetimeFigureOut">
               <a:rPr lang="it-IT" smtClean="0"/>
-              <a:t>06/02/2024</a:t>
+              <a:t>07/02/2024</a:t>
             </a:fld>
             <a:endParaRPr lang="it-IT"/>
           </a:p>
@@ -2078,7 +2079,7 @@
           <a:p>
             <a:fld id="{627A7FD4-D23E-4EE1-9D5D-C5330F442824}" type="datetimeFigureOut">
               <a:rPr lang="it-IT" smtClean="0"/>
-              <a:t>06/02/2024</a:t>
+              <a:t>07/02/2024</a:t>
             </a:fld>
             <a:endParaRPr lang="it-IT"/>
           </a:p>
@@ -2389,7 +2390,7 @@
           <a:p>
             <a:fld id="{627A7FD4-D23E-4EE1-9D5D-C5330F442824}" type="datetimeFigureOut">
               <a:rPr lang="it-IT" smtClean="0"/>
-              <a:t>06/02/2024</a:t>
+              <a:t>07/02/2024</a:t>
             </a:fld>
             <a:endParaRPr lang="it-IT"/>
           </a:p>
@@ -2677,7 +2678,7 @@
           <a:p>
             <a:fld id="{627A7FD4-D23E-4EE1-9D5D-C5330F442824}" type="datetimeFigureOut">
               <a:rPr lang="it-IT" smtClean="0"/>
-              <a:t>06/02/2024</a:t>
+              <a:t>07/02/2024</a:t>
             </a:fld>
             <a:endParaRPr lang="it-IT"/>
           </a:p>
@@ -2941,7 +2942,7 @@
           <a:p>
             <a:fld id="{627A7FD4-D23E-4EE1-9D5D-C5330F442824}" type="datetimeFigureOut">
               <a:rPr lang="it-IT" smtClean="0"/>
-              <a:t>06/02/2024</a:t>
+              <a:t>07/02/2024</a:t>
             </a:fld>
             <a:endParaRPr lang="it-IT"/>
           </a:p>
@@ -3650,6 +3651,161 @@
     <p:extLst>
       <p:ext uri="{BB962C8B-B14F-4D97-AF65-F5344CB8AC3E}">
         <p14:creationId xmlns:p14="http://schemas.microsoft.com/office/powerpoint/2010/main" val="308005279"/>
+      </p:ext>
+    </p:extLst>
+  </p:cSld>
+  <p:clrMapOvr>
+    <a:masterClrMapping/>
+  </p:clrMapOvr>
+</p:sld>
+</file>
+
+<file path=ppt/slides/slide11.xml><?xml version="1.0" encoding="utf-8"?>
+<p:sld xmlns:a="http://schemas.openxmlformats.org/drawingml/2006/main" xmlns:r="http://schemas.openxmlformats.org/officeDocument/2006/relationships" xmlns:p="http://schemas.openxmlformats.org/presentationml/2006/main">
+  <p:cSld>
+    <p:spTree>
+      <p:nvGrpSpPr>
+        <p:cNvPr id="1" name="">
+          <a:extLst>
+            <a:ext uri="{FF2B5EF4-FFF2-40B4-BE49-F238E27FC236}">
+              <a16:creationId xmlns:a16="http://schemas.microsoft.com/office/drawing/2014/main" id="{45A9A8C4-BF23-3F38-46D8-08AF5750C9EC}"/>
+            </a:ext>
+          </a:extLst>
+        </p:cNvPr>
+        <p:cNvGrpSpPr/>
+        <p:nvPr/>
+      </p:nvGrpSpPr>
+      <p:grpSpPr>
+        <a:xfrm>
+          <a:off x="0" y="0"/>
+          <a:ext cx="0" cy="0"/>
+          <a:chOff x="0" y="0"/>
+          <a:chExt cx="0" cy="0"/>
+        </a:xfrm>
+      </p:grpSpPr>
+      <p:sp>
+        <p:nvSpPr>
+          <p:cNvPr id="4" name="Titolo 3">
+            <a:extLst>
+              <a:ext uri="{FF2B5EF4-FFF2-40B4-BE49-F238E27FC236}">
+                <a16:creationId xmlns:a16="http://schemas.microsoft.com/office/drawing/2014/main" id="{9CC9AB10-3622-8B59-AAEE-0E9DFAF12D2C}"/>
+              </a:ext>
+            </a:extLst>
+          </p:cNvPr>
+          <p:cNvSpPr>
+            <a:spLocks noGrp="1"/>
+          </p:cNvSpPr>
+          <p:nvPr>
+            <p:ph type="title"/>
+          </p:nvPr>
+        </p:nvSpPr>
+        <p:spPr/>
+        <p:txBody>
+          <a:bodyPr/>
+          <a:lstStyle/>
+          <a:p>
+            <a:r>
+              <a:rPr lang="it-IT" dirty="0" err="1"/>
+              <a:t>References</a:t>
+            </a:r>
+            <a:endParaRPr lang="it-IT" dirty="0"/>
+          </a:p>
+        </p:txBody>
+      </p:sp>
+      <p:sp>
+        <p:nvSpPr>
+          <p:cNvPr id="5" name="Segnaposto contenuto 4">
+            <a:extLst>
+              <a:ext uri="{FF2B5EF4-FFF2-40B4-BE49-F238E27FC236}">
+                <a16:creationId xmlns:a16="http://schemas.microsoft.com/office/drawing/2014/main" id="{17E7D849-3336-D5B9-98C3-02AF5F22F8C6}"/>
+              </a:ext>
+            </a:extLst>
+          </p:cNvPr>
+          <p:cNvSpPr>
+            <a:spLocks noGrp="1"/>
+          </p:cNvSpPr>
+          <p:nvPr>
+            <p:ph idx="1"/>
+          </p:nvPr>
+        </p:nvSpPr>
+        <p:spPr/>
+        <p:txBody>
+          <a:bodyPr/>
+          <a:lstStyle/>
+          <a:p>
+            <a:r>
+              <a:rPr lang="it-IT" dirty="0">
+                <a:hlinkClick r:id="rId2"/>
+              </a:rPr>
+              <a:t>https://www.rabbitmq.com/tutorials/amqp-concepts.html</a:t>
+            </a:r>
+            <a:endParaRPr lang="it-IT" dirty="0"/>
+          </a:p>
+          <a:p>
+            <a:r>
+              <a:rPr lang="it-IT" dirty="0">
+                <a:hlinkClick r:id="rId3"/>
+              </a:rPr>
+              <a:t>https://github.com/bianchiart/rtes-rabbitmq-project</a:t>
+            </a:r>
+            <a:r>
+              <a:rPr lang="it-IT" dirty="0"/>
+              <a:t> </a:t>
+            </a:r>
+          </a:p>
+        </p:txBody>
+      </p:sp>
+      <p:pic>
+        <p:nvPicPr>
+          <p:cNvPr id="1026" name="Picture 2" descr="RabbitMQ - meshIQ">
+            <a:extLst>
+              <a:ext uri="{FF2B5EF4-FFF2-40B4-BE49-F238E27FC236}">
+                <a16:creationId xmlns:a16="http://schemas.microsoft.com/office/drawing/2014/main" id="{3276CBFC-89C1-0EF1-E464-CAE8D9BFE482}"/>
+              </a:ext>
+            </a:extLst>
+          </p:cNvPr>
+          <p:cNvPicPr>
+            <a:picLocks noChangeAspect="1" noChangeArrowheads="1"/>
+          </p:cNvPicPr>
+          <p:nvPr/>
+        </p:nvPicPr>
+        <p:blipFill>
+          <a:blip r:embed="rId4">
+            <a:extLst>
+              <a:ext uri="{28A0092B-C50C-407E-A947-70E740481C1C}">
+                <a14:useLocalDpi xmlns:a14="http://schemas.microsoft.com/office/drawing/2010/main" val="0"/>
+              </a:ext>
+            </a:extLst>
+          </a:blip>
+          <a:srcRect/>
+          <a:stretch>
+            <a:fillRect/>
+          </a:stretch>
+        </p:blipFill>
+        <p:spPr bwMode="auto">
+          <a:xfrm>
+            <a:off x="8668031" y="4959868"/>
+            <a:ext cx="3154163" cy="1775794"/>
+          </a:xfrm>
+          <a:prstGeom prst="rect">
+            <a:avLst/>
+          </a:prstGeom>
+          <a:noFill/>
+          <a:extLst>
+            <a:ext uri="{909E8E84-426E-40DD-AFC4-6F175D3DCCD1}">
+              <a14:hiddenFill xmlns:a14="http://schemas.microsoft.com/office/drawing/2010/main">
+                <a:solidFill>
+                  <a:srgbClr val="FFFFFF"/>
+                </a:solidFill>
+              </a14:hiddenFill>
+            </a:ext>
+          </a:extLst>
+        </p:spPr>
+      </p:pic>
+    </p:spTree>
+    <p:extLst>
+      <p:ext uri="{BB962C8B-B14F-4D97-AF65-F5344CB8AC3E}">
+        <p14:creationId xmlns:p14="http://schemas.microsoft.com/office/powerpoint/2010/main" val="3279036293"/>
       </p:ext>
     </p:extLst>
   </p:cSld>

--- a/SharedDomain/RabbitMQProgetto.pptx
+++ b/SharedDomain/RabbitMQProgetto.pptx
@@ -12,10 +12,20 @@
     <p:sldId id="260" r:id="rId6"/>
     <p:sldId id="261" r:id="rId7"/>
     <p:sldId id="262" r:id="rId8"/>
-    <p:sldId id="266" r:id="rId9"/>
-    <p:sldId id="263" r:id="rId10"/>
-    <p:sldId id="264" r:id="rId11"/>
-    <p:sldId id="267" r:id="rId12"/>
+    <p:sldId id="268" r:id="rId9"/>
+    <p:sldId id="272" r:id="rId10"/>
+    <p:sldId id="273" r:id="rId11"/>
+    <p:sldId id="269" r:id="rId12"/>
+    <p:sldId id="270" r:id="rId13"/>
+    <p:sldId id="274" r:id="rId14"/>
+    <p:sldId id="266" r:id="rId15"/>
+    <p:sldId id="263" r:id="rId16"/>
+    <p:sldId id="277" r:id="rId17"/>
+    <p:sldId id="276" r:id="rId18"/>
+    <p:sldId id="275" r:id="rId19"/>
+    <p:sldId id="278" r:id="rId20"/>
+    <p:sldId id="264" r:id="rId21"/>
+    <p:sldId id="267" r:id="rId22"/>
   </p:sldIdLst>
   <p:sldSz cx="12192000" cy="6858000"/>
   <p:notesSz cx="6858000" cy="9144000"/>
@@ -3505,7 +3515,7 @@
         <p:cNvPr id="1" name="">
           <a:extLst>
             <a:ext uri="{FF2B5EF4-FFF2-40B4-BE49-F238E27FC236}">
-              <a16:creationId xmlns:a16="http://schemas.microsoft.com/office/drawing/2014/main" id="{75F48435-33F5-23AD-026F-6675645183F0}"/>
+              <a16:creationId xmlns:a16="http://schemas.microsoft.com/office/drawing/2014/main" id="{7D2B88CF-A1F5-C384-5D2E-93F8FBB5982C}"/>
             </a:ext>
           </a:extLst>
         </p:cNvPr>
@@ -3525,7 +3535,7 @@
           <p:cNvPr id="4" name="Titolo 3">
             <a:extLst>
               <a:ext uri="{FF2B5EF4-FFF2-40B4-BE49-F238E27FC236}">
-                <a16:creationId xmlns:a16="http://schemas.microsoft.com/office/drawing/2014/main" id="{00B0E54A-D2F8-3069-9750-F40E794A6BA8}"/>
+                <a16:creationId xmlns:a16="http://schemas.microsoft.com/office/drawing/2014/main" id="{0E027E0D-9241-1B05-0C94-1B19CD2E045B}"/>
               </a:ext>
             </a:extLst>
           </p:cNvPr>
@@ -3536,66 +3546,19 @@
             <p:ph type="title"/>
           </p:nvPr>
         </p:nvSpPr>
-        <p:spPr/>
+        <p:spPr>
+          <a:xfrm>
+            <a:off x="838200" y="329615"/>
+            <a:ext cx="10515600" cy="1325563"/>
+          </a:xfrm>
+        </p:spPr>
         <p:txBody>
           <a:bodyPr/>
           <a:lstStyle/>
           <a:p>
             <a:r>
               <a:rPr lang="it-IT" dirty="0"/>
-              <a:t>Considerazione sul </a:t>
-            </a:r>
-            <a:r>
-              <a:rPr lang="it-IT" dirty="0" err="1"/>
-              <a:t>fanout</a:t>
-            </a:r>
-            <a:endParaRPr lang="it-IT" dirty="0"/>
-          </a:p>
-        </p:txBody>
-      </p:sp>
-      <p:sp>
-        <p:nvSpPr>
-          <p:cNvPr id="5" name="Segnaposto contenuto 4">
-            <a:extLst>
-              <a:ext uri="{FF2B5EF4-FFF2-40B4-BE49-F238E27FC236}">
-                <a16:creationId xmlns:a16="http://schemas.microsoft.com/office/drawing/2014/main" id="{00E4B50C-6176-8BFD-1989-D566671F6FA9}"/>
-              </a:ext>
-            </a:extLst>
-          </p:cNvPr>
-          <p:cNvSpPr>
-            <a:spLocks noGrp="1"/>
-          </p:cNvSpPr>
-          <p:nvPr>
-            <p:ph idx="1"/>
-          </p:nvPr>
-        </p:nvSpPr>
-        <p:spPr/>
-        <p:txBody>
-          <a:bodyPr/>
-          <a:lstStyle/>
-          <a:p>
-            <a:r>
-              <a:rPr lang="it-IT" dirty="0"/>
-              <a:t>Ideale nel caso di trasmissioni broadcast a </a:t>
-            </a:r>
-            <a:r>
-              <a:rPr lang="it-IT" dirty="0" err="1"/>
-              <a:t>subscribers</a:t>
-            </a:r>
-            <a:endParaRPr lang="it-IT" dirty="0"/>
-          </a:p>
-          <a:p>
-            <a:r>
-              <a:rPr lang="it-IT" dirty="0"/>
-              <a:t>Bisogna tenere conto che i </a:t>
-            </a:r>
-            <a:r>
-              <a:rPr lang="it-IT" dirty="0" err="1"/>
-              <a:t>thread</a:t>
-            </a:r>
-            <a:r>
-              <a:rPr lang="it-IT" dirty="0"/>
-              <a:t> richiesti sono N code * 2…</a:t>
+              <a:t>Consumer competitivi (Ubuntu)</a:t>
             </a:r>
           </a:p>
         </p:txBody>
@@ -3605,7 +3568,7 @@
           <p:cNvPr id="1026" name="Picture 2" descr="RabbitMQ - meshIQ">
             <a:extLst>
               <a:ext uri="{FF2B5EF4-FFF2-40B4-BE49-F238E27FC236}">
-                <a16:creationId xmlns:a16="http://schemas.microsoft.com/office/drawing/2014/main" id="{BAF3CC57-8457-922B-304F-FF61048413B0}"/>
+                <a16:creationId xmlns:a16="http://schemas.microsoft.com/office/drawing/2014/main" id="{74B4B5CB-C23F-472E-64C8-B3020E154D24}"/>
               </a:ext>
             </a:extLst>
           </p:cNvPr>
@@ -3647,10 +3610,949 @@
           </a:extLst>
         </p:spPr>
       </p:pic>
+      <p:sp>
+        <p:nvSpPr>
+          <p:cNvPr id="2" name="Segnaposto contenuto 4">
+            <a:extLst>
+              <a:ext uri="{FF2B5EF4-FFF2-40B4-BE49-F238E27FC236}">
+                <a16:creationId xmlns:a16="http://schemas.microsoft.com/office/drawing/2014/main" id="{CDC55497-AD96-5877-9009-98C8FA5B6665}"/>
+              </a:ext>
+            </a:extLst>
+          </p:cNvPr>
+          <p:cNvSpPr txBox="1">
+            <a:spLocks/>
+          </p:cNvSpPr>
+          <p:nvPr/>
+        </p:nvSpPr>
+        <p:spPr>
+          <a:xfrm>
+            <a:off x="5988728" y="1825625"/>
+            <a:ext cx="2775012" cy="518080"/>
+          </a:xfrm>
+          <a:prstGeom prst="rect">
+            <a:avLst/>
+          </a:prstGeom>
+        </p:spPr>
+        <p:txBody>
+          <a:bodyPr vert="horz" lIns="91440" tIns="45720" rIns="91440" bIns="45720" rtlCol="0">
+            <a:normAutofit/>
+          </a:bodyPr>
+          <a:lstStyle>
+            <a:lvl1pPr marL="228600" indent="-228600" algn="l" defTabSz="914400" rtl="0" eaLnBrk="1" latinLnBrk="0" hangingPunct="1">
+              <a:lnSpc>
+                <a:spcPct val="90000"/>
+              </a:lnSpc>
+              <a:spcBef>
+                <a:spcPts val="1000"/>
+              </a:spcBef>
+              <a:buFont typeface="Arial" panose="020B0604020202020204" pitchFamily="34" charset="0"/>
+              <a:buChar char="•"/>
+              <a:defRPr sz="2800" kern="1200">
+                <a:solidFill>
+                  <a:schemeClr val="tx1"/>
+                </a:solidFill>
+                <a:latin typeface="+mn-lt"/>
+                <a:ea typeface="+mn-ea"/>
+                <a:cs typeface="+mn-cs"/>
+              </a:defRPr>
+            </a:lvl1pPr>
+            <a:lvl2pPr marL="685800" indent="-228600" algn="l" defTabSz="914400" rtl="0" eaLnBrk="1" latinLnBrk="0" hangingPunct="1">
+              <a:lnSpc>
+                <a:spcPct val="90000"/>
+              </a:lnSpc>
+              <a:spcBef>
+                <a:spcPts val="500"/>
+              </a:spcBef>
+              <a:buFont typeface="Arial" panose="020B0604020202020204" pitchFamily="34" charset="0"/>
+              <a:buChar char="•"/>
+              <a:defRPr sz="2400" kern="1200">
+                <a:solidFill>
+                  <a:schemeClr val="tx1"/>
+                </a:solidFill>
+                <a:latin typeface="+mn-lt"/>
+                <a:ea typeface="+mn-ea"/>
+                <a:cs typeface="+mn-cs"/>
+              </a:defRPr>
+            </a:lvl2pPr>
+            <a:lvl3pPr marL="1143000" indent="-228600" algn="l" defTabSz="914400" rtl="0" eaLnBrk="1" latinLnBrk="0" hangingPunct="1">
+              <a:lnSpc>
+                <a:spcPct val="90000"/>
+              </a:lnSpc>
+              <a:spcBef>
+                <a:spcPts val="500"/>
+              </a:spcBef>
+              <a:buFont typeface="Arial" panose="020B0604020202020204" pitchFamily="34" charset="0"/>
+              <a:buChar char="•"/>
+              <a:defRPr sz="2000" kern="1200">
+                <a:solidFill>
+                  <a:schemeClr val="tx1"/>
+                </a:solidFill>
+                <a:latin typeface="+mn-lt"/>
+                <a:ea typeface="+mn-ea"/>
+                <a:cs typeface="+mn-cs"/>
+              </a:defRPr>
+            </a:lvl3pPr>
+            <a:lvl4pPr marL="1600200" indent="-228600" algn="l" defTabSz="914400" rtl="0" eaLnBrk="1" latinLnBrk="0" hangingPunct="1">
+              <a:lnSpc>
+                <a:spcPct val="90000"/>
+              </a:lnSpc>
+              <a:spcBef>
+                <a:spcPts val="500"/>
+              </a:spcBef>
+              <a:buFont typeface="Arial" panose="020B0604020202020204" pitchFamily="34" charset="0"/>
+              <a:buChar char="•"/>
+              <a:defRPr sz="1800" kern="1200">
+                <a:solidFill>
+                  <a:schemeClr val="tx1"/>
+                </a:solidFill>
+                <a:latin typeface="+mn-lt"/>
+                <a:ea typeface="+mn-ea"/>
+                <a:cs typeface="+mn-cs"/>
+              </a:defRPr>
+            </a:lvl4pPr>
+            <a:lvl5pPr marL="2057400" indent="-228600" algn="l" defTabSz="914400" rtl="0" eaLnBrk="1" latinLnBrk="0" hangingPunct="1">
+              <a:lnSpc>
+                <a:spcPct val="90000"/>
+              </a:lnSpc>
+              <a:spcBef>
+                <a:spcPts val="500"/>
+              </a:spcBef>
+              <a:buFont typeface="Arial" panose="020B0604020202020204" pitchFamily="34" charset="0"/>
+              <a:buChar char="•"/>
+              <a:defRPr sz="1800" kern="1200">
+                <a:solidFill>
+                  <a:schemeClr val="tx1"/>
+                </a:solidFill>
+                <a:latin typeface="+mn-lt"/>
+                <a:ea typeface="+mn-ea"/>
+                <a:cs typeface="+mn-cs"/>
+              </a:defRPr>
+            </a:lvl5pPr>
+            <a:lvl6pPr marL="2514600" indent="-228600" algn="l" defTabSz="914400" rtl="0" eaLnBrk="1" latinLnBrk="0" hangingPunct="1">
+              <a:lnSpc>
+                <a:spcPct val="90000"/>
+              </a:lnSpc>
+              <a:spcBef>
+                <a:spcPts val="500"/>
+              </a:spcBef>
+              <a:buFont typeface="Arial" panose="020B0604020202020204" pitchFamily="34" charset="0"/>
+              <a:buChar char="•"/>
+              <a:defRPr sz="1800" kern="1200">
+                <a:solidFill>
+                  <a:schemeClr val="tx1"/>
+                </a:solidFill>
+                <a:latin typeface="+mn-lt"/>
+                <a:ea typeface="+mn-ea"/>
+                <a:cs typeface="+mn-cs"/>
+              </a:defRPr>
+            </a:lvl6pPr>
+            <a:lvl7pPr marL="2971800" indent="-228600" algn="l" defTabSz="914400" rtl="0" eaLnBrk="1" latinLnBrk="0" hangingPunct="1">
+              <a:lnSpc>
+                <a:spcPct val="90000"/>
+              </a:lnSpc>
+              <a:spcBef>
+                <a:spcPts val="500"/>
+              </a:spcBef>
+              <a:buFont typeface="Arial" panose="020B0604020202020204" pitchFamily="34" charset="0"/>
+              <a:buChar char="•"/>
+              <a:defRPr sz="1800" kern="1200">
+                <a:solidFill>
+                  <a:schemeClr val="tx1"/>
+                </a:solidFill>
+                <a:latin typeface="+mn-lt"/>
+                <a:ea typeface="+mn-ea"/>
+                <a:cs typeface="+mn-cs"/>
+              </a:defRPr>
+            </a:lvl7pPr>
+            <a:lvl8pPr marL="3429000" indent="-228600" algn="l" defTabSz="914400" rtl="0" eaLnBrk="1" latinLnBrk="0" hangingPunct="1">
+              <a:lnSpc>
+                <a:spcPct val="90000"/>
+              </a:lnSpc>
+              <a:spcBef>
+                <a:spcPts val="500"/>
+              </a:spcBef>
+              <a:buFont typeface="Arial" panose="020B0604020202020204" pitchFamily="34" charset="0"/>
+              <a:buChar char="•"/>
+              <a:defRPr sz="1800" kern="1200">
+                <a:solidFill>
+                  <a:schemeClr val="tx1"/>
+                </a:solidFill>
+                <a:latin typeface="+mn-lt"/>
+                <a:ea typeface="+mn-ea"/>
+                <a:cs typeface="+mn-cs"/>
+              </a:defRPr>
+            </a:lvl8pPr>
+            <a:lvl9pPr marL="3886200" indent="-228600" algn="l" defTabSz="914400" rtl="0" eaLnBrk="1" latinLnBrk="0" hangingPunct="1">
+              <a:lnSpc>
+                <a:spcPct val="90000"/>
+              </a:lnSpc>
+              <a:spcBef>
+                <a:spcPts val="500"/>
+              </a:spcBef>
+              <a:buFont typeface="Arial" panose="020B0604020202020204" pitchFamily="34" charset="0"/>
+              <a:buChar char="•"/>
+              <a:defRPr sz="1800" kern="1200">
+                <a:solidFill>
+                  <a:schemeClr val="tx1"/>
+                </a:solidFill>
+                <a:latin typeface="+mn-lt"/>
+                <a:ea typeface="+mn-ea"/>
+                <a:cs typeface="+mn-cs"/>
+              </a:defRPr>
+            </a:lvl9pPr>
+          </a:lstStyle>
+          <a:p>
+            <a:pPr marL="0" indent="0">
+              <a:buFont typeface="Arial" panose="020B0604020202020204" pitchFamily="34" charset="0"/>
+              <a:buNone/>
+            </a:pPr>
+            <a:endParaRPr lang="it-IT" dirty="0"/>
+          </a:p>
+        </p:txBody>
+      </p:sp>
+      <p:sp>
+        <p:nvSpPr>
+          <p:cNvPr id="3" name="Segnaposto contenuto 4">
+            <a:extLst>
+              <a:ext uri="{FF2B5EF4-FFF2-40B4-BE49-F238E27FC236}">
+                <a16:creationId xmlns:a16="http://schemas.microsoft.com/office/drawing/2014/main" id="{300AAE0A-F6C6-FF00-4B54-2C1F792473F9}"/>
+              </a:ext>
+            </a:extLst>
+          </p:cNvPr>
+          <p:cNvSpPr txBox="1">
+            <a:spLocks/>
+          </p:cNvSpPr>
+          <p:nvPr/>
+        </p:nvSpPr>
+        <p:spPr>
+          <a:xfrm>
+            <a:off x="880821" y="2025076"/>
+            <a:ext cx="2775012" cy="4069631"/>
+          </a:xfrm>
+          <a:prstGeom prst="rect">
+            <a:avLst/>
+          </a:prstGeom>
+        </p:spPr>
+        <p:txBody>
+          <a:bodyPr vert="horz" lIns="91440" tIns="45720" rIns="91440" bIns="45720" rtlCol="0">
+            <a:normAutofit/>
+          </a:bodyPr>
+          <a:lstStyle>
+            <a:lvl1pPr marL="228600" indent="-228600" algn="l" defTabSz="914400" rtl="0" eaLnBrk="1" latinLnBrk="0" hangingPunct="1">
+              <a:lnSpc>
+                <a:spcPct val="90000"/>
+              </a:lnSpc>
+              <a:spcBef>
+                <a:spcPts val="1000"/>
+              </a:spcBef>
+              <a:buFont typeface="Arial" panose="020B0604020202020204" pitchFamily="34" charset="0"/>
+              <a:buChar char="•"/>
+              <a:defRPr sz="2800" kern="1200">
+                <a:solidFill>
+                  <a:schemeClr val="tx1"/>
+                </a:solidFill>
+                <a:latin typeface="+mn-lt"/>
+                <a:ea typeface="+mn-ea"/>
+                <a:cs typeface="+mn-cs"/>
+              </a:defRPr>
+            </a:lvl1pPr>
+            <a:lvl2pPr marL="685800" indent="-228600" algn="l" defTabSz="914400" rtl="0" eaLnBrk="1" latinLnBrk="0" hangingPunct="1">
+              <a:lnSpc>
+                <a:spcPct val="90000"/>
+              </a:lnSpc>
+              <a:spcBef>
+                <a:spcPts val="500"/>
+              </a:spcBef>
+              <a:buFont typeface="Arial" panose="020B0604020202020204" pitchFamily="34" charset="0"/>
+              <a:buChar char="•"/>
+              <a:defRPr sz="2400" kern="1200">
+                <a:solidFill>
+                  <a:schemeClr val="tx1"/>
+                </a:solidFill>
+                <a:latin typeface="+mn-lt"/>
+                <a:ea typeface="+mn-ea"/>
+                <a:cs typeface="+mn-cs"/>
+              </a:defRPr>
+            </a:lvl2pPr>
+            <a:lvl3pPr marL="1143000" indent="-228600" algn="l" defTabSz="914400" rtl="0" eaLnBrk="1" latinLnBrk="0" hangingPunct="1">
+              <a:lnSpc>
+                <a:spcPct val="90000"/>
+              </a:lnSpc>
+              <a:spcBef>
+                <a:spcPts val="500"/>
+              </a:spcBef>
+              <a:buFont typeface="Arial" panose="020B0604020202020204" pitchFamily="34" charset="0"/>
+              <a:buChar char="•"/>
+              <a:defRPr sz="2000" kern="1200">
+                <a:solidFill>
+                  <a:schemeClr val="tx1"/>
+                </a:solidFill>
+                <a:latin typeface="+mn-lt"/>
+                <a:ea typeface="+mn-ea"/>
+                <a:cs typeface="+mn-cs"/>
+              </a:defRPr>
+            </a:lvl3pPr>
+            <a:lvl4pPr marL="1600200" indent="-228600" algn="l" defTabSz="914400" rtl="0" eaLnBrk="1" latinLnBrk="0" hangingPunct="1">
+              <a:lnSpc>
+                <a:spcPct val="90000"/>
+              </a:lnSpc>
+              <a:spcBef>
+                <a:spcPts val="500"/>
+              </a:spcBef>
+              <a:buFont typeface="Arial" panose="020B0604020202020204" pitchFamily="34" charset="0"/>
+              <a:buChar char="•"/>
+              <a:defRPr sz="1800" kern="1200">
+                <a:solidFill>
+                  <a:schemeClr val="tx1"/>
+                </a:solidFill>
+                <a:latin typeface="+mn-lt"/>
+                <a:ea typeface="+mn-ea"/>
+                <a:cs typeface="+mn-cs"/>
+              </a:defRPr>
+            </a:lvl4pPr>
+            <a:lvl5pPr marL="2057400" indent="-228600" algn="l" defTabSz="914400" rtl="0" eaLnBrk="1" latinLnBrk="0" hangingPunct="1">
+              <a:lnSpc>
+                <a:spcPct val="90000"/>
+              </a:lnSpc>
+              <a:spcBef>
+                <a:spcPts val="500"/>
+              </a:spcBef>
+              <a:buFont typeface="Arial" panose="020B0604020202020204" pitchFamily="34" charset="0"/>
+              <a:buChar char="•"/>
+              <a:defRPr sz="1800" kern="1200">
+                <a:solidFill>
+                  <a:schemeClr val="tx1"/>
+                </a:solidFill>
+                <a:latin typeface="+mn-lt"/>
+                <a:ea typeface="+mn-ea"/>
+                <a:cs typeface="+mn-cs"/>
+              </a:defRPr>
+            </a:lvl5pPr>
+            <a:lvl6pPr marL="2514600" indent="-228600" algn="l" defTabSz="914400" rtl="0" eaLnBrk="1" latinLnBrk="0" hangingPunct="1">
+              <a:lnSpc>
+                <a:spcPct val="90000"/>
+              </a:lnSpc>
+              <a:spcBef>
+                <a:spcPts val="500"/>
+              </a:spcBef>
+              <a:buFont typeface="Arial" panose="020B0604020202020204" pitchFamily="34" charset="0"/>
+              <a:buChar char="•"/>
+              <a:defRPr sz="1800" kern="1200">
+                <a:solidFill>
+                  <a:schemeClr val="tx1"/>
+                </a:solidFill>
+                <a:latin typeface="+mn-lt"/>
+                <a:ea typeface="+mn-ea"/>
+                <a:cs typeface="+mn-cs"/>
+              </a:defRPr>
+            </a:lvl6pPr>
+            <a:lvl7pPr marL="2971800" indent="-228600" algn="l" defTabSz="914400" rtl="0" eaLnBrk="1" latinLnBrk="0" hangingPunct="1">
+              <a:lnSpc>
+                <a:spcPct val="90000"/>
+              </a:lnSpc>
+              <a:spcBef>
+                <a:spcPts val="500"/>
+              </a:spcBef>
+              <a:buFont typeface="Arial" panose="020B0604020202020204" pitchFamily="34" charset="0"/>
+              <a:buChar char="•"/>
+              <a:defRPr sz="1800" kern="1200">
+                <a:solidFill>
+                  <a:schemeClr val="tx1"/>
+                </a:solidFill>
+                <a:latin typeface="+mn-lt"/>
+                <a:ea typeface="+mn-ea"/>
+                <a:cs typeface="+mn-cs"/>
+              </a:defRPr>
+            </a:lvl7pPr>
+            <a:lvl8pPr marL="3429000" indent="-228600" algn="l" defTabSz="914400" rtl="0" eaLnBrk="1" latinLnBrk="0" hangingPunct="1">
+              <a:lnSpc>
+                <a:spcPct val="90000"/>
+              </a:lnSpc>
+              <a:spcBef>
+                <a:spcPts val="500"/>
+              </a:spcBef>
+              <a:buFont typeface="Arial" panose="020B0604020202020204" pitchFamily="34" charset="0"/>
+              <a:buChar char="•"/>
+              <a:defRPr sz="1800" kern="1200">
+                <a:solidFill>
+                  <a:schemeClr val="tx1"/>
+                </a:solidFill>
+                <a:latin typeface="+mn-lt"/>
+                <a:ea typeface="+mn-ea"/>
+                <a:cs typeface="+mn-cs"/>
+              </a:defRPr>
+            </a:lvl8pPr>
+            <a:lvl9pPr marL="3886200" indent="-228600" algn="l" defTabSz="914400" rtl="0" eaLnBrk="1" latinLnBrk="0" hangingPunct="1">
+              <a:lnSpc>
+                <a:spcPct val="90000"/>
+              </a:lnSpc>
+              <a:spcBef>
+                <a:spcPts val="500"/>
+              </a:spcBef>
+              <a:buFont typeface="Arial" panose="020B0604020202020204" pitchFamily="34" charset="0"/>
+              <a:buChar char="•"/>
+              <a:defRPr sz="1800" kern="1200">
+                <a:solidFill>
+                  <a:schemeClr val="tx1"/>
+                </a:solidFill>
+                <a:latin typeface="+mn-lt"/>
+                <a:ea typeface="+mn-ea"/>
+                <a:cs typeface="+mn-cs"/>
+              </a:defRPr>
+            </a:lvl9pPr>
+          </a:lstStyle>
+          <a:p>
+            <a:pPr marL="0" indent="0">
+              <a:buFont typeface="Arial" panose="020B0604020202020204" pitchFamily="34" charset="0"/>
+              <a:buNone/>
+            </a:pPr>
+            <a:endParaRPr lang="it-IT" dirty="0"/>
+          </a:p>
+        </p:txBody>
+      </p:sp>
+      <p:sp>
+        <p:nvSpPr>
+          <p:cNvPr id="6" name="Segnaposto contenuto 4">
+            <a:extLst>
+              <a:ext uri="{FF2B5EF4-FFF2-40B4-BE49-F238E27FC236}">
+                <a16:creationId xmlns:a16="http://schemas.microsoft.com/office/drawing/2014/main" id="{1268DC8B-3F4E-9D86-1C24-92ADBBF13C7F}"/>
+              </a:ext>
+            </a:extLst>
+          </p:cNvPr>
+          <p:cNvSpPr txBox="1">
+            <a:spLocks/>
+          </p:cNvSpPr>
+          <p:nvPr/>
+        </p:nvSpPr>
+        <p:spPr>
+          <a:xfrm>
+            <a:off x="4314988" y="2044711"/>
+            <a:ext cx="2775012" cy="4069631"/>
+          </a:xfrm>
+          <a:prstGeom prst="rect">
+            <a:avLst/>
+          </a:prstGeom>
+        </p:spPr>
+        <p:txBody>
+          <a:bodyPr vert="horz" lIns="91440" tIns="45720" rIns="91440" bIns="45720" rtlCol="0">
+            <a:normAutofit/>
+          </a:bodyPr>
+          <a:lstStyle>
+            <a:lvl1pPr marL="228600" indent="-228600" algn="l" defTabSz="914400" rtl="0" eaLnBrk="1" latinLnBrk="0" hangingPunct="1">
+              <a:lnSpc>
+                <a:spcPct val="90000"/>
+              </a:lnSpc>
+              <a:spcBef>
+                <a:spcPts val="1000"/>
+              </a:spcBef>
+              <a:buFont typeface="Arial" panose="020B0604020202020204" pitchFamily="34" charset="0"/>
+              <a:buChar char="•"/>
+              <a:defRPr sz="2800" kern="1200">
+                <a:solidFill>
+                  <a:schemeClr val="tx1"/>
+                </a:solidFill>
+                <a:latin typeface="+mn-lt"/>
+                <a:ea typeface="+mn-ea"/>
+                <a:cs typeface="+mn-cs"/>
+              </a:defRPr>
+            </a:lvl1pPr>
+            <a:lvl2pPr marL="685800" indent="-228600" algn="l" defTabSz="914400" rtl="0" eaLnBrk="1" latinLnBrk="0" hangingPunct="1">
+              <a:lnSpc>
+                <a:spcPct val="90000"/>
+              </a:lnSpc>
+              <a:spcBef>
+                <a:spcPts val="500"/>
+              </a:spcBef>
+              <a:buFont typeface="Arial" panose="020B0604020202020204" pitchFamily="34" charset="0"/>
+              <a:buChar char="•"/>
+              <a:defRPr sz="2400" kern="1200">
+                <a:solidFill>
+                  <a:schemeClr val="tx1"/>
+                </a:solidFill>
+                <a:latin typeface="+mn-lt"/>
+                <a:ea typeface="+mn-ea"/>
+                <a:cs typeface="+mn-cs"/>
+              </a:defRPr>
+            </a:lvl2pPr>
+            <a:lvl3pPr marL="1143000" indent="-228600" algn="l" defTabSz="914400" rtl="0" eaLnBrk="1" latinLnBrk="0" hangingPunct="1">
+              <a:lnSpc>
+                <a:spcPct val="90000"/>
+              </a:lnSpc>
+              <a:spcBef>
+                <a:spcPts val="500"/>
+              </a:spcBef>
+              <a:buFont typeface="Arial" panose="020B0604020202020204" pitchFamily="34" charset="0"/>
+              <a:buChar char="•"/>
+              <a:defRPr sz="2000" kern="1200">
+                <a:solidFill>
+                  <a:schemeClr val="tx1"/>
+                </a:solidFill>
+                <a:latin typeface="+mn-lt"/>
+                <a:ea typeface="+mn-ea"/>
+                <a:cs typeface="+mn-cs"/>
+              </a:defRPr>
+            </a:lvl3pPr>
+            <a:lvl4pPr marL="1600200" indent="-228600" algn="l" defTabSz="914400" rtl="0" eaLnBrk="1" latinLnBrk="0" hangingPunct="1">
+              <a:lnSpc>
+                <a:spcPct val="90000"/>
+              </a:lnSpc>
+              <a:spcBef>
+                <a:spcPts val="500"/>
+              </a:spcBef>
+              <a:buFont typeface="Arial" panose="020B0604020202020204" pitchFamily="34" charset="0"/>
+              <a:buChar char="•"/>
+              <a:defRPr sz="1800" kern="1200">
+                <a:solidFill>
+                  <a:schemeClr val="tx1"/>
+                </a:solidFill>
+                <a:latin typeface="+mn-lt"/>
+                <a:ea typeface="+mn-ea"/>
+                <a:cs typeface="+mn-cs"/>
+              </a:defRPr>
+            </a:lvl4pPr>
+            <a:lvl5pPr marL="2057400" indent="-228600" algn="l" defTabSz="914400" rtl="0" eaLnBrk="1" latinLnBrk="0" hangingPunct="1">
+              <a:lnSpc>
+                <a:spcPct val="90000"/>
+              </a:lnSpc>
+              <a:spcBef>
+                <a:spcPts val="500"/>
+              </a:spcBef>
+              <a:buFont typeface="Arial" panose="020B0604020202020204" pitchFamily="34" charset="0"/>
+              <a:buChar char="•"/>
+              <a:defRPr sz="1800" kern="1200">
+                <a:solidFill>
+                  <a:schemeClr val="tx1"/>
+                </a:solidFill>
+                <a:latin typeface="+mn-lt"/>
+                <a:ea typeface="+mn-ea"/>
+                <a:cs typeface="+mn-cs"/>
+              </a:defRPr>
+            </a:lvl5pPr>
+            <a:lvl6pPr marL="2514600" indent="-228600" algn="l" defTabSz="914400" rtl="0" eaLnBrk="1" latinLnBrk="0" hangingPunct="1">
+              <a:lnSpc>
+                <a:spcPct val="90000"/>
+              </a:lnSpc>
+              <a:spcBef>
+                <a:spcPts val="500"/>
+              </a:spcBef>
+              <a:buFont typeface="Arial" panose="020B0604020202020204" pitchFamily="34" charset="0"/>
+              <a:buChar char="•"/>
+              <a:defRPr sz="1800" kern="1200">
+                <a:solidFill>
+                  <a:schemeClr val="tx1"/>
+                </a:solidFill>
+                <a:latin typeface="+mn-lt"/>
+                <a:ea typeface="+mn-ea"/>
+                <a:cs typeface="+mn-cs"/>
+              </a:defRPr>
+            </a:lvl6pPr>
+            <a:lvl7pPr marL="2971800" indent="-228600" algn="l" defTabSz="914400" rtl="0" eaLnBrk="1" latinLnBrk="0" hangingPunct="1">
+              <a:lnSpc>
+                <a:spcPct val="90000"/>
+              </a:lnSpc>
+              <a:spcBef>
+                <a:spcPts val="500"/>
+              </a:spcBef>
+              <a:buFont typeface="Arial" panose="020B0604020202020204" pitchFamily="34" charset="0"/>
+              <a:buChar char="•"/>
+              <a:defRPr sz="1800" kern="1200">
+                <a:solidFill>
+                  <a:schemeClr val="tx1"/>
+                </a:solidFill>
+                <a:latin typeface="+mn-lt"/>
+                <a:ea typeface="+mn-ea"/>
+                <a:cs typeface="+mn-cs"/>
+              </a:defRPr>
+            </a:lvl7pPr>
+            <a:lvl8pPr marL="3429000" indent="-228600" algn="l" defTabSz="914400" rtl="0" eaLnBrk="1" latinLnBrk="0" hangingPunct="1">
+              <a:lnSpc>
+                <a:spcPct val="90000"/>
+              </a:lnSpc>
+              <a:spcBef>
+                <a:spcPts val="500"/>
+              </a:spcBef>
+              <a:buFont typeface="Arial" panose="020B0604020202020204" pitchFamily="34" charset="0"/>
+              <a:buChar char="•"/>
+              <a:defRPr sz="1800" kern="1200">
+                <a:solidFill>
+                  <a:schemeClr val="tx1"/>
+                </a:solidFill>
+                <a:latin typeface="+mn-lt"/>
+                <a:ea typeface="+mn-ea"/>
+                <a:cs typeface="+mn-cs"/>
+              </a:defRPr>
+            </a:lvl8pPr>
+            <a:lvl9pPr marL="3886200" indent="-228600" algn="l" defTabSz="914400" rtl="0" eaLnBrk="1" latinLnBrk="0" hangingPunct="1">
+              <a:lnSpc>
+                <a:spcPct val="90000"/>
+              </a:lnSpc>
+              <a:spcBef>
+                <a:spcPts val="500"/>
+              </a:spcBef>
+              <a:buFont typeface="Arial" panose="020B0604020202020204" pitchFamily="34" charset="0"/>
+              <a:buChar char="•"/>
+              <a:defRPr sz="1800" kern="1200">
+                <a:solidFill>
+                  <a:schemeClr val="tx1"/>
+                </a:solidFill>
+                <a:latin typeface="+mn-lt"/>
+                <a:ea typeface="+mn-ea"/>
+                <a:cs typeface="+mn-cs"/>
+              </a:defRPr>
+            </a:lvl9pPr>
+          </a:lstStyle>
+          <a:p>
+            <a:pPr marL="0" indent="0">
+              <a:buFont typeface="Arial" panose="020B0604020202020204" pitchFamily="34" charset="0"/>
+              <a:buNone/>
+            </a:pPr>
+            <a:endParaRPr lang="it-IT" dirty="0"/>
+          </a:p>
+        </p:txBody>
+      </p:sp>
+      <p:sp>
+        <p:nvSpPr>
+          <p:cNvPr id="7" name="Segnaposto contenuto 4">
+            <a:extLst>
+              <a:ext uri="{FF2B5EF4-FFF2-40B4-BE49-F238E27FC236}">
+                <a16:creationId xmlns:a16="http://schemas.microsoft.com/office/drawing/2014/main" id="{6AFE5003-3FA7-83D2-F47D-59536D99AEC4}"/>
+              </a:ext>
+            </a:extLst>
+          </p:cNvPr>
+          <p:cNvSpPr txBox="1">
+            <a:spLocks/>
+          </p:cNvSpPr>
+          <p:nvPr/>
+        </p:nvSpPr>
+        <p:spPr>
+          <a:xfrm>
+            <a:off x="880820" y="1700939"/>
+            <a:ext cx="7492139" cy="4322817"/>
+          </a:xfrm>
+          <a:prstGeom prst="rect">
+            <a:avLst/>
+          </a:prstGeom>
+        </p:spPr>
+        <p:txBody>
+          <a:bodyPr vert="horz" lIns="91440" tIns="45720" rIns="91440" bIns="45720" rtlCol="0">
+            <a:normAutofit fontScale="92500" lnSpcReduction="10000"/>
+          </a:bodyPr>
+          <a:lstStyle>
+            <a:lvl1pPr marL="228600" indent="-228600" algn="l" defTabSz="914400" rtl="0" eaLnBrk="1" latinLnBrk="0" hangingPunct="1">
+              <a:lnSpc>
+                <a:spcPct val="90000"/>
+              </a:lnSpc>
+              <a:spcBef>
+                <a:spcPts val="1000"/>
+              </a:spcBef>
+              <a:buFont typeface="Arial" panose="020B0604020202020204" pitchFamily="34" charset="0"/>
+              <a:buChar char="•"/>
+              <a:defRPr sz="2800" kern="1200">
+                <a:solidFill>
+                  <a:schemeClr val="tx1"/>
+                </a:solidFill>
+                <a:latin typeface="+mn-lt"/>
+                <a:ea typeface="+mn-ea"/>
+                <a:cs typeface="+mn-cs"/>
+              </a:defRPr>
+            </a:lvl1pPr>
+            <a:lvl2pPr marL="685800" indent="-228600" algn="l" defTabSz="914400" rtl="0" eaLnBrk="1" latinLnBrk="0" hangingPunct="1">
+              <a:lnSpc>
+                <a:spcPct val="90000"/>
+              </a:lnSpc>
+              <a:spcBef>
+                <a:spcPts val="500"/>
+              </a:spcBef>
+              <a:buFont typeface="Arial" panose="020B0604020202020204" pitchFamily="34" charset="0"/>
+              <a:buChar char="•"/>
+              <a:defRPr sz="2400" kern="1200">
+                <a:solidFill>
+                  <a:schemeClr val="tx1"/>
+                </a:solidFill>
+                <a:latin typeface="+mn-lt"/>
+                <a:ea typeface="+mn-ea"/>
+                <a:cs typeface="+mn-cs"/>
+              </a:defRPr>
+            </a:lvl2pPr>
+            <a:lvl3pPr marL="1143000" indent="-228600" algn="l" defTabSz="914400" rtl="0" eaLnBrk="1" latinLnBrk="0" hangingPunct="1">
+              <a:lnSpc>
+                <a:spcPct val="90000"/>
+              </a:lnSpc>
+              <a:spcBef>
+                <a:spcPts val="500"/>
+              </a:spcBef>
+              <a:buFont typeface="Arial" panose="020B0604020202020204" pitchFamily="34" charset="0"/>
+              <a:buChar char="•"/>
+              <a:defRPr sz="2000" kern="1200">
+                <a:solidFill>
+                  <a:schemeClr val="tx1"/>
+                </a:solidFill>
+                <a:latin typeface="+mn-lt"/>
+                <a:ea typeface="+mn-ea"/>
+                <a:cs typeface="+mn-cs"/>
+              </a:defRPr>
+            </a:lvl3pPr>
+            <a:lvl4pPr marL="1600200" indent="-228600" algn="l" defTabSz="914400" rtl="0" eaLnBrk="1" latinLnBrk="0" hangingPunct="1">
+              <a:lnSpc>
+                <a:spcPct val="90000"/>
+              </a:lnSpc>
+              <a:spcBef>
+                <a:spcPts val="500"/>
+              </a:spcBef>
+              <a:buFont typeface="Arial" panose="020B0604020202020204" pitchFamily="34" charset="0"/>
+              <a:buChar char="•"/>
+              <a:defRPr sz="1800" kern="1200">
+                <a:solidFill>
+                  <a:schemeClr val="tx1"/>
+                </a:solidFill>
+                <a:latin typeface="+mn-lt"/>
+                <a:ea typeface="+mn-ea"/>
+                <a:cs typeface="+mn-cs"/>
+              </a:defRPr>
+            </a:lvl4pPr>
+            <a:lvl5pPr marL="2057400" indent="-228600" algn="l" defTabSz="914400" rtl="0" eaLnBrk="1" latinLnBrk="0" hangingPunct="1">
+              <a:lnSpc>
+                <a:spcPct val="90000"/>
+              </a:lnSpc>
+              <a:spcBef>
+                <a:spcPts val="500"/>
+              </a:spcBef>
+              <a:buFont typeface="Arial" panose="020B0604020202020204" pitchFamily="34" charset="0"/>
+              <a:buChar char="•"/>
+              <a:defRPr sz="1800" kern="1200">
+                <a:solidFill>
+                  <a:schemeClr val="tx1"/>
+                </a:solidFill>
+                <a:latin typeface="+mn-lt"/>
+                <a:ea typeface="+mn-ea"/>
+                <a:cs typeface="+mn-cs"/>
+              </a:defRPr>
+            </a:lvl5pPr>
+            <a:lvl6pPr marL="2514600" indent="-228600" algn="l" defTabSz="914400" rtl="0" eaLnBrk="1" latinLnBrk="0" hangingPunct="1">
+              <a:lnSpc>
+                <a:spcPct val="90000"/>
+              </a:lnSpc>
+              <a:spcBef>
+                <a:spcPts val="500"/>
+              </a:spcBef>
+              <a:buFont typeface="Arial" panose="020B0604020202020204" pitchFamily="34" charset="0"/>
+              <a:buChar char="•"/>
+              <a:defRPr sz="1800" kern="1200">
+                <a:solidFill>
+                  <a:schemeClr val="tx1"/>
+                </a:solidFill>
+                <a:latin typeface="+mn-lt"/>
+                <a:ea typeface="+mn-ea"/>
+                <a:cs typeface="+mn-cs"/>
+              </a:defRPr>
+            </a:lvl6pPr>
+            <a:lvl7pPr marL="2971800" indent="-228600" algn="l" defTabSz="914400" rtl="0" eaLnBrk="1" latinLnBrk="0" hangingPunct="1">
+              <a:lnSpc>
+                <a:spcPct val="90000"/>
+              </a:lnSpc>
+              <a:spcBef>
+                <a:spcPts val="500"/>
+              </a:spcBef>
+              <a:buFont typeface="Arial" panose="020B0604020202020204" pitchFamily="34" charset="0"/>
+              <a:buChar char="•"/>
+              <a:defRPr sz="1800" kern="1200">
+                <a:solidFill>
+                  <a:schemeClr val="tx1"/>
+                </a:solidFill>
+                <a:latin typeface="+mn-lt"/>
+                <a:ea typeface="+mn-ea"/>
+                <a:cs typeface="+mn-cs"/>
+              </a:defRPr>
+            </a:lvl7pPr>
+            <a:lvl8pPr marL="3429000" indent="-228600" algn="l" defTabSz="914400" rtl="0" eaLnBrk="1" latinLnBrk="0" hangingPunct="1">
+              <a:lnSpc>
+                <a:spcPct val="90000"/>
+              </a:lnSpc>
+              <a:spcBef>
+                <a:spcPts val="500"/>
+              </a:spcBef>
+              <a:buFont typeface="Arial" panose="020B0604020202020204" pitchFamily="34" charset="0"/>
+              <a:buChar char="•"/>
+              <a:defRPr sz="1800" kern="1200">
+                <a:solidFill>
+                  <a:schemeClr val="tx1"/>
+                </a:solidFill>
+                <a:latin typeface="+mn-lt"/>
+                <a:ea typeface="+mn-ea"/>
+                <a:cs typeface="+mn-cs"/>
+              </a:defRPr>
+            </a:lvl8pPr>
+            <a:lvl9pPr marL="3886200" indent="-228600" algn="l" defTabSz="914400" rtl="0" eaLnBrk="1" latinLnBrk="0" hangingPunct="1">
+              <a:lnSpc>
+                <a:spcPct val="90000"/>
+              </a:lnSpc>
+              <a:spcBef>
+                <a:spcPts val="500"/>
+              </a:spcBef>
+              <a:buFont typeface="Arial" panose="020B0604020202020204" pitchFamily="34" charset="0"/>
+              <a:buChar char="•"/>
+              <a:defRPr sz="1800" kern="1200">
+                <a:solidFill>
+                  <a:schemeClr val="tx1"/>
+                </a:solidFill>
+                <a:latin typeface="+mn-lt"/>
+                <a:ea typeface="+mn-ea"/>
+                <a:cs typeface="+mn-cs"/>
+              </a:defRPr>
+            </a:lvl9pPr>
+          </a:lstStyle>
+          <a:p>
+            <a:pPr marL="0" indent="0">
+              <a:buFont typeface="Arial" panose="020B0604020202020204" pitchFamily="34" charset="0"/>
+              <a:buNone/>
+            </a:pPr>
+            <a:r>
+              <a:rPr lang="en-US" sz="2400" dirty="0"/>
+              <a:t>C1:</a:t>
+            </a:r>
+          </a:p>
+          <a:p>
+            <a:pPr marL="0" indent="0">
+              <a:buFont typeface="Arial" panose="020B0604020202020204" pitchFamily="34" charset="0"/>
+              <a:buNone/>
+            </a:pPr>
+            <a:r>
+              <a:rPr lang="en-US" sz="2400" dirty="0"/>
+              <a:t>- Packets received: 250000 </a:t>
+            </a:r>
+          </a:p>
+          <a:p>
+            <a:pPr marL="0" indent="0">
+              <a:buFont typeface="Arial" panose="020B0604020202020204" pitchFamily="34" charset="0"/>
+              <a:buNone/>
+            </a:pPr>
+            <a:r>
+              <a:rPr lang="en-US" sz="2400" dirty="0"/>
+              <a:t>- Time period 17 s 801 </a:t>
+            </a:r>
+            <a:r>
+              <a:rPr lang="en-US" sz="2400" dirty="0" err="1"/>
+              <a:t>ms</a:t>
+            </a:r>
+            <a:r>
+              <a:rPr lang="en-US" sz="2400" dirty="0"/>
+              <a:t> </a:t>
+            </a:r>
+          </a:p>
+          <a:p>
+            <a:pPr marL="0" indent="0">
+              <a:buFont typeface="Arial" panose="020B0604020202020204" pitchFamily="34" charset="0"/>
+              <a:buNone/>
+            </a:pPr>
+            <a:r>
+              <a:rPr lang="en-US" sz="2400" dirty="0"/>
+              <a:t>- Throughput : 14.073917621063579 msg/</a:t>
+            </a:r>
+            <a:r>
+              <a:rPr lang="en-US" sz="2400" dirty="0" err="1"/>
+              <a:t>ms</a:t>
+            </a:r>
+            <a:r>
+              <a:rPr lang="en-US" sz="2400" dirty="0"/>
+              <a:t> </a:t>
+            </a:r>
+          </a:p>
+          <a:p>
+            <a:pPr marL="0" indent="0">
+              <a:buFont typeface="Arial" panose="020B0604020202020204" pitchFamily="34" charset="0"/>
+              <a:buNone/>
+            </a:pPr>
+            <a:r>
+              <a:rPr lang="en-US" sz="2400" dirty="0"/>
+              <a:t>- Jitter : 3554.820680863783 </a:t>
+            </a:r>
+            <a:r>
+              <a:rPr lang="en-US" sz="2400" dirty="0" err="1"/>
+              <a:t>ms</a:t>
+            </a:r>
+            <a:endParaRPr lang="en-US" sz="2400" dirty="0"/>
+          </a:p>
+          <a:p>
+            <a:pPr marL="0" indent="0">
+              <a:buFont typeface="Arial" panose="020B0604020202020204" pitchFamily="34" charset="0"/>
+              <a:buNone/>
+            </a:pPr>
+            <a:endParaRPr lang="en-US" sz="2400" dirty="0"/>
+          </a:p>
+          <a:p>
+            <a:pPr marL="0" indent="0">
+              <a:buFont typeface="Arial" panose="020B0604020202020204" pitchFamily="34" charset="0"/>
+              <a:buNone/>
+            </a:pPr>
+            <a:r>
+              <a:rPr lang="en-US" sz="2400" dirty="0"/>
+              <a:t>C2:</a:t>
+            </a:r>
+          </a:p>
+          <a:p>
+            <a:pPr marL="0" indent="0">
+              <a:buFont typeface="Arial" panose="020B0604020202020204" pitchFamily="34" charset="0"/>
+              <a:buNone/>
+            </a:pPr>
+            <a:r>
+              <a:rPr lang="en-US" sz="2400" dirty="0"/>
+              <a:t>- Packets : 250000 </a:t>
+            </a:r>
+          </a:p>
+          <a:p>
+            <a:pPr marL="0" indent="0">
+              <a:buFont typeface="Arial" panose="020B0604020202020204" pitchFamily="34" charset="0"/>
+              <a:buNone/>
+            </a:pPr>
+            <a:r>
+              <a:rPr lang="en-US" sz="2400" dirty="0"/>
+              <a:t>- Time period 17 s 795 </a:t>
+            </a:r>
+            <a:r>
+              <a:rPr lang="en-US" sz="2400" dirty="0" err="1"/>
+              <a:t>ms</a:t>
+            </a:r>
+            <a:r>
+              <a:rPr lang="en-US" sz="2400" dirty="0"/>
+              <a:t> </a:t>
+            </a:r>
+          </a:p>
+          <a:p>
+            <a:pPr marL="0" indent="0">
+              <a:buFont typeface="Arial" panose="020B0604020202020204" pitchFamily="34" charset="0"/>
+              <a:buNone/>
+            </a:pPr>
+            <a:r>
+              <a:rPr lang="en-US" sz="2400" dirty="0"/>
+              <a:t>- Throughput : 14.018380654897687 msg/</a:t>
+            </a:r>
+            <a:r>
+              <a:rPr lang="en-US" sz="2400" dirty="0" err="1"/>
+              <a:t>ms</a:t>
+            </a:r>
+            <a:endParaRPr lang="en-US" sz="2400" dirty="0"/>
+          </a:p>
+          <a:p>
+            <a:pPr marL="0" indent="0">
+              <a:buFont typeface="Arial" panose="020B0604020202020204" pitchFamily="34" charset="0"/>
+              <a:buNone/>
+            </a:pPr>
+            <a:r>
+              <a:rPr lang="en-US" sz="2400" dirty="0"/>
+              <a:t>- Jitter : 3524.0770541894904 </a:t>
+            </a:r>
+            <a:r>
+              <a:rPr lang="en-US" sz="2400" dirty="0" err="1"/>
+              <a:t>ms</a:t>
+            </a:r>
+            <a:endParaRPr lang="it-IT" sz="2400" dirty="0"/>
+          </a:p>
+        </p:txBody>
+      </p:sp>
     </p:spTree>
     <p:extLst>
       <p:ext uri="{BB962C8B-B14F-4D97-AF65-F5344CB8AC3E}">
-        <p14:creationId xmlns:p14="http://schemas.microsoft.com/office/powerpoint/2010/main" val="308005279"/>
+        <p14:creationId xmlns:p14="http://schemas.microsoft.com/office/powerpoint/2010/main" val="3705185217"/>
       </p:ext>
     </p:extLst>
   </p:cSld>
@@ -3668,7 +4570,7 @@
         <p:cNvPr id="1" name="">
           <a:extLst>
             <a:ext uri="{FF2B5EF4-FFF2-40B4-BE49-F238E27FC236}">
-              <a16:creationId xmlns:a16="http://schemas.microsoft.com/office/drawing/2014/main" id="{45A9A8C4-BF23-3F38-46D8-08AF5750C9EC}"/>
+              <a16:creationId xmlns:a16="http://schemas.microsoft.com/office/drawing/2014/main" id="{2D8EE554-70E1-AB7C-D067-17F7D08BED04}"/>
             </a:ext>
           </a:extLst>
         </p:cNvPr>
@@ -3688,7 +4590,7 @@
           <p:cNvPr id="4" name="Titolo 3">
             <a:extLst>
               <a:ext uri="{FF2B5EF4-FFF2-40B4-BE49-F238E27FC236}">
-                <a16:creationId xmlns:a16="http://schemas.microsoft.com/office/drawing/2014/main" id="{9CC9AB10-3622-8B59-AAEE-0E9DFAF12D2C}"/>
+                <a16:creationId xmlns:a16="http://schemas.microsoft.com/office/drawing/2014/main" id="{8F796674-B303-B084-5493-8DB40D844D2C}"/>
               </a:ext>
             </a:extLst>
           </p:cNvPr>
@@ -3699,58 +4601,19 @@
             <p:ph type="title"/>
           </p:nvPr>
         </p:nvSpPr>
-        <p:spPr/>
+        <p:spPr>
+          <a:xfrm>
+            <a:off x="838200" y="329615"/>
+            <a:ext cx="10515600" cy="1325563"/>
+          </a:xfrm>
+        </p:spPr>
         <p:txBody>
           <a:bodyPr/>
           <a:lstStyle/>
           <a:p>
             <a:r>
-              <a:rPr lang="it-IT" dirty="0" err="1"/>
-              <a:t>References</a:t>
-            </a:r>
-            <a:endParaRPr lang="it-IT" dirty="0"/>
-          </a:p>
-        </p:txBody>
-      </p:sp>
-      <p:sp>
-        <p:nvSpPr>
-          <p:cNvPr id="5" name="Segnaposto contenuto 4">
-            <a:extLst>
-              <a:ext uri="{FF2B5EF4-FFF2-40B4-BE49-F238E27FC236}">
-                <a16:creationId xmlns:a16="http://schemas.microsoft.com/office/drawing/2014/main" id="{17E7D849-3336-D5B9-98C3-02AF5F22F8C6}"/>
-              </a:ext>
-            </a:extLst>
-          </p:cNvPr>
-          <p:cNvSpPr>
-            <a:spLocks noGrp="1"/>
-          </p:cNvSpPr>
-          <p:nvPr>
-            <p:ph idx="1"/>
-          </p:nvPr>
-        </p:nvSpPr>
-        <p:spPr/>
-        <p:txBody>
-          <a:bodyPr/>
-          <a:lstStyle/>
-          <a:p>
-            <a:r>
-              <a:rPr lang="it-IT" dirty="0">
-                <a:hlinkClick r:id="rId2"/>
-              </a:rPr>
-              <a:t>https://www.rabbitmq.com/tutorials/amqp-concepts.html</a:t>
-            </a:r>
-            <a:endParaRPr lang="it-IT" dirty="0"/>
-          </a:p>
-          <a:p>
-            <a:r>
-              <a:rPr lang="it-IT" dirty="0">
-                <a:hlinkClick r:id="rId3"/>
-              </a:rPr>
-              <a:t>https://github.com/bianchiart/rtes-rabbitmq-project</a:t>
-            </a:r>
-            <a:r>
-              <a:rPr lang="it-IT" dirty="0"/>
-              <a:t> </a:t>
+              <a:rPr lang="it-IT" dirty="0"/>
+              <a:t>Consumer competitivi (Windows)</a:t>
             </a:r>
           </a:p>
         </p:txBody>
@@ -3760,7 +4623,7 @@
           <p:cNvPr id="1026" name="Picture 2" descr="RabbitMQ - meshIQ">
             <a:extLst>
               <a:ext uri="{FF2B5EF4-FFF2-40B4-BE49-F238E27FC236}">
-                <a16:creationId xmlns:a16="http://schemas.microsoft.com/office/drawing/2014/main" id="{3276CBFC-89C1-0EF1-E464-CAE8D9BFE482}"/>
+                <a16:creationId xmlns:a16="http://schemas.microsoft.com/office/drawing/2014/main" id="{769F32E4-0CBC-2274-E4F7-93E7519FAE12}"/>
               </a:ext>
             </a:extLst>
           </p:cNvPr>
@@ -3770,7 +4633,7 @@
           <p:nvPr/>
         </p:nvPicPr>
         <p:blipFill>
-          <a:blip r:embed="rId4">
+          <a:blip r:embed="rId2">
             <a:extLst>
               <a:ext uri="{28A0092B-C50C-407E-A947-70E740481C1C}">
                 <a14:useLocalDpi xmlns:a14="http://schemas.microsoft.com/office/drawing/2010/main" val="0"/>
@@ -3802,10 +4665,4029 @@
           </a:extLst>
         </p:spPr>
       </p:pic>
+      <p:sp>
+        <p:nvSpPr>
+          <p:cNvPr id="2" name="Segnaposto contenuto 4">
+            <a:extLst>
+              <a:ext uri="{FF2B5EF4-FFF2-40B4-BE49-F238E27FC236}">
+                <a16:creationId xmlns:a16="http://schemas.microsoft.com/office/drawing/2014/main" id="{69DBC507-484F-5A39-F7D7-D17C1B058539}"/>
+              </a:ext>
+            </a:extLst>
+          </p:cNvPr>
+          <p:cNvSpPr txBox="1">
+            <a:spLocks/>
+          </p:cNvSpPr>
+          <p:nvPr/>
+        </p:nvSpPr>
+        <p:spPr>
+          <a:xfrm>
+            <a:off x="5988728" y="1825625"/>
+            <a:ext cx="2775012" cy="518080"/>
+          </a:xfrm>
+          <a:prstGeom prst="rect">
+            <a:avLst/>
+          </a:prstGeom>
+        </p:spPr>
+        <p:txBody>
+          <a:bodyPr vert="horz" lIns="91440" tIns="45720" rIns="91440" bIns="45720" rtlCol="0">
+            <a:normAutofit/>
+          </a:bodyPr>
+          <a:lstStyle>
+            <a:lvl1pPr marL="228600" indent="-228600" algn="l" defTabSz="914400" rtl="0" eaLnBrk="1" latinLnBrk="0" hangingPunct="1">
+              <a:lnSpc>
+                <a:spcPct val="90000"/>
+              </a:lnSpc>
+              <a:spcBef>
+                <a:spcPts val="1000"/>
+              </a:spcBef>
+              <a:buFont typeface="Arial" panose="020B0604020202020204" pitchFamily="34" charset="0"/>
+              <a:buChar char="•"/>
+              <a:defRPr sz="2800" kern="1200">
+                <a:solidFill>
+                  <a:schemeClr val="tx1"/>
+                </a:solidFill>
+                <a:latin typeface="+mn-lt"/>
+                <a:ea typeface="+mn-ea"/>
+                <a:cs typeface="+mn-cs"/>
+              </a:defRPr>
+            </a:lvl1pPr>
+            <a:lvl2pPr marL="685800" indent="-228600" algn="l" defTabSz="914400" rtl="0" eaLnBrk="1" latinLnBrk="0" hangingPunct="1">
+              <a:lnSpc>
+                <a:spcPct val="90000"/>
+              </a:lnSpc>
+              <a:spcBef>
+                <a:spcPts val="500"/>
+              </a:spcBef>
+              <a:buFont typeface="Arial" panose="020B0604020202020204" pitchFamily="34" charset="0"/>
+              <a:buChar char="•"/>
+              <a:defRPr sz="2400" kern="1200">
+                <a:solidFill>
+                  <a:schemeClr val="tx1"/>
+                </a:solidFill>
+                <a:latin typeface="+mn-lt"/>
+                <a:ea typeface="+mn-ea"/>
+                <a:cs typeface="+mn-cs"/>
+              </a:defRPr>
+            </a:lvl2pPr>
+            <a:lvl3pPr marL="1143000" indent="-228600" algn="l" defTabSz="914400" rtl="0" eaLnBrk="1" latinLnBrk="0" hangingPunct="1">
+              <a:lnSpc>
+                <a:spcPct val="90000"/>
+              </a:lnSpc>
+              <a:spcBef>
+                <a:spcPts val="500"/>
+              </a:spcBef>
+              <a:buFont typeface="Arial" panose="020B0604020202020204" pitchFamily="34" charset="0"/>
+              <a:buChar char="•"/>
+              <a:defRPr sz="2000" kern="1200">
+                <a:solidFill>
+                  <a:schemeClr val="tx1"/>
+                </a:solidFill>
+                <a:latin typeface="+mn-lt"/>
+                <a:ea typeface="+mn-ea"/>
+                <a:cs typeface="+mn-cs"/>
+              </a:defRPr>
+            </a:lvl3pPr>
+            <a:lvl4pPr marL="1600200" indent="-228600" algn="l" defTabSz="914400" rtl="0" eaLnBrk="1" latinLnBrk="0" hangingPunct="1">
+              <a:lnSpc>
+                <a:spcPct val="90000"/>
+              </a:lnSpc>
+              <a:spcBef>
+                <a:spcPts val="500"/>
+              </a:spcBef>
+              <a:buFont typeface="Arial" panose="020B0604020202020204" pitchFamily="34" charset="0"/>
+              <a:buChar char="•"/>
+              <a:defRPr sz="1800" kern="1200">
+                <a:solidFill>
+                  <a:schemeClr val="tx1"/>
+                </a:solidFill>
+                <a:latin typeface="+mn-lt"/>
+                <a:ea typeface="+mn-ea"/>
+                <a:cs typeface="+mn-cs"/>
+              </a:defRPr>
+            </a:lvl4pPr>
+            <a:lvl5pPr marL="2057400" indent="-228600" algn="l" defTabSz="914400" rtl="0" eaLnBrk="1" latinLnBrk="0" hangingPunct="1">
+              <a:lnSpc>
+                <a:spcPct val="90000"/>
+              </a:lnSpc>
+              <a:spcBef>
+                <a:spcPts val="500"/>
+              </a:spcBef>
+              <a:buFont typeface="Arial" panose="020B0604020202020204" pitchFamily="34" charset="0"/>
+              <a:buChar char="•"/>
+              <a:defRPr sz="1800" kern="1200">
+                <a:solidFill>
+                  <a:schemeClr val="tx1"/>
+                </a:solidFill>
+                <a:latin typeface="+mn-lt"/>
+                <a:ea typeface="+mn-ea"/>
+                <a:cs typeface="+mn-cs"/>
+              </a:defRPr>
+            </a:lvl5pPr>
+            <a:lvl6pPr marL="2514600" indent="-228600" algn="l" defTabSz="914400" rtl="0" eaLnBrk="1" latinLnBrk="0" hangingPunct="1">
+              <a:lnSpc>
+                <a:spcPct val="90000"/>
+              </a:lnSpc>
+              <a:spcBef>
+                <a:spcPts val="500"/>
+              </a:spcBef>
+              <a:buFont typeface="Arial" panose="020B0604020202020204" pitchFamily="34" charset="0"/>
+              <a:buChar char="•"/>
+              <a:defRPr sz="1800" kern="1200">
+                <a:solidFill>
+                  <a:schemeClr val="tx1"/>
+                </a:solidFill>
+                <a:latin typeface="+mn-lt"/>
+                <a:ea typeface="+mn-ea"/>
+                <a:cs typeface="+mn-cs"/>
+              </a:defRPr>
+            </a:lvl6pPr>
+            <a:lvl7pPr marL="2971800" indent="-228600" algn="l" defTabSz="914400" rtl="0" eaLnBrk="1" latinLnBrk="0" hangingPunct="1">
+              <a:lnSpc>
+                <a:spcPct val="90000"/>
+              </a:lnSpc>
+              <a:spcBef>
+                <a:spcPts val="500"/>
+              </a:spcBef>
+              <a:buFont typeface="Arial" panose="020B0604020202020204" pitchFamily="34" charset="0"/>
+              <a:buChar char="•"/>
+              <a:defRPr sz="1800" kern="1200">
+                <a:solidFill>
+                  <a:schemeClr val="tx1"/>
+                </a:solidFill>
+                <a:latin typeface="+mn-lt"/>
+                <a:ea typeface="+mn-ea"/>
+                <a:cs typeface="+mn-cs"/>
+              </a:defRPr>
+            </a:lvl7pPr>
+            <a:lvl8pPr marL="3429000" indent="-228600" algn="l" defTabSz="914400" rtl="0" eaLnBrk="1" latinLnBrk="0" hangingPunct="1">
+              <a:lnSpc>
+                <a:spcPct val="90000"/>
+              </a:lnSpc>
+              <a:spcBef>
+                <a:spcPts val="500"/>
+              </a:spcBef>
+              <a:buFont typeface="Arial" panose="020B0604020202020204" pitchFamily="34" charset="0"/>
+              <a:buChar char="•"/>
+              <a:defRPr sz="1800" kern="1200">
+                <a:solidFill>
+                  <a:schemeClr val="tx1"/>
+                </a:solidFill>
+                <a:latin typeface="+mn-lt"/>
+                <a:ea typeface="+mn-ea"/>
+                <a:cs typeface="+mn-cs"/>
+              </a:defRPr>
+            </a:lvl8pPr>
+            <a:lvl9pPr marL="3886200" indent="-228600" algn="l" defTabSz="914400" rtl="0" eaLnBrk="1" latinLnBrk="0" hangingPunct="1">
+              <a:lnSpc>
+                <a:spcPct val="90000"/>
+              </a:lnSpc>
+              <a:spcBef>
+                <a:spcPts val="500"/>
+              </a:spcBef>
+              <a:buFont typeface="Arial" panose="020B0604020202020204" pitchFamily="34" charset="0"/>
+              <a:buChar char="•"/>
+              <a:defRPr sz="1800" kern="1200">
+                <a:solidFill>
+                  <a:schemeClr val="tx1"/>
+                </a:solidFill>
+                <a:latin typeface="+mn-lt"/>
+                <a:ea typeface="+mn-ea"/>
+                <a:cs typeface="+mn-cs"/>
+              </a:defRPr>
+            </a:lvl9pPr>
+          </a:lstStyle>
+          <a:p>
+            <a:pPr marL="0" indent="0">
+              <a:buFont typeface="Arial" panose="020B0604020202020204" pitchFamily="34" charset="0"/>
+              <a:buNone/>
+            </a:pPr>
+            <a:endParaRPr lang="it-IT" dirty="0"/>
+          </a:p>
+        </p:txBody>
+      </p:sp>
+      <p:sp>
+        <p:nvSpPr>
+          <p:cNvPr id="3" name="Segnaposto contenuto 4">
+            <a:extLst>
+              <a:ext uri="{FF2B5EF4-FFF2-40B4-BE49-F238E27FC236}">
+                <a16:creationId xmlns:a16="http://schemas.microsoft.com/office/drawing/2014/main" id="{278EE362-7A28-B666-BBF9-73B66B23FA27}"/>
+              </a:ext>
+            </a:extLst>
+          </p:cNvPr>
+          <p:cNvSpPr txBox="1">
+            <a:spLocks/>
+          </p:cNvSpPr>
+          <p:nvPr/>
+        </p:nvSpPr>
+        <p:spPr>
+          <a:xfrm>
+            <a:off x="880821" y="2025076"/>
+            <a:ext cx="2775012" cy="4069631"/>
+          </a:xfrm>
+          <a:prstGeom prst="rect">
+            <a:avLst/>
+          </a:prstGeom>
+        </p:spPr>
+        <p:txBody>
+          <a:bodyPr vert="horz" lIns="91440" tIns="45720" rIns="91440" bIns="45720" rtlCol="0">
+            <a:normAutofit/>
+          </a:bodyPr>
+          <a:lstStyle>
+            <a:lvl1pPr marL="228600" indent="-228600" algn="l" defTabSz="914400" rtl="0" eaLnBrk="1" latinLnBrk="0" hangingPunct="1">
+              <a:lnSpc>
+                <a:spcPct val="90000"/>
+              </a:lnSpc>
+              <a:spcBef>
+                <a:spcPts val="1000"/>
+              </a:spcBef>
+              <a:buFont typeface="Arial" panose="020B0604020202020204" pitchFamily="34" charset="0"/>
+              <a:buChar char="•"/>
+              <a:defRPr sz="2800" kern="1200">
+                <a:solidFill>
+                  <a:schemeClr val="tx1"/>
+                </a:solidFill>
+                <a:latin typeface="+mn-lt"/>
+                <a:ea typeface="+mn-ea"/>
+                <a:cs typeface="+mn-cs"/>
+              </a:defRPr>
+            </a:lvl1pPr>
+            <a:lvl2pPr marL="685800" indent="-228600" algn="l" defTabSz="914400" rtl="0" eaLnBrk="1" latinLnBrk="0" hangingPunct="1">
+              <a:lnSpc>
+                <a:spcPct val="90000"/>
+              </a:lnSpc>
+              <a:spcBef>
+                <a:spcPts val="500"/>
+              </a:spcBef>
+              <a:buFont typeface="Arial" panose="020B0604020202020204" pitchFamily="34" charset="0"/>
+              <a:buChar char="•"/>
+              <a:defRPr sz="2400" kern="1200">
+                <a:solidFill>
+                  <a:schemeClr val="tx1"/>
+                </a:solidFill>
+                <a:latin typeface="+mn-lt"/>
+                <a:ea typeface="+mn-ea"/>
+                <a:cs typeface="+mn-cs"/>
+              </a:defRPr>
+            </a:lvl2pPr>
+            <a:lvl3pPr marL="1143000" indent="-228600" algn="l" defTabSz="914400" rtl="0" eaLnBrk="1" latinLnBrk="0" hangingPunct="1">
+              <a:lnSpc>
+                <a:spcPct val="90000"/>
+              </a:lnSpc>
+              <a:spcBef>
+                <a:spcPts val="500"/>
+              </a:spcBef>
+              <a:buFont typeface="Arial" panose="020B0604020202020204" pitchFamily="34" charset="0"/>
+              <a:buChar char="•"/>
+              <a:defRPr sz="2000" kern="1200">
+                <a:solidFill>
+                  <a:schemeClr val="tx1"/>
+                </a:solidFill>
+                <a:latin typeface="+mn-lt"/>
+                <a:ea typeface="+mn-ea"/>
+                <a:cs typeface="+mn-cs"/>
+              </a:defRPr>
+            </a:lvl3pPr>
+            <a:lvl4pPr marL="1600200" indent="-228600" algn="l" defTabSz="914400" rtl="0" eaLnBrk="1" latinLnBrk="0" hangingPunct="1">
+              <a:lnSpc>
+                <a:spcPct val="90000"/>
+              </a:lnSpc>
+              <a:spcBef>
+                <a:spcPts val="500"/>
+              </a:spcBef>
+              <a:buFont typeface="Arial" panose="020B0604020202020204" pitchFamily="34" charset="0"/>
+              <a:buChar char="•"/>
+              <a:defRPr sz="1800" kern="1200">
+                <a:solidFill>
+                  <a:schemeClr val="tx1"/>
+                </a:solidFill>
+                <a:latin typeface="+mn-lt"/>
+                <a:ea typeface="+mn-ea"/>
+                <a:cs typeface="+mn-cs"/>
+              </a:defRPr>
+            </a:lvl4pPr>
+            <a:lvl5pPr marL="2057400" indent="-228600" algn="l" defTabSz="914400" rtl="0" eaLnBrk="1" latinLnBrk="0" hangingPunct="1">
+              <a:lnSpc>
+                <a:spcPct val="90000"/>
+              </a:lnSpc>
+              <a:spcBef>
+                <a:spcPts val="500"/>
+              </a:spcBef>
+              <a:buFont typeface="Arial" panose="020B0604020202020204" pitchFamily="34" charset="0"/>
+              <a:buChar char="•"/>
+              <a:defRPr sz="1800" kern="1200">
+                <a:solidFill>
+                  <a:schemeClr val="tx1"/>
+                </a:solidFill>
+                <a:latin typeface="+mn-lt"/>
+                <a:ea typeface="+mn-ea"/>
+                <a:cs typeface="+mn-cs"/>
+              </a:defRPr>
+            </a:lvl5pPr>
+            <a:lvl6pPr marL="2514600" indent="-228600" algn="l" defTabSz="914400" rtl="0" eaLnBrk="1" latinLnBrk="0" hangingPunct="1">
+              <a:lnSpc>
+                <a:spcPct val="90000"/>
+              </a:lnSpc>
+              <a:spcBef>
+                <a:spcPts val="500"/>
+              </a:spcBef>
+              <a:buFont typeface="Arial" panose="020B0604020202020204" pitchFamily="34" charset="0"/>
+              <a:buChar char="•"/>
+              <a:defRPr sz="1800" kern="1200">
+                <a:solidFill>
+                  <a:schemeClr val="tx1"/>
+                </a:solidFill>
+                <a:latin typeface="+mn-lt"/>
+                <a:ea typeface="+mn-ea"/>
+                <a:cs typeface="+mn-cs"/>
+              </a:defRPr>
+            </a:lvl6pPr>
+            <a:lvl7pPr marL="2971800" indent="-228600" algn="l" defTabSz="914400" rtl="0" eaLnBrk="1" latinLnBrk="0" hangingPunct="1">
+              <a:lnSpc>
+                <a:spcPct val="90000"/>
+              </a:lnSpc>
+              <a:spcBef>
+                <a:spcPts val="500"/>
+              </a:spcBef>
+              <a:buFont typeface="Arial" panose="020B0604020202020204" pitchFamily="34" charset="0"/>
+              <a:buChar char="•"/>
+              <a:defRPr sz="1800" kern="1200">
+                <a:solidFill>
+                  <a:schemeClr val="tx1"/>
+                </a:solidFill>
+                <a:latin typeface="+mn-lt"/>
+                <a:ea typeface="+mn-ea"/>
+                <a:cs typeface="+mn-cs"/>
+              </a:defRPr>
+            </a:lvl7pPr>
+            <a:lvl8pPr marL="3429000" indent="-228600" algn="l" defTabSz="914400" rtl="0" eaLnBrk="1" latinLnBrk="0" hangingPunct="1">
+              <a:lnSpc>
+                <a:spcPct val="90000"/>
+              </a:lnSpc>
+              <a:spcBef>
+                <a:spcPts val="500"/>
+              </a:spcBef>
+              <a:buFont typeface="Arial" panose="020B0604020202020204" pitchFamily="34" charset="0"/>
+              <a:buChar char="•"/>
+              <a:defRPr sz="1800" kern="1200">
+                <a:solidFill>
+                  <a:schemeClr val="tx1"/>
+                </a:solidFill>
+                <a:latin typeface="+mn-lt"/>
+                <a:ea typeface="+mn-ea"/>
+                <a:cs typeface="+mn-cs"/>
+              </a:defRPr>
+            </a:lvl8pPr>
+            <a:lvl9pPr marL="3886200" indent="-228600" algn="l" defTabSz="914400" rtl="0" eaLnBrk="1" latinLnBrk="0" hangingPunct="1">
+              <a:lnSpc>
+                <a:spcPct val="90000"/>
+              </a:lnSpc>
+              <a:spcBef>
+                <a:spcPts val="500"/>
+              </a:spcBef>
+              <a:buFont typeface="Arial" panose="020B0604020202020204" pitchFamily="34" charset="0"/>
+              <a:buChar char="•"/>
+              <a:defRPr sz="1800" kern="1200">
+                <a:solidFill>
+                  <a:schemeClr val="tx1"/>
+                </a:solidFill>
+                <a:latin typeface="+mn-lt"/>
+                <a:ea typeface="+mn-ea"/>
+                <a:cs typeface="+mn-cs"/>
+              </a:defRPr>
+            </a:lvl9pPr>
+          </a:lstStyle>
+          <a:p>
+            <a:pPr marL="0" indent="0">
+              <a:buFont typeface="Arial" panose="020B0604020202020204" pitchFamily="34" charset="0"/>
+              <a:buNone/>
+            </a:pPr>
+            <a:endParaRPr lang="it-IT" dirty="0"/>
+          </a:p>
+        </p:txBody>
+      </p:sp>
+      <p:sp>
+        <p:nvSpPr>
+          <p:cNvPr id="6" name="Segnaposto contenuto 4">
+            <a:extLst>
+              <a:ext uri="{FF2B5EF4-FFF2-40B4-BE49-F238E27FC236}">
+                <a16:creationId xmlns:a16="http://schemas.microsoft.com/office/drawing/2014/main" id="{7E517E49-15B7-F852-D6F6-4FA6094A0E8C}"/>
+              </a:ext>
+            </a:extLst>
+          </p:cNvPr>
+          <p:cNvSpPr txBox="1">
+            <a:spLocks/>
+          </p:cNvSpPr>
+          <p:nvPr/>
+        </p:nvSpPr>
+        <p:spPr>
+          <a:xfrm>
+            <a:off x="4314988" y="2044711"/>
+            <a:ext cx="2775012" cy="4069631"/>
+          </a:xfrm>
+          <a:prstGeom prst="rect">
+            <a:avLst/>
+          </a:prstGeom>
+        </p:spPr>
+        <p:txBody>
+          <a:bodyPr vert="horz" lIns="91440" tIns="45720" rIns="91440" bIns="45720" rtlCol="0">
+            <a:normAutofit/>
+          </a:bodyPr>
+          <a:lstStyle>
+            <a:lvl1pPr marL="228600" indent="-228600" algn="l" defTabSz="914400" rtl="0" eaLnBrk="1" latinLnBrk="0" hangingPunct="1">
+              <a:lnSpc>
+                <a:spcPct val="90000"/>
+              </a:lnSpc>
+              <a:spcBef>
+                <a:spcPts val="1000"/>
+              </a:spcBef>
+              <a:buFont typeface="Arial" panose="020B0604020202020204" pitchFamily="34" charset="0"/>
+              <a:buChar char="•"/>
+              <a:defRPr sz="2800" kern="1200">
+                <a:solidFill>
+                  <a:schemeClr val="tx1"/>
+                </a:solidFill>
+                <a:latin typeface="+mn-lt"/>
+                <a:ea typeface="+mn-ea"/>
+                <a:cs typeface="+mn-cs"/>
+              </a:defRPr>
+            </a:lvl1pPr>
+            <a:lvl2pPr marL="685800" indent="-228600" algn="l" defTabSz="914400" rtl="0" eaLnBrk="1" latinLnBrk="0" hangingPunct="1">
+              <a:lnSpc>
+                <a:spcPct val="90000"/>
+              </a:lnSpc>
+              <a:spcBef>
+                <a:spcPts val="500"/>
+              </a:spcBef>
+              <a:buFont typeface="Arial" panose="020B0604020202020204" pitchFamily="34" charset="0"/>
+              <a:buChar char="•"/>
+              <a:defRPr sz="2400" kern="1200">
+                <a:solidFill>
+                  <a:schemeClr val="tx1"/>
+                </a:solidFill>
+                <a:latin typeface="+mn-lt"/>
+                <a:ea typeface="+mn-ea"/>
+                <a:cs typeface="+mn-cs"/>
+              </a:defRPr>
+            </a:lvl2pPr>
+            <a:lvl3pPr marL="1143000" indent="-228600" algn="l" defTabSz="914400" rtl="0" eaLnBrk="1" latinLnBrk="0" hangingPunct="1">
+              <a:lnSpc>
+                <a:spcPct val="90000"/>
+              </a:lnSpc>
+              <a:spcBef>
+                <a:spcPts val="500"/>
+              </a:spcBef>
+              <a:buFont typeface="Arial" panose="020B0604020202020204" pitchFamily="34" charset="0"/>
+              <a:buChar char="•"/>
+              <a:defRPr sz="2000" kern="1200">
+                <a:solidFill>
+                  <a:schemeClr val="tx1"/>
+                </a:solidFill>
+                <a:latin typeface="+mn-lt"/>
+                <a:ea typeface="+mn-ea"/>
+                <a:cs typeface="+mn-cs"/>
+              </a:defRPr>
+            </a:lvl3pPr>
+            <a:lvl4pPr marL="1600200" indent="-228600" algn="l" defTabSz="914400" rtl="0" eaLnBrk="1" latinLnBrk="0" hangingPunct="1">
+              <a:lnSpc>
+                <a:spcPct val="90000"/>
+              </a:lnSpc>
+              <a:spcBef>
+                <a:spcPts val="500"/>
+              </a:spcBef>
+              <a:buFont typeface="Arial" panose="020B0604020202020204" pitchFamily="34" charset="0"/>
+              <a:buChar char="•"/>
+              <a:defRPr sz="1800" kern="1200">
+                <a:solidFill>
+                  <a:schemeClr val="tx1"/>
+                </a:solidFill>
+                <a:latin typeface="+mn-lt"/>
+                <a:ea typeface="+mn-ea"/>
+                <a:cs typeface="+mn-cs"/>
+              </a:defRPr>
+            </a:lvl4pPr>
+            <a:lvl5pPr marL="2057400" indent="-228600" algn="l" defTabSz="914400" rtl="0" eaLnBrk="1" latinLnBrk="0" hangingPunct="1">
+              <a:lnSpc>
+                <a:spcPct val="90000"/>
+              </a:lnSpc>
+              <a:spcBef>
+                <a:spcPts val="500"/>
+              </a:spcBef>
+              <a:buFont typeface="Arial" panose="020B0604020202020204" pitchFamily="34" charset="0"/>
+              <a:buChar char="•"/>
+              <a:defRPr sz="1800" kern="1200">
+                <a:solidFill>
+                  <a:schemeClr val="tx1"/>
+                </a:solidFill>
+                <a:latin typeface="+mn-lt"/>
+                <a:ea typeface="+mn-ea"/>
+                <a:cs typeface="+mn-cs"/>
+              </a:defRPr>
+            </a:lvl5pPr>
+            <a:lvl6pPr marL="2514600" indent="-228600" algn="l" defTabSz="914400" rtl="0" eaLnBrk="1" latinLnBrk="0" hangingPunct="1">
+              <a:lnSpc>
+                <a:spcPct val="90000"/>
+              </a:lnSpc>
+              <a:spcBef>
+                <a:spcPts val="500"/>
+              </a:spcBef>
+              <a:buFont typeface="Arial" panose="020B0604020202020204" pitchFamily="34" charset="0"/>
+              <a:buChar char="•"/>
+              <a:defRPr sz="1800" kern="1200">
+                <a:solidFill>
+                  <a:schemeClr val="tx1"/>
+                </a:solidFill>
+                <a:latin typeface="+mn-lt"/>
+                <a:ea typeface="+mn-ea"/>
+                <a:cs typeface="+mn-cs"/>
+              </a:defRPr>
+            </a:lvl6pPr>
+            <a:lvl7pPr marL="2971800" indent="-228600" algn="l" defTabSz="914400" rtl="0" eaLnBrk="1" latinLnBrk="0" hangingPunct="1">
+              <a:lnSpc>
+                <a:spcPct val="90000"/>
+              </a:lnSpc>
+              <a:spcBef>
+                <a:spcPts val="500"/>
+              </a:spcBef>
+              <a:buFont typeface="Arial" panose="020B0604020202020204" pitchFamily="34" charset="0"/>
+              <a:buChar char="•"/>
+              <a:defRPr sz="1800" kern="1200">
+                <a:solidFill>
+                  <a:schemeClr val="tx1"/>
+                </a:solidFill>
+                <a:latin typeface="+mn-lt"/>
+                <a:ea typeface="+mn-ea"/>
+                <a:cs typeface="+mn-cs"/>
+              </a:defRPr>
+            </a:lvl7pPr>
+            <a:lvl8pPr marL="3429000" indent="-228600" algn="l" defTabSz="914400" rtl="0" eaLnBrk="1" latinLnBrk="0" hangingPunct="1">
+              <a:lnSpc>
+                <a:spcPct val="90000"/>
+              </a:lnSpc>
+              <a:spcBef>
+                <a:spcPts val="500"/>
+              </a:spcBef>
+              <a:buFont typeface="Arial" panose="020B0604020202020204" pitchFamily="34" charset="0"/>
+              <a:buChar char="•"/>
+              <a:defRPr sz="1800" kern="1200">
+                <a:solidFill>
+                  <a:schemeClr val="tx1"/>
+                </a:solidFill>
+                <a:latin typeface="+mn-lt"/>
+                <a:ea typeface="+mn-ea"/>
+                <a:cs typeface="+mn-cs"/>
+              </a:defRPr>
+            </a:lvl8pPr>
+            <a:lvl9pPr marL="3886200" indent="-228600" algn="l" defTabSz="914400" rtl="0" eaLnBrk="1" latinLnBrk="0" hangingPunct="1">
+              <a:lnSpc>
+                <a:spcPct val="90000"/>
+              </a:lnSpc>
+              <a:spcBef>
+                <a:spcPts val="500"/>
+              </a:spcBef>
+              <a:buFont typeface="Arial" panose="020B0604020202020204" pitchFamily="34" charset="0"/>
+              <a:buChar char="•"/>
+              <a:defRPr sz="1800" kern="1200">
+                <a:solidFill>
+                  <a:schemeClr val="tx1"/>
+                </a:solidFill>
+                <a:latin typeface="+mn-lt"/>
+                <a:ea typeface="+mn-ea"/>
+                <a:cs typeface="+mn-cs"/>
+              </a:defRPr>
+            </a:lvl9pPr>
+          </a:lstStyle>
+          <a:p>
+            <a:pPr marL="0" indent="0">
+              <a:buFont typeface="Arial" panose="020B0604020202020204" pitchFamily="34" charset="0"/>
+              <a:buNone/>
+            </a:pPr>
+            <a:endParaRPr lang="it-IT" dirty="0"/>
+          </a:p>
+        </p:txBody>
+      </p:sp>
+      <p:sp>
+        <p:nvSpPr>
+          <p:cNvPr id="7" name="Segnaposto contenuto 4">
+            <a:extLst>
+              <a:ext uri="{FF2B5EF4-FFF2-40B4-BE49-F238E27FC236}">
+                <a16:creationId xmlns:a16="http://schemas.microsoft.com/office/drawing/2014/main" id="{3C0916DC-8373-D5AE-66FA-05771381DA43}"/>
+              </a:ext>
+            </a:extLst>
+          </p:cNvPr>
+          <p:cNvSpPr txBox="1">
+            <a:spLocks/>
+          </p:cNvSpPr>
+          <p:nvPr/>
+        </p:nvSpPr>
+        <p:spPr>
+          <a:xfrm>
+            <a:off x="880820" y="1615698"/>
+            <a:ext cx="7492139" cy="4408058"/>
+          </a:xfrm>
+          <a:prstGeom prst="rect">
+            <a:avLst/>
+          </a:prstGeom>
+        </p:spPr>
+        <p:txBody>
+          <a:bodyPr vert="horz" lIns="91440" tIns="45720" rIns="91440" bIns="45720" rtlCol="0">
+            <a:normAutofit lnSpcReduction="10000"/>
+          </a:bodyPr>
+          <a:lstStyle>
+            <a:lvl1pPr marL="228600" indent="-228600" algn="l" defTabSz="914400" rtl="0" eaLnBrk="1" latinLnBrk="0" hangingPunct="1">
+              <a:lnSpc>
+                <a:spcPct val="90000"/>
+              </a:lnSpc>
+              <a:spcBef>
+                <a:spcPts val="1000"/>
+              </a:spcBef>
+              <a:buFont typeface="Arial" panose="020B0604020202020204" pitchFamily="34" charset="0"/>
+              <a:buChar char="•"/>
+              <a:defRPr sz="2800" kern="1200">
+                <a:solidFill>
+                  <a:schemeClr val="tx1"/>
+                </a:solidFill>
+                <a:latin typeface="+mn-lt"/>
+                <a:ea typeface="+mn-ea"/>
+                <a:cs typeface="+mn-cs"/>
+              </a:defRPr>
+            </a:lvl1pPr>
+            <a:lvl2pPr marL="685800" indent="-228600" algn="l" defTabSz="914400" rtl="0" eaLnBrk="1" latinLnBrk="0" hangingPunct="1">
+              <a:lnSpc>
+                <a:spcPct val="90000"/>
+              </a:lnSpc>
+              <a:spcBef>
+                <a:spcPts val="500"/>
+              </a:spcBef>
+              <a:buFont typeface="Arial" panose="020B0604020202020204" pitchFamily="34" charset="0"/>
+              <a:buChar char="•"/>
+              <a:defRPr sz="2400" kern="1200">
+                <a:solidFill>
+                  <a:schemeClr val="tx1"/>
+                </a:solidFill>
+                <a:latin typeface="+mn-lt"/>
+                <a:ea typeface="+mn-ea"/>
+                <a:cs typeface="+mn-cs"/>
+              </a:defRPr>
+            </a:lvl2pPr>
+            <a:lvl3pPr marL="1143000" indent="-228600" algn="l" defTabSz="914400" rtl="0" eaLnBrk="1" latinLnBrk="0" hangingPunct="1">
+              <a:lnSpc>
+                <a:spcPct val="90000"/>
+              </a:lnSpc>
+              <a:spcBef>
+                <a:spcPts val="500"/>
+              </a:spcBef>
+              <a:buFont typeface="Arial" panose="020B0604020202020204" pitchFamily="34" charset="0"/>
+              <a:buChar char="•"/>
+              <a:defRPr sz="2000" kern="1200">
+                <a:solidFill>
+                  <a:schemeClr val="tx1"/>
+                </a:solidFill>
+                <a:latin typeface="+mn-lt"/>
+                <a:ea typeface="+mn-ea"/>
+                <a:cs typeface="+mn-cs"/>
+              </a:defRPr>
+            </a:lvl3pPr>
+            <a:lvl4pPr marL="1600200" indent="-228600" algn="l" defTabSz="914400" rtl="0" eaLnBrk="1" latinLnBrk="0" hangingPunct="1">
+              <a:lnSpc>
+                <a:spcPct val="90000"/>
+              </a:lnSpc>
+              <a:spcBef>
+                <a:spcPts val="500"/>
+              </a:spcBef>
+              <a:buFont typeface="Arial" panose="020B0604020202020204" pitchFamily="34" charset="0"/>
+              <a:buChar char="•"/>
+              <a:defRPr sz="1800" kern="1200">
+                <a:solidFill>
+                  <a:schemeClr val="tx1"/>
+                </a:solidFill>
+                <a:latin typeface="+mn-lt"/>
+                <a:ea typeface="+mn-ea"/>
+                <a:cs typeface="+mn-cs"/>
+              </a:defRPr>
+            </a:lvl4pPr>
+            <a:lvl5pPr marL="2057400" indent="-228600" algn="l" defTabSz="914400" rtl="0" eaLnBrk="1" latinLnBrk="0" hangingPunct="1">
+              <a:lnSpc>
+                <a:spcPct val="90000"/>
+              </a:lnSpc>
+              <a:spcBef>
+                <a:spcPts val="500"/>
+              </a:spcBef>
+              <a:buFont typeface="Arial" panose="020B0604020202020204" pitchFamily="34" charset="0"/>
+              <a:buChar char="•"/>
+              <a:defRPr sz="1800" kern="1200">
+                <a:solidFill>
+                  <a:schemeClr val="tx1"/>
+                </a:solidFill>
+                <a:latin typeface="+mn-lt"/>
+                <a:ea typeface="+mn-ea"/>
+                <a:cs typeface="+mn-cs"/>
+              </a:defRPr>
+            </a:lvl5pPr>
+            <a:lvl6pPr marL="2514600" indent="-228600" algn="l" defTabSz="914400" rtl="0" eaLnBrk="1" latinLnBrk="0" hangingPunct="1">
+              <a:lnSpc>
+                <a:spcPct val="90000"/>
+              </a:lnSpc>
+              <a:spcBef>
+                <a:spcPts val="500"/>
+              </a:spcBef>
+              <a:buFont typeface="Arial" panose="020B0604020202020204" pitchFamily="34" charset="0"/>
+              <a:buChar char="•"/>
+              <a:defRPr sz="1800" kern="1200">
+                <a:solidFill>
+                  <a:schemeClr val="tx1"/>
+                </a:solidFill>
+                <a:latin typeface="+mn-lt"/>
+                <a:ea typeface="+mn-ea"/>
+                <a:cs typeface="+mn-cs"/>
+              </a:defRPr>
+            </a:lvl6pPr>
+            <a:lvl7pPr marL="2971800" indent="-228600" algn="l" defTabSz="914400" rtl="0" eaLnBrk="1" latinLnBrk="0" hangingPunct="1">
+              <a:lnSpc>
+                <a:spcPct val="90000"/>
+              </a:lnSpc>
+              <a:spcBef>
+                <a:spcPts val="500"/>
+              </a:spcBef>
+              <a:buFont typeface="Arial" panose="020B0604020202020204" pitchFamily="34" charset="0"/>
+              <a:buChar char="•"/>
+              <a:defRPr sz="1800" kern="1200">
+                <a:solidFill>
+                  <a:schemeClr val="tx1"/>
+                </a:solidFill>
+                <a:latin typeface="+mn-lt"/>
+                <a:ea typeface="+mn-ea"/>
+                <a:cs typeface="+mn-cs"/>
+              </a:defRPr>
+            </a:lvl7pPr>
+            <a:lvl8pPr marL="3429000" indent="-228600" algn="l" defTabSz="914400" rtl="0" eaLnBrk="1" latinLnBrk="0" hangingPunct="1">
+              <a:lnSpc>
+                <a:spcPct val="90000"/>
+              </a:lnSpc>
+              <a:spcBef>
+                <a:spcPts val="500"/>
+              </a:spcBef>
+              <a:buFont typeface="Arial" panose="020B0604020202020204" pitchFamily="34" charset="0"/>
+              <a:buChar char="•"/>
+              <a:defRPr sz="1800" kern="1200">
+                <a:solidFill>
+                  <a:schemeClr val="tx1"/>
+                </a:solidFill>
+                <a:latin typeface="+mn-lt"/>
+                <a:ea typeface="+mn-ea"/>
+                <a:cs typeface="+mn-cs"/>
+              </a:defRPr>
+            </a:lvl8pPr>
+            <a:lvl9pPr marL="3886200" indent="-228600" algn="l" defTabSz="914400" rtl="0" eaLnBrk="1" latinLnBrk="0" hangingPunct="1">
+              <a:lnSpc>
+                <a:spcPct val="90000"/>
+              </a:lnSpc>
+              <a:spcBef>
+                <a:spcPts val="500"/>
+              </a:spcBef>
+              <a:buFont typeface="Arial" panose="020B0604020202020204" pitchFamily="34" charset="0"/>
+              <a:buChar char="•"/>
+              <a:defRPr sz="1800" kern="1200">
+                <a:solidFill>
+                  <a:schemeClr val="tx1"/>
+                </a:solidFill>
+                <a:latin typeface="+mn-lt"/>
+                <a:ea typeface="+mn-ea"/>
+                <a:cs typeface="+mn-cs"/>
+              </a:defRPr>
+            </a:lvl9pPr>
+          </a:lstStyle>
+          <a:p>
+            <a:pPr marL="0" indent="0">
+              <a:buFont typeface="Arial" panose="020B0604020202020204" pitchFamily="34" charset="0"/>
+              <a:buNone/>
+            </a:pPr>
+            <a:r>
+              <a:rPr lang="en-US" sz="2400" dirty="0"/>
+              <a:t>C1:</a:t>
+            </a:r>
+          </a:p>
+          <a:p>
+            <a:pPr marL="0" indent="0">
+              <a:buFont typeface="Arial" panose="020B0604020202020204" pitchFamily="34" charset="0"/>
+              <a:buNone/>
+            </a:pPr>
+            <a:r>
+              <a:rPr lang="en-US" sz="2400" dirty="0"/>
+              <a:t>- Packets: 250000 </a:t>
+            </a:r>
+          </a:p>
+          <a:p>
+            <a:pPr marL="0" indent="0">
+              <a:buFont typeface="Arial" panose="020B0604020202020204" pitchFamily="34" charset="0"/>
+              <a:buNone/>
+            </a:pPr>
+            <a:r>
+              <a:rPr lang="en-US" sz="2400" dirty="0"/>
+              <a:t>- Time period 38 s 207 </a:t>
+            </a:r>
+            <a:r>
+              <a:rPr lang="en-US" sz="2400" dirty="0" err="1"/>
+              <a:t>ms</a:t>
+            </a:r>
+            <a:r>
+              <a:rPr lang="en-US" sz="2400" dirty="0"/>
+              <a:t> </a:t>
+            </a:r>
+          </a:p>
+          <a:p>
+            <a:pPr marL="0" indent="0">
+              <a:buFont typeface="Arial" panose="020B0604020202020204" pitchFamily="34" charset="0"/>
+              <a:buNone/>
+            </a:pPr>
+            <a:r>
+              <a:rPr lang="en-US" sz="2400" dirty="0"/>
+              <a:t>- Throughput : 6,543150384451503 msg/</a:t>
+            </a:r>
+            <a:r>
+              <a:rPr lang="en-US" sz="2400" dirty="0" err="1"/>
+              <a:t>ms</a:t>
+            </a:r>
+            <a:endParaRPr lang="en-US" sz="2400" dirty="0"/>
+          </a:p>
+          <a:p>
+            <a:pPr marL="0" indent="0">
+              <a:buFont typeface="Arial" panose="020B0604020202020204" pitchFamily="34" charset="0"/>
+              <a:buNone/>
+            </a:pPr>
+            <a:r>
+              <a:rPr lang="en-US" sz="2400" dirty="0"/>
+              <a:t>- Jitter : 1,9641620236221797 </a:t>
+            </a:r>
+            <a:r>
+              <a:rPr lang="en-US" sz="2400" dirty="0" err="1"/>
+              <a:t>ms</a:t>
+            </a:r>
+            <a:endParaRPr lang="en-US" sz="2400" dirty="0"/>
+          </a:p>
+          <a:p>
+            <a:pPr marL="0" indent="0">
+              <a:buFont typeface="Arial" panose="020B0604020202020204" pitchFamily="34" charset="0"/>
+              <a:buNone/>
+            </a:pPr>
+            <a:r>
+              <a:rPr lang="en-US" sz="2400" dirty="0"/>
+              <a:t>C2:</a:t>
+            </a:r>
+          </a:p>
+          <a:p>
+            <a:pPr marL="0" indent="0">
+              <a:buFont typeface="Arial" panose="020B0604020202020204" pitchFamily="34" charset="0"/>
+              <a:buNone/>
+            </a:pPr>
+            <a:r>
+              <a:rPr lang="en-US" sz="2400" dirty="0"/>
+              <a:t>- Packets: 250000 </a:t>
+            </a:r>
+          </a:p>
+          <a:p>
+            <a:pPr marL="0" indent="0">
+              <a:buFont typeface="Arial" panose="020B0604020202020204" pitchFamily="34" charset="0"/>
+              <a:buNone/>
+            </a:pPr>
+            <a:r>
+              <a:rPr lang="en-US" sz="2400" dirty="0"/>
+              <a:t>- Time period 38 s 204 </a:t>
+            </a:r>
+            <a:r>
+              <a:rPr lang="en-US" sz="2400" dirty="0" err="1"/>
+              <a:t>ms</a:t>
+            </a:r>
+            <a:r>
+              <a:rPr lang="en-US" sz="2400" dirty="0"/>
+              <a:t> </a:t>
+            </a:r>
+          </a:p>
+          <a:p>
+            <a:pPr marL="0" indent="0">
+              <a:buFont typeface="Arial" panose="020B0604020202020204" pitchFamily="34" charset="0"/>
+              <a:buNone/>
+            </a:pPr>
+            <a:r>
+              <a:rPr lang="en-US" sz="2400" dirty="0"/>
+              <a:t>- Throughput : 6,543709619041911 msg/</a:t>
+            </a:r>
+            <a:r>
+              <a:rPr lang="en-US" sz="2400" dirty="0" err="1"/>
+              <a:t>ms</a:t>
+            </a:r>
+            <a:endParaRPr lang="en-US" sz="2400" dirty="0"/>
+          </a:p>
+          <a:p>
+            <a:pPr marL="0" indent="0">
+              <a:buFont typeface="Arial" panose="020B0604020202020204" pitchFamily="34" charset="0"/>
+              <a:buNone/>
+            </a:pPr>
+            <a:r>
+              <a:rPr lang="en-US" sz="2400" dirty="0"/>
+              <a:t>- Jitter : 1,9866476038399243 </a:t>
+            </a:r>
+            <a:r>
+              <a:rPr lang="en-US" sz="2400" dirty="0" err="1"/>
+              <a:t>ms</a:t>
+            </a:r>
+            <a:endParaRPr lang="it-IT" sz="2400" dirty="0"/>
+          </a:p>
+        </p:txBody>
+      </p:sp>
     </p:spTree>
     <p:extLst>
       <p:ext uri="{BB962C8B-B14F-4D97-AF65-F5344CB8AC3E}">
-        <p14:creationId xmlns:p14="http://schemas.microsoft.com/office/powerpoint/2010/main" val="3279036293"/>
+        <p14:creationId xmlns:p14="http://schemas.microsoft.com/office/powerpoint/2010/main" val="1419128663"/>
+      </p:ext>
+    </p:extLst>
+  </p:cSld>
+  <p:clrMapOvr>
+    <a:masterClrMapping/>
+  </p:clrMapOvr>
+</p:sld>
+</file>
+
+<file path=ppt/slides/slide12.xml><?xml version="1.0" encoding="utf-8"?>
+<p:sld xmlns:a="http://schemas.openxmlformats.org/drawingml/2006/main" xmlns:r="http://schemas.openxmlformats.org/officeDocument/2006/relationships" xmlns:p="http://schemas.openxmlformats.org/presentationml/2006/main">
+  <p:cSld>
+    <p:spTree>
+      <p:nvGrpSpPr>
+        <p:cNvPr id="1" name="">
+          <a:extLst>
+            <a:ext uri="{FF2B5EF4-FFF2-40B4-BE49-F238E27FC236}">
+              <a16:creationId xmlns:a16="http://schemas.microsoft.com/office/drawing/2014/main" id="{6C53F68A-3180-0B62-4945-25186F30B98B}"/>
+            </a:ext>
+          </a:extLst>
+        </p:cNvPr>
+        <p:cNvGrpSpPr/>
+        <p:nvPr/>
+      </p:nvGrpSpPr>
+      <p:grpSpPr>
+        <a:xfrm>
+          <a:off x="0" y="0"/>
+          <a:ext cx="0" cy="0"/>
+          <a:chOff x="0" y="0"/>
+          <a:chExt cx="0" cy="0"/>
+        </a:xfrm>
+      </p:grpSpPr>
+      <p:sp>
+        <p:nvSpPr>
+          <p:cNvPr id="4" name="Titolo 3">
+            <a:extLst>
+              <a:ext uri="{FF2B5EF4-FFF2-40B4-BE49-F238E27FC236}">
+                <a16:creationId xmlns:a16="http://schemas.microsoft.com/office/drawing/2014/main" id="{364BB1D1-A11D-A5B3-0197-9765A5F2D33C}"/>
+              </a:ext>
+            </a:extLst>
+          </p:cNvPr>
+          <p:cNvSpPr>
+            <a:spLocks noGrp="1"/>
+          </p:cNvSpPr>
+          <p:nvPr>
+            <p:ph type="title"/>
+          </p:nvPr>
+        </p:nvSpPr>
+        <p:spPr/>
+        <p:txBody>
+          <a:bodyPr/>
+          <a:lstStyle/>
+          <a:p>
+            <a:r>
+              <a:rPr lang="it-IT" dirty="0"/>
+              <a:t>Consumer </a:t>
+            </a:r>
+            <a:r>
+              <a:rPr lang="it-IT" dirty="0" err="1"/>
+              <a:t>QoS-Prefetch</a:t>
+            </a:r>
+            <a:r>
+              <a:rPr lang="it-IT" dirty="0"/>
+              <a:t> (Ubuntu)</a:t>
+            </a:r>
+          </a:p>
+        </p:txBody>
+      </p:sp>
+      <p:pic>
+        <p:nvPicPr>
+          <p:cNvPr id="1026" name="Picture 2" descr="RabbitMQ - meshIQ">
+            <a:extLst>
+              <a:ext uri="{FF2B5EF4-FFF2-40B4-BE49-F238E27FC236}">
+                <a16:creationId xmlns:a16="http://schemas.microsoft.com/office/drawing/2014/main" id="{58F0CFE9-3AD6-F866-86BC-91B21A8E8E95}"/>
+              </a:ext>
+            </a:extLst>
+          </p:cNvPr>
+          <p:cNvPicPr>
+            <a:picLocks noChangeAspect="1" noChangeArrowheads="1"/>
+          </p:cNvPicPr>
+          <p:nvPr/>
+        </p:nvPicPr>
+        <p:blipFill>
+          <a:blip r:embed="rId2">
+            <a:extLst>
+              <a:ext uri="{28A0092B-C50C-407E-A947-70E740481C1C}">
+                <a14:useLocalDpi xmlns:a14="http://schemas.microsoft.com/office/drawing/2010/main" val="0"/>
+              </a:ext>
+            </a:extLst>
+          </a:blip>
+          <a:srcRect/>
+          <a:stretch>
+            <a:fillRect/>
+          </a:stretch>
+        </p:blipFill>
+        <p:spPr bwMode="auto">
+          <a:xfrm>
+            <a:off x="8668031" y="4959868"/>
+            <a:ext cx="3154163" cy="1775794"/>
+          </a:xfrm>
+          <a:prstGeom prst="rect">
+            <a:avLst/>
+          </a:prstGeom>
+          <a:noFill/>
+          <a:extLst>
+            <a:ext uri="{909E8E84-426E-40DD-AFC4-6F175D3DCCD1}">
+              <a14:hiddenFill xmlns:a14="http://schemas.microsoft.com/office/drawing/2010/main">
+                <a:solidFill>
+                  <a:srgbClr val="FFFFFF"/>
+                </a:solidFill>
+              </a14:hiddenFill>
+            </a:ext>
+          </a:extLst>
+        </p:spPr>
+      </p:pic>
+      <p:sp>
+        <p:nvSpPr>
+          <p:cNvPr id="2" name="Segnaposto contenuto 4">
+            <a:extLst>
+              <a:ext uri="{FF2B5EF4-FFF2-40B4-BE49-F238E27FC236}">
+                <a16:creationId xmlns:a16="http://schemas.microsoft.com/office/drawing/2014/main" id="{A99F1418-5AD5-0B1C-1C42-9166885B399A}"/>
+              </a:ext>
+            </a:extLst>
+          </p:cNvPr>
+          <p:cNvSpPr txBox="1">
+            <a:spLocks/>
+          </p:cNvSpPr>
+          <p:nvPr/>
+        </p:nvSpPr>
+        <p:spPr>
+          <a:xfrm>
+            <a:off x="736707" y="1690687"/>
+            <a:ext cx="8477035" cy="3106037"/>
+          </a:xfrm>
+          <a:prstGeom prst="rect">
+            <a:avLst/>
+          </a:prstGeom>
+        </p:spPr>
+        <p:txBody>
+          <a:bodyPr vert="horz" lIns="91440" tIns="45720" rIns="91440" bIns="45720" rtlCol="0">
+            <a:normAutofit fontScale="92500" lnSpcReduction="10000"/>
+          </a:bodyPr>
+          <a:lstStyle>
+            <a:lvl1pPr marL="228600" indent="-228600" algn="l" defTabSz="914400" rtl="0" eaLnBrk="1" latinLnBrk="0" hangingPunct="1">
+              <a:lnSpc>
+                <a:spcPct val="90000"/>
+              </a:lnSpc>
+              <a:spcBef>
+                <a:spcPts val="1000"/>
+              </a:spcBef>
+              <a:buFont typeface="Arial" panose="020B0604020202020204" pitchFamily="34" charset="0"/>
+              <a:buChar char="•"/>
+              <a:defRPr sz="2800" kern="1200">
+                <a:solidFill>
+                  <a:schemeClr val="tx1"/>
+                </a:solidFill>
+                <a:latin typeface="+mn-lt"/>
+                <a:ea typeface="+mn-ea"/>
+                <a:cs typeface="+mn-cs"/>
+              </a:defRPr>
+            </a:lvl1pPr>
+            <a:lvl2pPr marL="685800" indent="-228600" algn="l" defTabSz="914400" rtl="0" eaLnBrk="1" latinLnBrk="0" hangingPunct="1">
+              <a:lnSpc>
+                <a:spcPct val="90000"/>
+              </a:lnSpc>
+              <a:spcBef>
+                <a:spcPts val="500"/>
+              </a:spcBef>
+              <a:buFont typeface="Arial" panose="020B0604020202020204" pitchFamily="34" charset="0"/>
+              <a:buChar char="•"/>
+              <a:defRPr sz="2400" kern="1200">
+                <a:solidFill>
+                  <a:schemeClr val="tx1"/>
+                </a:solidFill>
+                <a:latin typeface="+mn-lt"/>
+                <a:ea typeface="+mn-ea"/>
+                <a:cs typeface="+mn-cs"/>
+              </a:defRPr>
+            </a:lvl2pPr>
+            <a:lvl3pPr marL="1143000" indent="-228600" algn="l" defTabSz="914400" rtl="0" eaLnBrk="1" latinLnBrk="0" hangingPunct="1">
+              <a:lnSpc>
+                <a:spcPct val="90000"/>
+              </a:lnSpc>
+              <a:spcBef>
+                <a:spcPts val="500"/>
+              </a:spcBef>
+              <a:buFont typeface="Arial" panose="020B0604020202020204" pitchFamily="34" charset="0"/>
+              <a:buChar char="•"/>
+              <a:defRPr sz="2000" kern="1200">
+                <a:solidFill>
+                  <a:schemeClr val="tx1"/>
+                </a:solidFill>
+                <a:latin typeface="+mn-lt"/>
+                <a:ea typeface="+mn-ea"/>
+                <a:cs typeface="+mn-cs"/>
+              </a:defRPr>
+            </a:lvl3pPr>
+            <a:lvl4pPr marL="1600200" indent="-228600" algn="l" defTabSz="914400" rtl="0" eaLnBrk="1" latinLnBrk="0" hangingPunct="1">
+              <a:lnSpc>
+                <a:spcPct val="90000"/>
+              </a:lnSpc>
+              <a:spcBef>
+                <a:spcPts val="500"/>
+              </a:spcBef>
+              <a:buFont typeface="Arial" panose="020B0604020202020204" pitchFamily="34" charset="0"/>
+              <a:buChar char="•"/>
+              <a:defRPr sz="1800" kern="1200">
+                <a:solidFill>
+                  <a:schemeClr val="tx1"/>
+                </a:solidFill>
+                <a:latin typeface="+mn-lt"/>
+                <a:ea typeface="+mn-ea"/>
+                <a:cs typeface="+mn-cs"/>
+              </a:defRPr>
+            </a:lvl4pPr>
+            <a:lvl5pPr marL="2057400" indent="-228600" algn="l" defTabSz="914400" rtl="0" eaLnBrk="1" latinLnBrk="0" hangingPunct="1">
+              <a:lnSpc>
+                <a:spcPct val="90000"/>
+              </a:lnSpc>
+              <a:spcBef>
+                <a:spcPts val="500"/>
+              </a:spcBef>
+              <a:buFont typeface="Arial" panose="020B0604020202020204" pitchFamily="34" charset="0"/>
+              <a:buChar char="•"/>
+              <a:defRPr sz="1800" kern="1200">
+                <a:solidFill>
+                  <a:schemeClr val="tx1"/>
+                </a:solidFill>
+                <a:latin typeface="+mn-lt"/>
+                <a:ea typeface="+mn-ea"/>
+                <a:cs typeface="+mn-cs"/>
+              </a:defRPr>
+            </a:lvl5pPr>
+            <a:lvl6pPr marL="2514600" indent="-228600" algn="l" defTabSz="914400" rtl="0" eaLnBrk="1" latinLnBrk="0" hangingPunct="1">
+              <a:lnSpc>
+                <a:spcPct val="90000"/>
+              </a:lnSpc>
+              <a:spcBef>
+                <a:spcPts val="500"/>
+              </a:spcBef>
+              <a:buFont typeface="Arial" panose="020B0604020202020204" pitchFamily="34" charset="0"/>
+              <a:buChar char="•"/>
+              <a:defRPr sz="1800" kern="1200">
+                <a:solidFill>
+                  <a:schemeClr val="tx1"/>
+                </a:solidFill>
+                <a:latin typeface="+mn-lt"/>
+                <a:ea typeface="+mn-ea"/>
+                <a:cs typeface="+mn-cs"/>
+              </a:defRPr>
+            </a:lvl6pPr>
+            <a:lvl7pPr marL="2971800" indent="-228600" algn="l" defTabSz="914400" rtl="0" eaLnBrk="1" latinLnBrk="0" hangingPunct="1">
+              <a:lnSpc>
+                <a:spcPct val="90000"/>
+              </a:lnSpc>
+              <a:spcBef>
+                <a:spcPts val="500"/>
+              </a:spcBef>
+              <a:buFont typeface="Arial" panose="020B0604020202020204" pitchFamily="34" charset="0"/>
+              <a:buChar char="•"/>
+              <a:defRPr sz="1800" kern="1200">
+                <a:solidFill>
+                  <a:schemeClr val="tx1"/>
+                </a:solidFill>
+                <a:latin typeface="+mn-lt"/>
+                <a:ea typeface="+mn-ea"/>
+                <a:cs typeface="+mn-cs"/>
+              </a:defRPr>
+            </a:lvl7pPr>
+            <a:lvl8pPr marL="3429000" indent="-228600" algn="l" defTabSz="914400" rtl="0" eaLnBrk="1" latinLnBrk="0" hangingPunct="1">
+              <a:lnSpc>
+                <a:spcPct val="90000"/>
+              </a:lnSpc>
+              <a:spcBef>
+                <a:spcPts val="500"/>
+              </a:spcBef>
+              <a:buFont typeface="Arial" panose="020B0604020202020204" pitchFamily="34" charset="0"/>
+              <a:buChar char="•"/>
+              <a:defRPr sz="1800" kern="1200">
+                <a:solidFill>
+                  <a:schemeClr val="tx1"/>
+                </a:solidFill>
+                <a:latin typeface="+mn-lt"/>
+                <a:ea typeface="+mn-ea"/>
+                <a:cs typeface="+mn-cs"/>
+              </a:defRPr>
+            </a:lvl8pPr>
+            <a:lvl9pPr marL="3886200" indent="-228600" algn="l" defTabSz="914400" rtl="0" eaLnBrk="1" latinLnBrk="0" hangingPunct="1">
+              <a:lnSpc>
+                <a:spcPct val="90000"/>
+              </a:lnSpc>
+              <a:spcBef>
+                <a:spcPts val="500"/>
+              </a:spcBef>
+              <a:buFont typeface="Arial" panose="020B0604020202020204" pitchFamily="34" charset="0"/>
+              <a:buChar char="•"/>
+              <a:defRPr sz="1800" kern="1200">
+                <a:solidFill>
+                  <a:schemeClr val="tx1"/>
+                </a:solidFill>
+                <a:latin typeface="+mn-lt"/>
+                <a:ea typeface="+mn-ea"/>
+                <a:cs typeface="+mn-cs"/>
+              </a:defRPr>
+            </a:lvl9pPr>
+          </a:lstStyle>
+          <a:p>
+            <a:pPr marL="0" indent="0">
+              <a:buFont typeface="Arial" panose="020B0604020202020204" pitchFamily="34" charset="0"/>
+              <a:buNone/>
+            </a:pPr>
+            <a:r>
+              <a:rPr lang="it-IT" dirty="0"/>
+              <a:t>- </a:t>
+            </a:r>
+            <a:r>
+              <a:rPr lang="it-IT" dirty="0" err="1"/>
+              <a:t>Avg</a:t>
+            </a:r>
+            <a:r>
+              <a:rPr lang="it-IT" dirty="0"/>
+              <a:t> throughput : 55.253110692247596 msg/</a:t>
+            </a:r>
+            <a:r>
+              <a:rPr lang="it-IT" dirty="0" err="1"/>
+              <a:t>ms</a:t>
+            </a:r>
+            <a:endParaRPr lang="it-IT" dirty="0"/>
+          </a:p>
+          <a:p>
+            <a:pPr marL="0" indent="0">
+              <a:buFont typeface="Arial" panose="020B0604020202020204" pitchFamily="34" charset="0"/>
+              <a:buNone/>
+            </a:pPr>
+            <a:r>
+              <a:rPr lang="it-IT" dirty="0"/>
+              <a:t>- </a:t>
+            </a:r>
+            <a:r>
+              <a:rPr lang="it-IT" dirty="0" err="1"/>
+              <a:t>Avg</a:t>
+            </a:r>
+            <a:r>
+              <a:rPr lang="it-IT" dirty="0"/>
+              <a:t> jitter : 1030.6217850304765 </a:t>
+            </a:r>
+            <a:r>
+              <a:rPr lang="it-IT" dirty="0" err="1"/>
+              <a:t>ms</a:t>
+            </a:r>
+            <a:r>
+              <a:rPr lang="it-IT" dirty="0"/>
+              <a:t> </a:t>
+            </a:r>
+          </a:p>
+          <a:p>
+            <a:pPr marL="0" indent="0">
+              <a:buFont typeface="Arial" panose="020B0604020202020204" pitchFamily="34" charset="0"/>
+              <a:buNone/>
+            </a:pPr>
+            <a:r>
+              <a:rPr lang="it-IT" dirty="0"/>
+              <a:t>- Throughput </a:t>
+            </a:r>
+            <a:r>
+              <a:rPr lang="it-IT" dirty="0" err="1"/>
+              <a:t>variation</a:t>
+            </a:r>
+            <a:r>
+              <a:rPr lang="it-IT" dirty="0"/>
+              <a:t>: 0.8945115581387668 msg/</a:t>
+            </a:r>
+            <a:r>
+              <a:rPr lang="it-IT" dirty="0" err="1"/>
+              <a:t>ms</a:t>
+            </a:r>
+            <a:endParaRPr lang="it-IT" dirty="0"/>
+          </a:p>
+          <a:p>
+            <a:pPr marL="0" indent="0">
+              <a:buFont typeface="Arial" panose="020B0604020202020204" pitchFamily="34" charset="0"/>
+              <a:buNone/>
+            </a:pPr>
+            <a:r>
+              <a:rPr lang="it-IT" dirty="0"/>
+              <a:t>- Max throughput : 56.14762225038636 msg/</a:t>
+            </a:r>
+            <a:r>
+              <a:rPr lang="it-IT" dirty="0" err="1"/>
+              <a:t>ms</a:t>
+            </a:r>
+            <a:r>
+              <a:rPr lang="it-IT" dirty="0"/>
+              <a:t> </a:t>
+            </a:r>
+          </a:p>
+          <a:p>
+            <a:pPr marL="0" indent="0">
+              <a:buFont typeface="Arial" panose="020B0604020202020204" pitchFamily="34" charset="0"/>
+              <a:buNone/>
+            </a:pPr>
+            <a:r>
+              <a:rPr lang="it-IT" dirty="0"/>
+              <a:t>- Min jitter was 993.3943511086627 </a:t>
+            </a:r>
+            <a:r>
+              <a:rPr lang="it-IT" dirty="0" err="1"/>
+              <a:t>ms</a:t>
+            </a:r>
+            <a:r>
+              <a:rPr lang="it-IT" dirty="0"/>
+              <a:t> </a:t>
+            </a:r>
+          </a:p>
+          <a:p>
+            <a:pPr marL="0" indent="0">
+              <a:buFont typeface="Arial" panose="020B0604020202020204" pitchFamily="34" charset="0"/>
+              <a:buNone/>
+            </a:pPr>
+            <a:r>
+              <a:rPr lang="it-IT" dirty="0"/>
+              <a:t>- Min throughput was 54.35859913410883 msg/</a:t>
+            </a:r>
+            <a:r>
+              <a:rPr lang="it-IT" dirty="0" err="1"/>
+              <a:t>ms</a:t>
+            </a:r>
+            <a:r>
+              <a:rPr lang="it-IT" dirty="0"/>
+              <a:t> </a:t>
+            </a:r>
+          </a:p>
+          <a:p>
+            <a:pPr marL="0" indent="0">
+              <a:buFont typeface="Arial" panose="020B0604020202020204" pitchFamily="34" charset="0"/>
+              <a:buNone/>
+            </a:pPr>
+            <a:r>
+              <a:rPr lang="it-IT" dirty="0"/>
+              <a:t>- Max jitter was 1067.8492189522904 </a:t>
+            </a:r>
+            <a:r>
+              <a:rPr lang="it-IT" dirty="0" err="1"/>
+              <a:t>ms</a:t>
+            </a:r>
+            <a:r>
+              <a:rPr lang="it-IT" dirty="0"/>
+              <a:t> </a:t>
+            </a:r>
+          </a:p>
+        </p:txBody>
+      </p:sp>
+    </p:spTree>
+    <p:extLst>
+      <p:ext uri="{BB962C8B-B14F-4D97-AF65-F5344CB8AC3E}">
+        <p14:creationId xmlns:p14="http://schemas.microsoft.com/office/powerpoint/2010/main" val="2208341801"/>
+      </p:ext>
+    </p:extLst>
+  </p:cSld>
+  <p:clrMapOvr>
+    <a:masterClrMapping/>
+  </p:clrMapOvr>
+</p:sld>
+</file>
+
+<file path=ppt/slides/slide13.xml><?xml version="1.0" encoding="utf-8"?>
+<p:sld xmlns:a="http://schemas.openxmlformats.org/drawingml/2006/main" xmlns:r="http://schemas.openxmlformats.org/officeDocument/2006/relationships" xmlns:p="http://schemas.openxmlformats.org/presentationml/2006/main">
+  <p:cSld>
+    <p:spTree>
+      <p:nvGrpSpPr>
+        <p:cNvPr id="1" name="">
+          <a:extLst>
+            <a:ext uri="{FF2B5EF4-FFF2-40B4-BE49-F238E27FC236}">
+              <a16:creationId xmlns:a16="http://schemas.microsoft.com/office/drawing/2014/main" id="{6D5E5EB9-AB61-39A5-70A3-0D32B4F6C975}"/>
+            </a:ext>
+          </a:extLst>
+        </p:cNvPr>
+        <p:cNvGrpSpPr/>
+        <p:nvPr/>
+      </p:nvGrpSpPr>
+      <p:grpSpPr>
+        <a:xfrm>
+          <a:off x="0" y="0"/>
+          <a:ext cx="0" cy="0"/>
+          <a:chOff x="0" y="0"/>
+          <a:chExt cx="0" cy="0"/>
+        </a:xfrm>
+      </p:grpSpPr>
+      <p:sp>
+        <p:nvSpPr>
+          <p:cNvPr id="4" name="Titolo 3">
+            <a:extLst>
+              <a:ext uri="{FF2B5EF4-FFF2-40B4-BE49-F238E27FC236}">
+                <a16:creationId xmlns:a16="http://schemas.microsoft.com/office/drawing/2014/main" id="{F8D8E753-074D-8678-5097-EF4870D44C48}"/>
+              </a:ext>
+            </a:extLst>
+          </p:cNvPr>
+          <p:cNvSpPr>
+            <a:spLocks noGrp="1"/>
+          </p:cNvSpPr>
+          <p:nvPr>
+            <p:ph type="title"/>
+          </p:nvPr>
+        </p:nvSpPr>
+        <p:spPr/>
+        <p:txBody>
+          <a:bodyPr/>
+          <a:lstStyle/>
+          <a:p>
+            <a:r>
+              <a:rPr lang="it-IT" dirty="0"/>
+              <a:t>Consumer </a:t>
+            </a:r>
+            <a:r>
+              <a:rPr lang="it-IT" dirty="0" err="1"/>
+              <a:t>QoS-Prefetch</a:t>
+            </a:r>
+            <a:r>
+              <a:rPr lang="it-IT" dirty="0"/>
+              <a:t> (Windows)</a:t>
+            </a:r>
+          </a:p>
+        </p:txBody>
+      </p:sp>
+      <p:pic>
+        <p:nvPicPr>
+          <p:cNvPr id="1026" name="Picture 2" descr="RabbitMQ - meshIQ">
+            <a:extLst>
+              <a:ext uri="{FF2B5EF4-FFF2-40B4-BE49-F238E27FC236}">
+                <a16:creationId xmlns:a16="http://schemas.microsoft.com/office/drawing/2014/main" id="{D453C412-137B-65CC-31C4-E274B46EAAC7}"/>
+              </a:ext>
+            </a:extLst>
+          </p:cNvPr>
+          <p:cNvPicPr>
+            <a:picLocks noChangeAspect="1" noChangeArrowheads="1"/>
+          </p:cNvPicPr>
+          <p:nvPr/>
+        </p:nvPicPr>
+        <p:blipFill>
+          <a:blip r:embed="rId2">
+            <a:extLst>
+              <a:ext uri="{28A0092B-C50C-407E-A947-70E740481C1C}">
+                <a14:useLocalDpi xmlns:a14="http://schemas.microsoft.com/office/drawing/2010/main" val="0"/>
+              </a:ext>
+            </a:extLst>
+          </a:blip>
+          <a:srcRect/>
+          <a:stretch>
+            <a:fillRect/>
+          </a:stretch>
+        </p:blipFill>
+        <p:spPr bwMode="auto">
+          <a:xfrm>
+            <a:off x="8668031" y="4959868"/>
+            <a:ext cx="3154163" cy="1775794"/>
+          </a:xfrm>
+          <a:prstGeom prst="rect">
+            <a:avLst/>
+          </a:prstGeom>
+          <a:noFill/>
+          <a:extLst>
+            <a:ext uri="{909E8E84-426E-40DD-AFC4-6F175D3DCCD1}">
+              <a14:hiddenFill xmlns:a14="http://schemas.microsoft.com/office/drawing/2010/main">
+                <a:solidFill>
+                  <a:srgbClr val="FFFFFF"/>
+                </a:solidFill>
+              </a14:hiddenFill>
+            </a:ext>
+          </a:extLst>
+        </p:spPr>
+      </p:pic>
+      <p:sp>
+        <p:nvSpPr>
+          <p:cNvPr id="2" name="Segnaposto contenuto 4">
+            <a:extLst>
+              <a:ext uri="{FF2B5EF4-FFF2-40B4-BE49-F238E27FC236}">
+                <a16:creationId xmlns:a16="http://schemas.microsoft.com/office/drawing/2014/main" id="{807B20EA-F28A-AA9E-D460-484800008ECA}"/>
+              </a:ext>
+            </a:extLst>
+          </p:cNvPr>
+          <p:cNvSpPr txBox="1">
+            <a:spLocks/>
+          </p:cNvSpPr>
+          <p:nvPr/>
+        </p:nvSpPr>
+        <p:spPr>
+          <a:xfrm>
+            <a:off x="736707" y="1690687"/>
+            <a:ext cx="8477035" cy="3106037"/>
+          </a:xfrm>
+          <a:prstGeom prst="rect">
+            <a:avLst/>
+          </a:prstGeom>
+        </p:spPr>
+        <p:txBody>
+          <a:bodyPr vert="horz" lIns="91440" tIns="45720" rIns="91440" bIns="45720" rtlCol="0">
+            <a:normAutofit fontScale="92500" lnSpcReduction="10000"/>
+          </a:bodyPr>
+          <a:lstStyle>
+            <a:lvl1pPr marL="228600" indent="-228600" algn="l" defTabSz="914400" rtl="0" eaLnBrk="1" latinLnBrk="0" hangingPunct="1">
+              <a:lnSpc>
+                <a:spcPct val="90000"/>
+              </a:lnSpc>
+              <a:spcBef>
+                <a:spcPts val="1000"/>
+              </a:spcBef>
+              <a:buFont typeface="Arial" panose="020B0604020202020204" pitchFamily="34" charset="0"/>
+              <a:buChar char="•"/>
+              <a:defRPr sz="2800" kern="1200">
+                <a:solidFill>
+                  <a:schemeClr val="tx1"/>
+                </a:solidFill>
+                <a:latin typeface="+mn-lt"/>
+                <a:ea typeface="+mn-ea"/>
+                <a:cs typeface="+mn-cs"/>
+              </a:defRPr>
+            </a:lvl1pPr>
+            <a:lvl2pPr marL="685800" indent="-228600" algn="l" defTabSz="914400" rtl="0" eaLnBrk="1" latinLnBrk="0" hangingPunct="1">
+              <a:lnSpc>
+                <a:spcPct val="90000"/>
+              </a:lnSpc>
+              <a:spcBef>
+                <a:spcPts val="500"/>
+              </a:spcBef>
+              <a:buFont typeface="Arial" panose="020B0604020202020204" pitchFamily="34" charset="0"/>
+              <a:buChar char="•"/>
+              <a:defRPr sz="2400" kern="1200">
+                <a:solidFill>
+                  <a:schemeClr val="tx1"/>
+                </a:solidFill>
+                <a:latin typeface="+mn-lt"/>
+                <a:ea typeface="+mn-ea"/>
+                <a:cs typeface="+mn-cs"/>
+              </a:defRPr>
+            </a:lvl2pPr>
+            <a:lvl3pPr marL="1143000" indent="-228600" algn="l" defTabSz="914400" rtl="0" eaLnBrk="1" latinLnBrk="0" hangingPunct="1">
+              <a:lnSpc>
+                <a:spcPct val="90000"/>
+              </a:lnSpc>
+              <a:spcBef>
+                <a:spcPts val="500"/>
+              </a:spcBef>
+              <a:buFont typeface="Arial" panose="020B0604020202020204" pitchFamily="34" charset="0"/>
+              <a:buChar char="•"/>
+              <a:defRPr sz="2000" kern="1200">
+                <a:solidFill>
+                  <a:schemeClr val="tx1"/>
+                </a:solidFill>
+                <a:latin typeface="+mn-lt"/>
+                <a:ea typeface="+mn-ea"/>
+                <a:cs typeface="+mn-cs"/>
+              </a:defRPr>
+            </a:lvl3pPr>
+            <a:lvl4pPr marL="1600200" indent="-228600" algn="l" defTabSz="914400" rtl="0" eaLnBrk="1" latinLnBrk="0" hangingPunct="1">
+              <a:lnSpc>
+                <a:spcPct val="90000"/>
+              </a:lnSpc>
+              <a:spcBef>
+                <a:spcPts val="500"/>
+              </a:spcBef>
+              <a:buFont typeface="Arial" panose="020B0604020202020204" pitchFamily="34" charset="0"/>
+              <a:buChar char="•"/>
+              <a:defRPr sz="1800" kern="1200">
+                <a:solidFill>
+                  <a:schemeClr val="tx1"/>
+                </a:solidFill>
+                <a:latin typeface="+mn-lt"/>
+                <a:ea typeface="+mn-ea"/>
+                <a:cs typeface="+mn-cs"/>
+              </a:defRPr>
+            </a:lvl4pPr>
+            <a:lvl5pPr marL="2057400" indent="-228600" algn="l" defTabSz="914400" rtl="0" eaLnBrk="1" latinLnBrk="0" hangingPunct="1">
+              <a:lnSpc>
+                <a:spcPct val="90000"/>
+              </a:lnSpc>
+              <a:spcBef>
+                <a:spcPts val="500"/>
+              </a:spcBef>
+              <a:buFont typeface="Arial" panose="020B0604020202020204" pitchFamily="34" charset="0"/>
+              <a:buChar char="•"/>
+              <a:defRPr sz="1800" kern="1200">
+                <a:solidFill>
+                  <a:schemeClr val="tx1"/>
+                </a:solidFill>
+                <a:latin typeface="+mn-lt"/>
+                <a:ea typeface="+mn-ea"/>
+                <a:cs typeface="+mn-cs"/>
+              </a:defRPr>
+            </a:lvl5pPr>
+            <a:lvl6pPr marL="2514600" indent="-228600" algn="l" defTabSz="914400" rtl="0" eaLnBrk="1" latinLnBrk="0" hangingPunct="1">
+              <a:lnSpc>
+                <a:spcPct val="90000"/>
+              </a:lnSpc>
+              <a:spcBef>
+                <a:spcPts val="500"/>
+              </a:spcBef>
+              <a:buFont typeface="Arial" panose="020B0604020202020204" pitchFamily="34" charset="0"/>
+              <a:buChar char="•"/>
+              <a:defRPr sz="1800" kern="1200">
+                <a:solidFill>
+                  <a:schemeClr val="tx1"/>
+                </a:solidFill>
+                <a:latin typeface="+mn-lt"/>
+                <a:ea typeface="+mn-ea"/>
+                <a:cs typeface="+mn-cs"/>
+              </a:defRPr>
+            </a:lvl6pPr>
+            <a:lvl7pPr marL="2971800" indent="-228600" algn="l" defTabSz="914400" rtl="0" eaLnBrk="1" latinLnBrk="0" hangingPunct="1">
+              <a:lnSpc>
+                <a:spcPct val="90000"/>
+              </a:lnSpc>
+              <a:spcBef>
+                <a:spcPts val="500"/>
+              </a:spcBef>
+              <a:buFont typeface="Arial" panose="020B0604020202020204" pitchFamily="34" charset="0"/>
+              <a:buChar char="•"/>
+              <a:defRPr sz="1800" kern="1200">
+                <a:solidFill>
+                  <a:schemeClr val="tx1"/>
+                </a:solidFill>
+                <a:latin typeface="+mn-lt"/>
+                <a:ea typeface="+mn-ea"/>
+                <a:cs typeface="+mn-cs"/>
+              </a:defRPr>
+            </a:lvl7pPr>
+            <a:lvl8pPr marL="3429000" indent="-228600" algn="l" defTabSz="914400" rtl="0" eaLnBrk="1" latinLnBrk="0" hangingPunct="1">
+              <a:lnSpc>
+                <a:spcPct val="90000"/>
+              </a:lnSpc>
+              <a:spcBef>
+                <a:spcPts val="500"/>
+              </a:spcBef>
+              <a:buFont typeface="Arial" panose="020B0604020202020204" pitchFamily="34" charset="0"/>
+              <a:buChar char="•"/>
+              <a:defRPr sz="1800" kern="1200">
+                <a:solidFill>
+                  <a:schemeClr val="tx1"/>
+                </a:solidFill>
+                <a:latin typeface="+mn-lt"/>
+                <a:ea typeface="+mn-ea"/>
+                <a:cs typeface="+mn-cs"/>
+              </a:defRPr>
+            </a:lvl8pPr>
+            <a:lvl9pPr marL="3886200" indent="-228600" algn="l" defTabSz="914400" rtl="0" eaLnBrk="1" latinLnBrk="0" hangingPunct="1">
+              <a:lnSpc>
+                <a:spcPct val="90000"/>
+              </a:lnSpc>
+              <a:spcBef>
+                <a:spcPts val="500"/>
+              </a:spcBef>
+              <a:buFont typeface="Arial" panose="020B0604020202020204" pitchFamily="34" charset="0"/>
+              <a:buChar char="•"/>
+              <a:defRPr sz="1800" kern="1200">
+                <a:solidFill>
+                  <a:schemeClr val="tx1"/>
+                </a:solidFill>
+                <a:latin typeface="+mn-lt"/>
+                <a:ea typeface="+mn-ea"/>
+                <a:cs typeface="+mn-cs"/>
+              </a:defRPr>
+            </a:lvl9pPr>
+          </a:lstStyle>
+          <a:p>
+            <a:pPr marL="0" indent="0">
+              <a:buFont typeface="Arial" panose="020B0604020202020204" pitchFamily="34" charset="0"/>
+              <a:buNone/>
+            </a:pPr>
+            <a:r>
+              <a:rPr lang="it-IT" dirty="0"/>
+              <a:t>- </a:t>
+            </a:r>
+            <a:r>
+              <a:rPr lang="it-IT" dirty="0" err="1"/>
+              <a:t>Avg</a:t>
+            </a:r>
+            <a:r>
+              <a:rPr lang="it-IT" dirty="0"/>
+              <a:t> throughput : 14,387542906869843 msg/</a:t>
+            </a:r>
+            <a:r>
+              <a:rPr lang="it-IT" dirty="0" err="1"/>
+              <a:t>ms</a:t>
+            </a:r>
+            <a:r>
+              <a:rPr lang="it-IT" dirty="0"/>
+              <a:t> </a:t>
+            </a:r>
+          </a:p>
+          <a:p>
+            <a:pPr marL="0" indent="0">
+              <a:buFont typeface="Arial" panose="020B0604020202020204" pitchFamily="34" charset="0"/>
+              <a:buNone/>
+            </a:pPr>
+            <a:r>
+              <a:rPr lang="it-IT" dirty="0"/>
+              <a:t>- </a:t>
+            </a:r>
+            <a:r>
+              <a:rPr lang="it-IT" dirty="0" err="1"/>
+              <a:t>Avg</a:t>
+            </a:r>
+            <a:r>
+              <a:rPr lang="it-IT" dirty="0"/>
+              <a:t> jitter : 105,74258414753521 </a:t>
+            </a:r>
+            <a:r>
+              <a:rPr lang="it-IT" dirty="0" err="1"/>
+              <a:t>ms</a:t>
+            </a:r>
+            <a:r>
+              <a:rPr lang="it-IT" dirty="0"/>
+              <a:t> </a:t>
+            </a:r>
+          </a:p>
+          <a:p>
+            <a:pPr marL="0" indent="0">
+              <a:buFont typeface="Arial" panose="020B0604020202020204" pitchFamily="34" charset="0"/>
+              <a:buNone/>
+            </a:pPr>
+            <a:r>
+              <a:rPr lang="it-IT" dirty="0"/>
+              <a:t>- Throughput </a:t>
+            </a:r>
+            <a:r>
+              <a:rPr lang="it-IT" dirty="0" err="1"/>
+              <a:t>variation</a:t>
+            </a:r>
+            <a:r>
+              <a:rPr lang="it-IT" dirty="0"/>
+              <a:t>: 2,0987339597168755 msg/</a:t>
+            </a:r>
+            <a:r>
+              <a:rPr lang="it-IT" dirty="0" err="1"/>
+              <a:t>ms</a:t>
+            </a:r>
+            <a:r>
+              <a:rPr lang="it-IT" dirty="0"/>
+              <a:t> </a:t>
+            </a:r>
+          </a:p>
+          <a:p>
+            <a:pPr marL="0" indent="0">
+              <a:buFont typeface="Arial" panose="020B0604020202020204" pitchFamily="34" charset="0"/>
+              <a:buNone/>
+            </a:pPr>
+            <a:r>
+              <a:rPr lang="it-IT" dirty="0"/>
+              <a:t>- Max throughput : 15,593090202752274 msg/</a:t>
+            </a:r>
+            <a:r>
+              <a:rPr lang="it-IT" dirty="0" err="1"/>
+              <a:t>ms</a:t>
+            </a:r>
+            <a:r>
+              <a:rPr lang="it-IT" dirty="0"/>
+              <a:t> </a:t>
+            </a:r>
+          </a:p>
+          <a:p>
+            <a:pPr marL="0" indent="0">
+              <a:buFont typeface="Arial" panose="020B0604020202020204" pitchFamily="34" charset="0"/>
+              <a:buNone/>
+            </a:pPr>
+            <a:r>
+              <a:rPr lang="it-IT" dirty="0"/>
+              <a:t>- Min jitter was 71,76666174977224 </a:t>
+            </a:r>
+            <a:r>
+              <a:rPr lang="it-IT" dirty="0" err="1"/>
+              <a:t>ms</a:t>
+            </a:r>
+            <a:r>
+              <a:rPr lang="it-IT" dirty="0"/>
+              <a:t> </a:t>
+            </a:r>
+          </a:p>
+          <a:p>
+            <a:pPr marL="0" indent="0">
+              <a:buFont typeface="Arial" panose="020B0604020202020204" pitchFamily="34" charset="0"/>
+              <a:buNone/>
+            </a:pPr>
+            <a:r>
+              <a:rPr lang="it-IT" dirty="0"/>
+              <a:t>- Min throughput was 10,194673613344452 msg/</a:t>
+            </a:r>
+            <a:r>
+              <a:rPr lang="it-IT" dirty="0" err="1"/>
+              <a:t>ms</a:t>
+            </a:r>
+            <a:r>
+              <a:rPr lang="it-IT" dirty="0"/>
+              <a:t> </a:t>
+            </a:r>
+          </a:p>
+          <a:p>
+            <a:pPr marL="0" indent="0">
+              <a:buFont typeface="Arial" panose="020B0604020202020204" pitchFamily="34" charset="0"/>
+              <a:buNone/>
+            </a:pPr>
+            <a:r>
+              <a:rPr lang="it-IT" dirty="0"/>
+              <a:t>- Max jitter was 140,46294240682755 </a:t>
+            </a:r>
+            <a:r>
+              <a:rPr lang="it-IT" dirty="0" err="1"/>
+              <a:t>ms</a:t>
+            </a:r>
+            <a:r>
+              <a:rPr lang="it-IT" dirty="0"/>
+              <a:t> </a:t>
+            </a:r>
+          </a:p>
+        </p:txBody>
+      </p:sp>
+    </p:spTree>
+    <p:extLst>
+      <p:ext uri="{BB962C8B-B14F-4D97-AF65-F5344CB8AC3E}">
+        <p14:creationId xmlns:p14="http://schemas.microsoft.com/office/powerpoint/2010/main" val="3447708685"/>
+      </p:ext>
+    </p:extLst>
+  </p:cSld>
+  <p:clrMapOvr>
+    <a:masterClrMapping/>
+  </p:clrMapOvr>
+</p:sld>
+</file>
+
+<file path=ppt/slides/slide14.xml><?xml version="1.0" encoding="utf-8"?>
+<p:sld xmlns:a="http://schemas.openxmlformats.org/drawingml/2006/main" xmlns:r="http://schemas.openxmlformats.org/officeDocument/2006/relationships" xmlns:p="http://schemas.openxmlformats.org/presentationml/2006/main">
+  <p:cSld>
+    <p:spTree>
+      <p:nvGrpSpPr>
+        <p:cNvPr id="1" name="">
+          <a:extLst>
+            <a:ext uri="{FF2B5EF4-FFF2-40B4-BE49-F238E27FC236}">
+              <a16:creationId xmlns:a16="http://schemas.microsoft.com/office/drawing/2014/main" id="{5067E6DC-1E8E-9C59-5102-489464E1434B}"/>
+            </a:ext>
+          </a:extLst>
+        </p:cNvPr>
+        <p:cNvGrpSpPr/>
+        <p:nvPr/>
+      </p:nvGrpSpPr>
+      <p:grpSpPr>
+        <a:xfrm>
+          <a:off x="0" y="0"/>
+          <a:ext cx="0" cy="0"/>
+          <a:chOff x="0" y="0"/>
+          <a:chExt cx="0" cy="0"/>
+        </a:xfrm>
+      </p:grpSpPr>
+      <p:sp>
+        <p:nvSpPr>
+          <p:cNvPr id="4" name="Titolo 3">
+            <a:extLst>
+              <a:ext uri="{FF2B5EF4-FFF2-40B4-BE49-F238E27FC236}">
+                <a16:creationId xmlns:a16="http://schemas.microsoft.com/office/drawing/2014/main" id="{B9EBBCD2-754F-B626-D503-9EE2544562F8}"/>
+              </a:ext>
+            </a:extLst>
+          </p:cNvPr>
+          <p:cNvSpPr>
+            <a:spLocks noGrp="1"/>
+          </p:cNvSpPr>
+          <p:nvPr>
+            <p:ph type="title"/>
+          </p:nvPr>
+        </p:nvSpPr>
+        <p:spPr/>
+        <p:txBody>
+          <a:bodyPr/>
+          <a:lstStyle/>
+          <a:p>
+            <a:r>
+              <a:rPr lang="it-IT" dirty="0"/>
+              <a:t>Quale è la scelta migliore?</a:t>
+            </a:r>
+          </a:p>
+        </p:txBody>
+      </p:sp>
+      <p:sp>
+        <p:nvSpPr>
+          <p:cNvPr id="5" name="Segnaposto contenuto 4">
+            <a:extLst>
+              <a:ext uri="{FF2B5EF4-FFF2-40B4-BE49-F238E27FC236}">
+                <a16:creationId xmlns:a16="http://schemas.microsoft.com/office/drawing/2014/main" id="{3223EDB5-0737-4E1C-BDB7-19287EAE14BE}"/>
+              </a:ext>
+            </a:extLst>
+          </p:cNvPr>
+          <p:cNvSpPr>
+            <a:spLocks noGrp="1"/>
+          </p:cNvSpPr>
+          <p:nvPr>
+            <p:ph idx="1"/>
+          </p:nvPr>
+        </p:nvSpPr>
+        <p:spPr/>
+        <p:txBody>
+          <a:bodyPr/>
+          <a:lstStyle/>
+          <a:p>
+            <a:r>
+              <a:rPr lang="it-IT" dirty="0"/>
+              <a:t>Dipende dalle capacità del server su cui gira </a:t>
+            </a:r>
+            <a:r>
+              <a:rPr lang="it-IT" dirty="0" err="1"/>
+              <a:t>Rabbit</a:t>
+            </a:r>
+            <a:r>
+              <a:rPr lang="it-IT" dirty="0"/>
+              <a:t>.</a:t>
+            </a:r>
+          </a:p>
+          <a:p>
+            <a:endParaRPr lang="it-IT" dirty="0"/>
+          </a:p>
+          <a:p>
+            <a:r>
+              <a:rPr lang="it-IT" dirty="0"/>
+              <a:t>Throughput simili a parità di </a:t>
+            </a:r>
+            <a:r>
+              <a:rPr lang="it-IT" dirty="0" err="1"/>
+              <a:t>prefetchValue</a:t>
+            </a:r>
+            <a:r>
+              <a:rPr lang="it-IT" dirty="0"/>
+              <a:t> V Numero consumer e a parità di tempo di esecuzione</a:t>
+            </a:r>
+          </a:p>
+          <a:p>
+            <a:endParaRPr lang="it-IT" dirty="0"/>
+          </a:p>
+          <a:p>
+            <a:r>
+              <a:rPr lang="it-IT" dirty="0"/>
+              <a:t>Jitter molto migliore nel caso di consumer multipli, se si hanno abbastanza core…</a:t>
+            </a:r>
+          </a:p>
+        </p:txBody>
+      </p:sp>
+      <p:pic>
+        <p:nvPicPr>
+          <p:cNvPr id="1026" name="Picture 2" descr="RabbitMQ - meshIQ">
+            <a:extLst>
+              <a:ext uri="{FF2B5EF4-FFF2-40B4-BE49-F238E27FC236}">
+                <a16:creationId xmlns:a16="http://schemas.microsoft.com/office/drawing/2014/main" id="{FB195FF8-B270-6789-F283-6B5099A1B331}"/>
+              </a:ext>
+            </a:extLst>
+          </p:cNvPr>
+          <p:cNvPicPr>
+            <a:picLocks noChangeAspect="1" noChangeArrowheads="1"/>
+          </p:cNvPicPr>
+          <p:nvPr/>
+        </p:nvPicPr>
+        <p:blipFill>
+          <a:blip r:embed="rId2">
+            <a:extLst>
+              <a:ext uri="{28A0092B-C50C-407E-A947-70E740481C1C}">
+                <a14:useLocalDpi xmlns:a14="http://schemas.microsoft.com/office/drawing/2010/main" val="0"/>
+              </a:ext>
+            </a:extLst>
+          </a:blip>
+          <a:srcRect/>
+          <a:stretch>
+            <a:fillRect/>
+          </a:stretch>
+        </p:blipFill>
+        <p:spPr bwMode="auto">
+          <a:xfrm>
+            <a:off x="8668031" y="4959868"/>
+            <a:ext cx="3154163" cy="1775794"/>
+          </a:xfrm>
+          <a:prstGeom prst="rect">
+            <a:avLst/>
+          </a:prstGeom>
+          <a:noFill/>
+          <a:extLst>
+            <a:ext uri="{909E8E84-426E-40DD-AFC4-6F175D3DCCD1}">
+              <a14:hiddenFill xmlns:a14="http://schemas.microsoft.com/office/drawing/2010/main">
+                <a:solidFill>
+                  <a:srgbClr val="FFFFFF"/>
+                </a:solidFill>
+              </a14:hiddenFill>
+            </a:ext>
+          </a:extLst>
+        </p:spPr>
+      </p:pic>
+    </p:spTree>
+    <p:extLst>
+      <p:ext uri="{BB962C8B-B14F-4D97-AF65-F5344CB8AC3E}">
+        <p14:creationId xmlns:p14="http://schemas.microsoft.com/office/powerpoint/2010/main" val="2306919112"/>
+      </p:ext>
+    </p:extLst>
+  </p:cSld>
+  <p:clrMapOvr>
+    <a:masterClrMapping/>
+  </p:clrMapOvr>
+</p:sld>
+</file>
+
+<file path=ppt/slides/slide15.xml><?xml version="1.0" encoding="utf-8"?>
+<p:sld xmlns:a="http://schemas.openxmlformats.org/drawingml/2006/main" xmlns:r="http://schemas.openxmlformats.org/officeDocument/2006/relationships" xmlns:p="http://schemas.openxmlformats.org/presentationml/2006/main">
+  <p:cSld>
+    <p:spTree>
+      <p:nvGrpSpPr>
+        <p:cNvPr id="1" name="">
+          <a:extLst>
+            <a:ext uri="{FF2B5EF4-FFF2-40B4-BE49-F238E27FC236}">
+              <a16:creationId xmlns:a16="http://schemas.microsoft.com/office/drawing/2014/main" id="{F955E5A4-FDC8-0EAB-77BE-56C9B367A964}"/>
+            </a:ext>
+          </a:extLst>
+        </p:cNvPr>
+        <p:cNvGrpSpPr/>
+        <p:nvPr/>
+      </p:nvGrpSpPr>
+      <p:grpSpPr>
+        <a:xfrm>
+          <a:off x="0" y="0"/>
+          <a:ext cx="0" cy="0"/>
+          <a:chOff x="0" y="0"/>
+          <a:chExt cx="0" cy="0"/>
+        </a:xfrm>
+      </p:grpSpPr>
+      <p:sp>
+        <p:nvSpPr>
+          <p:cNvPr id="2" name="Titolo 1">
+            <a:extLst>
+              <a:ext uri="{FF2B5EF4-FFF2-40B4-BE49-F238E27FC236}">
+                <a16:creationId xmlns:a16="http://schemas.microsoft.com/office/drawing/2014/main" id="{75436D60-B507-7720-4891-8A62B6633051}"/>
+              </a:ext>
+            </a:extLst>
+          </p:cNvPr>
+          <p:cNvSpPr>
+            <a:spLocks noGrp="1"/>
+          </p:cNvSpPr>
+          <p:nvPr>
+            <p:ph type="title"/>
+          </p:nvPr>
+        </p:nvSpPr>
+        <p:spPr/>
+        <p:txBody>
+          <a:bodyPr/>
+          <a:lstStyle/>
+          <a:p>
+            <a:r>
+              <a:rPr lang="it-IT" dirty="0"/>
+              <a:t>Caso d’esempio 2</a:t>
+            </a:r>
+          </a:p>
+        </p:txBody>
+      </p:sp>
+      <p:sp>
+        <p:nvSpPr>
+          <p:cNvPr id="4" name="Segnaposto contenuto 3">
+            <a:extLst>
+              <a:ext uri="{FF2B5EF4-FFF2-40B4-BE49-F238E27FC236}">
+                <a16:creationId xmlns:a16="http://schemas.microsoft.com/office/drawing/2014/main" id="{FDA1924B-5108-D1BA-845C-D9D3BF2FFA39}"/>
+              </a:ext>
+            </a:extLst>
+          </p:cNvPr>
+          <p:cNvSpPr>
+            <a:spLocks noGrp="1"/>
+          </p:cNvSpPr>
+          <p:nvPr>
+            <p:ph idx="1"/>
+          </p:nvPr>
+        </p:nvSpPr>
+        <p:spPr>
+          <a:xfrm>
+            <a:off x="838200" y="3150151"/>
+            <a:ext cx="4616450" cy="3026811"/>
+          </a:xfrm>
+        </p:spPr>
+        <p:txBody>
+          <a:bodyPr/>
+          <a:lstStyle/>
+          <a:p>
+            <a:r>
+              <a:rPr lang="it-IT" dirty="0"/>
+              <a:t>Code multiple con </a:t>
+            </a:r>
+            <a:r>
+              <a:rPr lang="it-IT" dirty="0" err="1"/>
+              <a:t>exchange</a:t>
+            </a:r>
+            <a:r>
+              <a:rPr lang="it-IT" dirty="0"/>
+              <a:t> di tipo </a:t>
+            </a:r>
+            <a:r>
+              <a:rPr lang="it-IT" dirty="0" err="1"/>
+              <a:t>Fanout</a:t>
+            </a:r>
+            <a:endParaRPr lang="it-IT" dirty="0"/>
+          </a:p>
+        </p:txBody>
+      </p:sp>
+      <p:pic>
+        <p:nvPicPr>
+          <p:cNvPr id="1026" name="Picture 2" descr="RabbitMQ - meshIQ">
+            <a:extLst>
+              <a:ext uri="{FF2B5EF4-FFF2-40B4-BE49-F238E27FC236}">
+                <a16:creationId xmlns:a16="http://schemas.microsoft.com/office/drawing/2014/main" id="{70B5250D-5E5A-5E66-679D-FF5E75CE9426}"/>
+              </a:ext>
+            </a:extLst>
+          </p:cNvPr>
+          <p:cNvPicPr>
+            <a:picLocks noChangeAspect="1" noChangeArrowheads="1"/>
+          </p:cNvPicPr>
+          <p:nvPr/>
+        </p:nvPicPr>
+        <p:blipFill>
+          <a:blip r:embed="rId2">
+            <a:extLst>
+              <a:ext uri="{28A0092B-C50C-407E-A947-70E740481C1C}">
+                <a14:useLocalDpi xmlns:a14="http://schemas.microsoft.com/office/drawing/2010/main" val="0"/>
+              </a:ext>
+            </a:extLst>
+          </a:blip>
+          <a:srcRect/>
+          <a:stretch>
+            <a:fillRect/>
+          </a:stretch>
+        </p:blipFill>
+        <p:spPr bwMode="auto">
+          <a:xfrm>
+            <a:off x="8668031" y="4959868"/>
+            <a:ext cx="3154163" cy="1775794"/>
+          </a:xfrm>
+          <a:prstGeom prst="rect">
+            <a:avLst/>
+          </a:prstGeom>
+          <a:noFill/>
+          <a:extLst>
+            <a:ext uri="{909E8E84-426E-40DD-AFC4-6F175D3DCCD1}">
+              <a14:hiddenFill xmlns:a14="http://schemas.microsoft.com/office/drawing/2010/main">
+                <a:solidFill>
+                  <a:srgbClr val="FFFFFF"/>
+                </a:solidFill>
+              </a14:hiddenFill>
+            </a:ext>
+          </a:extLst>
+        </p:spPr>
+      </p:pic>
+      <p:pic>
+        <p:nvPicPr>
+          <p:cNvPr id="6" name="Immagine 5">
+            <a:extLst>
+              <a:ext uri="{FF2B5EF4-FFF2-40B4-BE49-F238E27FC236}">
+                <a16:creationId xmlns:a16="http://schemas.microsoft.com/office/drawing/2014/main" id="{50E60666-D135-2F81-92C7-E512A9222DD4}"/>
+              </a:ext>
+            </a:extLst>
+          </p:cNvPr>
+          <p:cNvPicPr>
+            <a:picLocks noChangeAspect="1"/>
+          </p:cNvPicPr>
+          <p:nvPr/>
+        </p:nvPicPr>
+        <p:blipFill>
+          <a:blip r:embed="rId3"/>
+          <a:stretch>
+            <a:fillRect/>
+          </a:stretch>
+        </p:blipFill>
+        <p:spPr>
+          <a:xfrm>
+            <a:off x="6672079" y="3150152"/>
+            <a:ext cx="5150115" cy="1308167"/>
+          </a:xfrm>
+          <a:prstGeom prst="rect">
+            <a:avLst/>
+          </a:prstGeom>
+        </p:spPr>
+      </p:pic>
+    </p:spTree>
+    <p:extLst>
+      <p:ext uri="{BB962C8B-B14F-4D97-AF65-F5344CB8AC3E}">
+        <p14:creationId xmlns:p14="http://schemas.microsoft.com/office/powerpoint/2010/main" val="4235343945"/>
+      </p:ext>
+    </p:extLst>
+  </p:cSld>
+  <p:clrMapOvr>
+    <a:masterClrMapping/>
+  </p:clrMapOvr>
+</p:sld>
+</file>
+
+<file path=ppt/slides/slide16.xml><?xml version="1.0" encoding="utf-8"?>
+<p:sld xmlns:a="http://schemas.openxmlformats.org/drawingml/2006/main" xmlns:r="http://schemas.openxmlformats.org/officeDocument/2006/relationships" xmlns:p="http://schemas.openxmlformats.org/presentationml/2006/main">
+  <p:cSld>
+    <p:spTree>
+      <p:nvGrpSpPr>
+        <p:cNvPr id="1" name="">
+          <a:extLst>
+            <a:ext uri="{FF2B5EF4-FFF2-40B4-BE49-F238E27FC236}">
+              <a16:creationId xmlns:a16="http://schemas.microsoft.com/office/drawing/2014/main" id="{3CF10945-C255-02F7-E51F-ABF615936E8A}"/>
+            </a:ext>
+          </a:extLst>
+        </p:cNvPr>
+        <p:cNvGrpSpPr/>
+        <p:nvPr/>
+      </p:nvGrpSpPr>
+      <p:grpSpPr>
+        <a:xfrm>
+          <a:off x="0" y="0"/>
+          <a:ext cx="0" cy="0"/>
+          <a:chOff x="0" y="0"/>
+          <a:chExt cx="0" cy="0"/>
+        </a:xfrm>
+      </p:grpSpPr>
+      <p:sp>
+        <p:nvSpPr>
+          <p:cNvPr id="4" name="Titolo 3">
+            <a:extLst>
+              <a:ext uri="{FF2B5EF4-FFF2-40B4-BE49-F238E27FC236}">
+                <a16:creationId xmlns:a16="http://schemas.microsoft.com/office/drawing/2014/main" id="{B85A8860-6C2E-D07C-60C6-DEFFB86AEC9C}"/>
+              </a:ext>
+            </a:extLst>
+          </p:cNvPr>
+          <p:cNvSpPr>
+            <a:spLocks noGrp="1"/>
+          </p:cNvSpPr>
+          <p:nvPr>
+            <p:ph type="title"/>
+          </p:nvPr>
+        </p:nvSpPr>
+        <p:spPr/>
+        <p:txBody>
+          <a:bodyPr/>
+          <a:lstStyle/>
+          <a:p>
+            <a:r>
+              <a:rPr lang="it-IT" dirty="0"/>
+              <a:t>Exchange </a:t>
+            </a:r>
+            <a:r>
+              <a:rPr lang="it-IT" dirty="0" err="1"/>
+              <a:t>Fanout</a:t>
+            </a:r>
+            <a:r>
+              <a:rPr lang="it-IT" dirty="0"/>
+              <a:t> (Ubuntu)</a:t>
+            </a:r>
+          </a:p>
+        </p:txBody>
+      </p:sp>
+      <p:sp>
+        <p:nvSpPr>
+          <p:cNvPr id="5" name="Segnaposto contenuto 4">
+            <a:extLst>
+              <a:ext uri="{FF2B5EF4-FFF2-40B4-BE49-F238E27FC236}">
+                <a16:creationId xmlns:a16="http://schemas.microsoft.com/office/drawing/2014/main" id="{4B89978F-7EC6-5BD0-E0CB-0CA4EE13BEAF}"/>
+              </a:ext>
+            </a:extLst>
+          </p:cNvPr>
+          <p:cNvSpPr>
+            <a:spLocks noGrp="1"/>
+          </p:cNvSpPr>
+          <p:nvPr>
+            <p:ph idx="1"/>
+          </p:nvPr>
+        </p:nvSpPr>
+        <p:spPr>
+          <a:xfrm>
+            <a:off x="838200" y="1825625"/>
+            <a:ext cx="9867254" cy="4351338"/>
+          </a:xfrm>
+        </p:spPr>
+        <p:txBody>
+          <a:bodyPr>
+            <a:normAutofit/>
+          </a:bodyPr>
+          <a:lstStyle/>
+          <a:p>
+            <a:pPr marL="0" indent="0">
+              <a:buNone/>
+            </a:pPr>
+            <a:r>
+              <a:rPr lang="it-IT" dirty="0"/>
+              <a:t>C1: </a:t>
+            </a:r>
+          </a:p>
+          <a:p>
+            <a:pPr marL="0" indent="0">
+              <a:buNone/>
+            </a:pPr>
+            <a:r>
+              <a:rPr lang="it-IT" dirty="0"/>
+              <a:t>- </a:t>
+            </a:r>
+            <a:r>
+              <a:rPr lang="it-IT" dirty="0" err="1"/>
+              <a:t>Avg</a:t>
+            </a:r>
+            <a:r>
+              <a:rPr lang="it-IT" dirty="0"/>
+              <a:t> throughput : 18.00531200913742 msg/</a:t>
+            </a:r>
+            <a:r>
+              <a:rPr lang="it-IT" dirty="0" err="1"/>
+              <a:t>ms</a:t>
+            </a:r>
+            <a:r>
+              <a:rPr lang="it-IT" dirty="0"/>
+              <a:t> </a:t>
+            </a:r>
+          </a:p>
+          <a:p>
+            <a:pPr marL="0" indent="0">
+              <a:buNone/>
+            </a:pPr>
+            <a:r>
+              <a:rPr lang="it-IT" dirty="0"/>
+              <a:t>- </a:t>
+            </a:r>
+            <a:r>
+              <a:rPr lang="it-IT" dirty="0" err="1"/>
+              <a:t>Avg</a:t>
+            </a:r>
+            <a:r>
+              <a:rPr lang="it-IT" dirty="0"/>
+              <a:t> jitter : 1982.0927372776841 </a:t>
+            </a:r>
+            <a:r>
+              <a:rPr lang="it-IT" dirty="0" err="1"/>
+              <a:t>ms</a:t>
+            </a:r>
+            <a:r>
+              <a:rPr lang="it-IT" dirty="0"/>
+              <a:t> </a:t>
+            </a:r>
+          </a:p>
+          <a:p>
+            <a:pPr marL="0" indent="0">
+              <a:buNone/>
+            </a:pPr>
+            <a:r>
+              <a:rPr lang="it-IT" dirty="0"/>
+              <a:t>- Throughput </a:t>
+            </a:r>
+            <a:r>
+              <a:rPr lang="it-IT" dirty="0" err="1"/>
+              <a:t>variation</a:t>
+            </a:r>
+            <a:r>
+              <a:rPr lang="it-IT" dirty="0"/>
+              <a:t>: 1.8566898771034241 msg/</a:t>
+            </a:r>
+            <a:r>
+              <a:rPr lang="it-IT" dirty="0" err="1"/>
+              <a:t>ms</a:t>
+            </a:r>
+            <a:r>
+              <a:rPr lang="it-IT" dirty="0"/>
+              <a:t> </a:t>
+            </a:r>
+          </a:p>
+          <a:p>
+            <a:pPr marL="0" indent="0">
+              <a:buNone/>
+            </a:pPr>
+            <a:r>
+              <a:rPr lang="it-IT" dirty="0"/>
+              <a:t>- Max throughput : 20.2341698452777 msg/</a:t>
+            </a:r>
+            <a:r>
+              <a:rPr lang="it-IT" dirty="0" err="1"/>
+              <a:t>ms</a:t>
+            </a:r>
+            <a:r>
+              <a:rPr lang="it-IT" dirty="0"/>
+              <a:t> </a:t>
+            </a:r>
+          </a:p>
+          <a:p>
+            <a:pPr marL="0" indent="0">
+              <a:buNone/>
+            </a:pPr>
+            <a:r>
+              <a:rPr lang="it-IT" dirty="0"/>
+              <a:t>- Min jitter was 1876.5946568176428 </a:t>
+            </a:r>
+            <a:r>
+              <a:rPr lang="it-IT" dirty="0" err="1"/>
+              <a:t>ms</a:t>
+            </a:r>
+            <a:r>
+              <a:rPr lang="it-IT" dirty="0"/>
+              <a:t> </a:t>
+            </a:r>
+          </a:p>
+          <a:p>
+            <a:pPr marL="0" indent="0">
+              <a:buNone/>
+            </a:pPr>
+            <a:r>
+              <a:rPr lang="it-IT" dirty="0"/>
+              <a:t>- Min throughput was 15.688763916727838 msg/</a:t>
+            </a:r>
+            <a:r>
+              <a:rPr lang="it-IT" dirty="0" err="1"/>
+              <a:t>ms</a:t>
+            </a:r>
+            <a:r>
+              <a:rPr lang="it-IT" dirty="0"/>
+              <a:t> </a:t>
+            </a:r>
+          </a:p>
+          <a:p>
+            <a:pPr marL="0" indent="0">
+              <a:buNone/>
+            </a:pPr>
+            <a:r>
+              <a:rPr lang="it-IT" dirty="0"/>
+              <a:t>- Max jitter was 2072.0725160991265 </a:t>
+            </a:r>
+            <a:r>
+              <a:rPr lang="it-IT" dirty="0" err="1"/>
+              <a:t>ms</a:t>
+            </a:r>
+            <a:r>
+              <a:rPr lang="it-IT" dirty="0"/>
+              <a:t> </a:t>
+            </a:r>
+          </a:p>
+        </p:txBody>
+      </p:sp>
+      <p:sp>
+        <p:nvSpPr>
+          <p:cNvPr id="2" name="Segnaposto contenuto 4">
+            <a:extLst>
+              <a:ext uri="{FF2B5EF4-FFF2-40B4-BE49-F238E27FC236}">
+                <a16:creationId xmlns:a16="http://schemas.microsoft.com/office/drawing/2014/main" id="{B85486F3-D1A9-8422-ED69-593397F79870}"/>
+              </a:ext>
+            </a:extLst>
+          </p:cNvPr>
+          <p:cNvSpPr txBox="1">
+            <a:spLocks/>
+          </p:cNvSpPr>
+          <p:nvPr/>
+        </p:nvSpPr>
+        <p:spPr>
+          <a:xfrm>
+            <a:off x="6096000" y="1825625"/>
+            <a:ext cx="3405326" cy="4351338"/>
+          </a:xfrm>
+          <a:prstGeom prst="rect">
+            <a:avLst/>
+          </a:prstGeom>
+        </p:spPr>
+        <p:txBody>
+          <a:bodyPr vert="horz" lIns="91440" tIns="45720" rIns="91440" bIns="45720" rtlCol="0">
+            <a:normAutofit/>
+          </a:bodyPr>
+          <a:lstStyle>
+            <a:lvl1pPr marL="228600" indent="-228600" algn="l" defTabSz="914400" rtl="0" eaLnBrk="1" latinLnBrk="0" hangingPunct="1">
+              <a:lnSpc>
+                <a:spcPct val="90000"/>
+              </a:lnSpc>
+              <a:spcBef>
+                <a:spcPts val="1000"/>
+              </a:spcBef>
+              <a:buFont typeface="Arial" panose="020B0604020202020204" pitchFamily="34" charset="0"/>
+              <a:buChar char="•"/>
+              <a:defRPr sz="2800" kern="1200">
+                <a:solidFill>
+                  <a:schemeClr val="tx1"/>
+                </a:solidFill>
+                <a:latin typeface="+mn-lt"/>
+                <a:ea typeface="+mn-ea"/>
+                <a:cs typeface="+mn-cs"/>
+              </a:defRPr>
+            </a:lvl1pPr>
+            <a:lvl2pPr marL="685800" indent="-228600" algn="l" defTabSz="914400" rtl="0" eaLnBrk="1" latinLnBrk="0" hangingPunct="1">
+              <a:lnSpc>
+                <a:spcPct val="90000"/>
+              </a:lnSpc>
+              <a:spcBef>
+                <a:spcPts val="500"/>
+              </a:spcBef>
+              <a:buFont typeface="Arial" panose="020B0604020202020204" pitchFamily="34" charset="0"/>
+              <a:buChar char="•"/>
+              <a:defRPr sz="2400" kern="1200">
+                <a:solidFill>
+                  <a:schemeClr val="tx1"/>
+                </a:solidFill>
+                <a:latin typeface="+mn-lt"/>
+                <a:ea typeface="+mn-ea"/>
+                <a:cs typeface="+mn-cs"/>
+              </a:defRPr>
+            </a:lvl2pPr>
+            <a:lvl3pPr marL="1143000" indent="-228600" algn="l" defTabSz="914400" rtl="0" eaLnBrk="1" latinLnBrk="0" hangingPunct="1">
+              <a:lnSpc>
+                <a:spcPct val="90000"/>
+              </a:lnSpc>
+              <a:spcBef>
+                <a:spcPts val="500"/>
+              </a:spcBef>
+              <a:buFont typeface="Arial" panose="020B0604020202020204" pitchFamily="34" charset="0"/>
+              <a:buChar char="•"/>
+              <a:defRPr sz="2000" kern="1200">
+                <a:solidFill>
+                  <a:schemeClr val="tx1"/>
+                </a:solidFill>
+                <a:latin typeface="+mn-lt"/>
+                <a:ea typeface="+mn-ea"/>
+                <a:cs typeface="+mn-cs"/>
+              </a:defRPr>
+            </a:lvl3pPr>
+            <a:lvl4pPr marL="1600200" indent="-228600" algn="l" defTabSz="914400" rtl="0" eaLnBrk="1" latinLnBrk="0" hangingPunct="1">
+              <a:lnSpc>
+                <a:spcPct val="90000"/>
+              </a:lnSpc>
+              <a:spcBef>
+                <a:spcPts val="500"/>
+              </a:spcBef>
+              <a:buFont typeface="Arial" panose="020B0604020202020204" pitchFamily="34" charset="0"/>
+              <a:buChar char="•"/>
+              <a:defRPr sz="1800" kern="1200">
+                <a:solidFill>
+                  <a:schemeClr val="tx1"/>
+                </a:solidFill>
+                <a:latin typeface="+mn-lt"/>
+                <a:ea typeface="+mn-ea"/>
+                <a:cs typeface="+mn-cs"/>
+              </a:defRPr>
+            </a:lvl4pPr>
+            <a:lvl5pPr marL="2057400" indent="-228600" algn="l" defTabSz="914400" rtl="0" eaLnBrk="1" latinLnBrk="0" hangingPunct="1">
+              <a:lnSpc>
+                <a:spcPct val="90000"/>
+              </a:lnSpc>
+              <a:spcBef>
+                <a:spcPts val="500"/>
+              </a:spcBef>
+              <a:buFont typeface="Arial" panose="020B0604020202020204" pitchFamily="34" charset="0"/>
+              <a:buChar char="•"/>
+              <a:defRPr sz="1800" kern="1200">
+                <a:solidFill>
+                  <a:schemeClr val="tx1"/>
+                </a:solidFill>
+                <a:latin typeface="+mn-lt"/>
+                <a:ea typeface="+mn-ea"/>
+                <a:cs typeface="+mn-cs"/>
+              </a:defRPr>
+            </a:lvl5pPr>
+            <a:lvl6pPr marL="2514600" indent="-228600" algn="l" defTabSz="914400" rtl="0" eaLnBrk="1" latinLnBrk="0" hangingPunct="1">
+              <a:lnSpc>
+                <a:spcPct val="90000"/>
+              </a:lnSpc>
+              <a:spcBef>
+                <a:spcPts val="500"/>
+              </a:spcBef>
+              <a:buFont typeface="Arial" panose="020B0604020202020204" pitchFamily="34" charset="0"/>
+              <a:buChar char="•"/>
+              <a:defRPr sz="1800" kern="1200">
+                <a:solidFill>
+                  <a:schemeClr val="tx1"/>
+                </a:solidFill>
+                <a:latin typeface="+mn-lt"/>
+                <a:ea typeface="+mn-ea"/>
+                <a:cs typeface="+mn-cs"/>
+              </a:defRPr>
+            </a:lvl6pPr>
+            <a:lvl7pPr marL="2971800" indent="-228600" algn="l" defTabSz="914400" rtl="0" eaLnBrk="1" latinLnBrk="0" hangingPunct="1">
+              <a:lnSpc>
+                <a:spcPct val="90000"/>
+              </a:lnSpc>
+              <a:spcBef>
+                <a:spcPts val="500"/>
+              </a:spcBef>
+              <a:buFont typeface="Arial" panose="020B0604020202020204" pitchFamily="34" charset="0"/>
+              <a:buChar char="•"/>
+              <a:defRPr sz="1800" kern="1200">
+                <a:solidFill>
+                  <a:schemeClr val="tx1"/>
+                </a:solidFill>
+                <a:latin typeface="+mn-lt"/>
+                <a:ea typeface="+mn-ea"/>
+                <a:cs typeface="+mn-cs"/>
+              </a:defRPr>
+            </a:lvl7pPr>
+            <a:lvl8pPr marL="3429000" indent="-228600" algn="l" defTabSz="914400" rtl="0" eaLnBrk="1" latinLnBrk="0" hangingPunct="1">
+              <a:lnSpc>
+                <a:spcPct val="90000"/>
+              </a:lnSpc>
+              <a:spcBef>
+                <a:spcPts val="500"/>
+              </a:spcBef>
+              <a:buFont typeface="Arial" panose="020B0604020202020204" pitchFamily="34" charset="0"/>
+              <a:buChar char="•"/>
+              <a:defRPr sz="1800" kern="1200">
+                <a:solidFill>
+                  <a:schemeClr val="tx1"/>
+                </a:solidFill>
+                <a:latin typeface="+mn-lt"/>
+                <a:ea typeface="+mn-ea"/>
+                <a:cs typeface="+mn-cs"/>
+              </a:defRPr>
+            </a:lvl8pPr>
+            <a:lvl9pPr marL="3886200" indent="-228600" algn="l" defTabSz="914400" rtl="0" eaLnBrk="1" latinLnBrk="0" hangingPunct="1">
+              <a:lnSpc>
+                <a:spcPct val="90000"/>
+              </a:lnSpc>
+              <a:spcBef>
+                <a:spcPts val="500"/>
+              </a:spcBef>
+              <a:buFont typeface="Arial" panose="020B0604020202020204" pitchFamily="34" charset="0"/>
+              <a:buChar char="•"/>
+              <a:defRPr sz="1800" kern="1200">
+                <a:solidFill>
+                  <a:schemeClr val="tx1"/>
+                </a:solidFill>
+                <a:latin typeface="+mn-lt"/>
+                <a:ea typeface="+mn-ea"/>
+                <a:cs typeface="+mn-cs"/>
+              </a:defRPr>
+            </a:lvl9pPr>
+          </a:lstStyle>
+          <a:p>
+            <a:pPr marL="0" indent="0">
+              <a:buFont typeface="Arial" panose="020B0604020202020204" pitchFamily="34" charset="0"/>
+              <a:buNone/>
+            </a:pPr>
+            <a:endParaRPr lang="it-IT" dirty="0"/>
+          </a:p>
+        </p:txBody>
+      </p:sp>
+    </p:spTree>
+    <p:extLst>
+      <p:ext uri="{BB962C8B-B14F-4D97-AF65-F5344CB8AC3E}">
+        <p14:creationId xmlns:p14="http://schemas.microsoft.com/office/powerpoint/2010/main" val="3848609084"/>
+      </p:ext>
+    </p:extLst>
+  </p:cSld>
+  <p:clrMapOvr>
+    <a:masterClrMapping/>
+  </p:clrMapOvr>
+</p:sld>
+</file>
+
+<file path=ppt/slides/slide17.xml><?xml version="1.0" encoding="utf-8"?>
+<p:sld xmlns:a="http://schemas.openxmlformats.org/drawingml/2006/main" xmlns:r="http://schemas.openxmlformats.org/officeDocument/2006/relationships" xmlns:p="http://schemas.openxmlformats.org/presentationml/2006/main">
+  <p:cSld>
+    <p:spTree>
+      <p:nvGrpSpPr>
+        <p:cNvPr id="1" name="">
+          <a:extLst>
+            <a:ext uri="{FF2B5EF4-FFF2-40B4-BE49-F238E27FC236}">
+              <a16:creationId xmlns:a16="http://schemas.microsoft.com/office/drawing/2014/main" id="{F5EA6CF8-BDB4-5AA2-A01B-844186F18B14}"/>
+            </a:ext>
+          </a:extLst>
+        </p:cNvPr>
+        <p:cNvGrpSpPr/>
+        <p:nvPr/>
+      </p:nvGrpSpPr>
+      <p:grpSpPr>
+        <a:xfrm>
+          <a:off x="0" y="0"/>
+          <a:ext cx="0" cy="0"/>
+          <a:chOff x="0" y="0"/>
+          <a:chExt cx="0" cy="0"/>
+        </a:xfrm>
+      </p:grpSpPr>
+      <p:sp>
+        <p:nvSpPr>
+          <p:cNvPr id="4" name="Titolo 3">
+            <a:extLst>
+              <a:ext uri="{FF2B5EF4-FFF2-40B4-BE49-F238E27FC236}">
+                <a16:creationId xmlns:a16="http://schemas.microsoft.com/office/drawing/2014/main" id="{7FC9F206-DB11-3E7D-A78A-8593E2710FD3}"/>
+              </a:ext>
+            </a:extLst>
+          </p:cNvPr>
+          <p:cNvSpPr>
+            <a:spLocks noGrp="1"/>
+          </p:cNvSpPr>
+          <p:nvPr>
+            <p:ph type="title"/>
+          </p:nvPr>
+        </p:nvSpPr>
+        <p:spPr/>
+        <p:txBody>
+          <a:bodyPr/>
+          <a:lstStyle/>
+          <a:p>
+            <a:r>
+              <a:rPr lang="it-IT" dirty="0"/>
+              <a:t>Exchange </a:t>
+            </a:r>
+            <a:r>
+              <a:rPr lang="it-IT" dirty="0" err="1"/>
+              <a:t>Fanout</a:t>
+            </a:r>
+            <a:r>
+              <a:rPr lang="it-IT" dirty="0"/>
+              <a:t> (Ubuntu)</a:t>
+            </a:r>
+          </a:p>
+        </p:txBody>
+      </p:sp>
+      <p:sp>
+        <p:nvSpPr>
+          <p:cNvPr id="5" name="Segnaposto contenuto 4">
+            <a:extLst>
+              <a:ext uri="{FF2B5EF4-FFF2-40B4-BE49-F238E27FC236}">
+                <a16:creationId xmlns:a16="http://schemas.microsoft.com/office/drawing/2014/main" id="{BF2EE7C6-8A7F-C5CC-68D8-4E9872396604}"/>
+              </a:ext>
+            </a:extLst>
+          </p:cNvPr>
+          <p:cNvSpPr>
+            <a:spLocks noGrp="1"/>
+          </p:cNvSpPr>
+          <p:nvPr>
+            <p:ph idx="1"/>
+          </p:nvPr>
+        </p:nvSpPr>
+        <p:spPr>
+          <a:xfrm>
+            <a:off x="838200" y="1825625"/>
+            <a:ext cx="9867254" cy="4351338"/>
+          </a:xfrm>
+        </p:spPr>
+        <p:txBody>
+          <a:bodyPr>
+            <a:normAutofit/>
+          </a:bodyPr>
+          <a:lstStyle/>
+          <a:p>
+            <a:pPr marL="0" indent="0">
+              <a:buNone/>
+            </a:pPr>
+            <a:r>
+              <a:rPr lang="it-IT" dirty="0"/>
+              <a:t>C2: </a:t>
+            </a:r>
+          </a:p>
+          <a:p>
+            <a:pPr marL="0" indent="0">
+              <a:buNone/>
+            </a:pPr>
+            <a:r>
+              <a:rPr lang="it-IT" dirty="0"/>
+              <a:t>- </a:t>
+            </a:r>
+            <a:r>
+              <a:rPr lang="it-IT" dirty="0" err="1"/>
+              <a:t>Avg</a:t>
+            </a:r>
+            <a:r>
+              <a:rPr lang="it-IT" dirty="0"/>
+              <a:t> throughput : 17.995168287241754 msg/</a:t>
+            </a:r>
+            <a:r>
+              <a:rPr lang="it-IT" dirty="0" err="1"/>
+              <a:t>ms</a:t>
+            </a:r>
+            <a:r>
+              <a:rPr lang="it-IT" dirty="0"/>
+              <a:t> </a:t>
+            </a:r>
+          </a:p>
+          <a:p>
+            <a:pPr marL="0" indent="0">
+              <a:buNone/>
+            </a:pPr>
+            <a:r>
+              <a:rPr lang="it-IT" dirty="0"/>
+              <a:t>- </a:t>
+            </a:r>
+            <a:r>
+              <a:rPr lang="it-IT" dirty="0" err="1"/>
+              <a:t>Avg</a:t>
+            </a:r>
+            <a:r>
+              <a:rPr lang="it-IT" dirty="0"/>
+              <a:t> jitter : 1982.5593557363745 </a:t>
+            </a:r>
+            <a:r>
+              <a:rPr lang="it-IT" dirty="0" err="1"/>
+              <a:t>ms</a:t>
+            </a:r>
+            <a:r>
+              <a:rPr lang="it-IT" dirty="0"/>
+              <a:t> </a:t>
+            </a:r>
+          </a:p>
+          <a:p>
+            <a:pPr marL="0" indent="0">
+              <a:buNone/>
+            </a:pPr>
+            <a:r>
+              <a:rPr lang="it-IT" dirty="0"/>
+              <a:t>- Throughput </a:t>
+            </a:r>
+            <a:r>
+              <a:rPr lang="it-IT" dirty="0" err="1"/>
+              <a:t>variation</a:t>
+            </a:r>
+            <a:r>
+              <a:rPr lang="it-IT" dirty="0"/>
+              <a:t>: 1.85549038231253 msg/</a:t>
+            </a:r>
+            <a:r>
+              <a:rPr lang="it-IT" dirty="0" err="1"/>
+              <a:t>ms</a:t>
+            </a:r>
+            <a:r>
+              <a:rPr lang="it-IT" dirty="0"/>
+              <a:t> </a:t>
+            </a:r>
+          </a:p>
+          <a:p>
+            <a:pPr marL="0" indent="0">
+              <a:buNone/>
+            </a:pPr>
+            <a:r>
+              <a:rPr lang="it-IT" dirty="0"/>
+              <a:t>- Max throughput : 20.20334505167753 msg/</a:t>
+            </a:r>
+            <a:r>
+              <a:rPr lang="it-IT" dirty="0" err="1"/>
+              <a:t>ms</a:t>
+            </a:r>
+            <a:r>
+              <a:rPr lang="it-IT" dirty="0"/>
+              <a:t> </a:t>
+            </a:r>
+          </a:p>
+          <a:p>
+            <a:pPr marL="0" indent="0">
+              <a:buNone/>
+            </a:pPr>
+            <a:r>
+              <a:rPr lang="it-IT" dirty="0"/>
+              <a:t>- Min jitter was 1876.0481690039996 </a:t>
+            </a:r>
+            <a:r>
+              <a:rPr lang="it-IT" dirty="0" err="1"/>
+              <a:t>ms</a:t>
+            </a:r>
+            <a:r>
+              <a:rPr lang="it-IT" dirty="0"/>
+              <a:t> </a:t>
+            </a:r>
+          </a:p>
+          <a:p>
+            <a:pPr marL="0" indent="0">
+              <a:buNone/>
+            </a:pPr>
+            <a:r>
+              <a:rPr lang="it-IT" dirty="0"/>
+              <a:t>- Min throughput was 15.663385573752475 msg/</a:t>
+            </a:r>
+            <a:r>
+              <a:rPr lang="it-IT" dirty="0" err="1"/>
+              <a:t>ms</a:t>
+            </a:r>
+            <a:r>
+              <a:rPr lang="it-IT" dirty="0"/>
+              <a:t> </a:t>
+            </a:r>
+          </a:p>
+          <a:p>
+            <a:pPr marL="0" indent="0">
+              <a:buNone/>
+            </a:pPr>
+            <a:r>
+              <a:rPr lang="it-IT" dirty="0"/>
+              <a:t>- Max jitter was 2072.6553315832043 </a:t>
+            </a:r>
+            <a:r>
+              <a:rPr lang="it-IT" dirty="0" err="1"/>
+              <a:t>ms</a:t>
+            </a:r>
+            <a:r>
+              <a:rPr lang="it-IT" dirty="0"/>
+              <a:t> </a:t>
+            </a:r>
+          </a:p>
+        </p:txBody>
+      </p:sp>
+      <p:sp>
+        <p:nvSpPr>
+          <p:cNvPr id="2" name="Segnaposto contenuto 4">
+            <a:extLst>
+              <a:ext uri="{FF2B5EF4-FFF2-40B4-BE49-F238E27FC236}">
+                <a16:creationId xmlns:a16="http://schemas.microsoft.com/office/drawing/2014/main" id="{02582541-56E1-F71D-CEBF-80E94003230C}"/>
+              </a:ext>
+            </a:extLst>
+          </p:cNvPr>
+          <p:cNvSpPr txBox="1">
+            <a:spLocks/>
+          </p:cNvSpPr>
+          <p:nvPr/>
+        </p:nvSpPr>
+        <p:spPr>
+          <a:xfrm>
+            <a:off x="6096000" y="1825625"/>
+            <a:ext cx="3405326" cy="4351338"/>
+          </a:xfrm>
+          <a:prstGeom prst="rect">
+            <a:avLst/>
+          </a:prstGeom>
+        </p:spPr>
+        <p:txBody>
+          <a:bodyPr vert="horz" lIns="91440" tIns="45720" rIns="91440" bIns="45720" rtlCol="0">
+            <a:normAutofit/>
+          </a:bodyPr>
+          <a:lstStyle>
+            <a:lvl1pPr marL="228600" indent="-228600" algn="l" defTabSz="914400" rtl="0" eaLnBrk="1" latinLnBrk="0" hangingPunct="1">
+              <a:lnSpc>
+                <a:spcPct val="90000"/>
+              </a:lnSpc>
+              <a:spcBef>
+                <a:spcPts val="1000"/>
+              </a:spcBef>
+              <a:buFont typeface="Arial" panose="020B0604020202020204" pitchFamily="34" charset="0"/>
+              <a:buChar char="•"/>
+              <a:defRPr sz="2800" kern="1200">
+                <a:solidFill>
+                  <a:schemeClr val="tx1"/>
+                </a:solidFill>
+                <a:latin typeface="+mn-lt"/>
+                <a:ea typeface="+mn-ea"/>
+                <a:cs typeface="+mn-cs"/>
+              </a:defRPr>
+            </a:lvl1pPr>
+            <a:lvl2pPr marL="685800" indent="-228600" algn="l" defTabSz="914400" rtl="0" eaLnBrk="1" latinLnBrk="0" hangingPunct="1">
+              <a:lnSpc>
+                <a:spcPct val="90000"/>
+              </a:lnSpc>
+              <a:spcBef>
+                <a:spcPts val="500"/>
+              </a:spcBef>
+              <a:buFont typeface="Arial" panose="020B0604020202020204" pitchFamily="34" charset="0"/>
+              <a:buChar char="•"/>
+              <a:defRPr sz="2400" kern="1200">
+                <a:solidFill>
+                  <a:schemeClr val="tx1"/>
+                </a:solidFill>
+                <a:latin typeface="+mn-lt"/>
+                <a:ea typeface="+mn-ea"/>
+                <a:cs typeface="+mn-cs"/>
+              </a:defRPr>
+            </a:lvl2pPr>
+            <a:lvl3pPr marL="1143000" indent="-228600" algn="l" defTabSz="914400" rtl="0" eaLnBrk="1" latinLnBrk="0" hangingPunct="1">
+              <a:lnSpc>
+                <a:spcPct val="90000"/>
+              </a:lnSpc>
+              <a:spcBef>
+                <a:spcPts val="500"/>
+              </a:spcBef>
+              <a:buFont typeface="Arial" panose="020B0604020202020204" pitchFamily="34" charset="0"/>
+              <a:buChar char="•"/>
+              <a:defRPr sz="2000" kern="1200">
+                <a:solidFill>
+                  <a:schemeClr val="tx1"/>
+                </a:solidFill>
+                <a:latin typeface="+mn-lt"/>
+                <a:ea typeface="+mn-ea"/>
+                <a:cs typeface="+mn-cs"/>
+              </a:defRPr>
+            </a:lvl3pPr>
+            <a:lvl4pPr marL="1600200" indent="-228600" algn="l" defTabSz="914400" rtl="0" eaLnBrk="1" latinLnBrk="0" hangingPunct="1">
+              <a:lnSpc>
+                <a:spcPct val="90000"/>
+              </a:lnSpc>
+              <a:spcBef>
+                <a:spcPts val="500"/>
+              </a:spcBef>
+              <a:buFont typeface="Arial" panose="020B0604020202020204" pitchFamily="34" charset="0"/>
+              <a:buChar char="•"/>
+              <a:defRPr sz="1800" kern="1200">
+                <a:solidFill>
+                  <a:schemeClr val="tx1"/>
+                </a:solidFill>
+                <a:latin typeface="+mn-lt"/>
+                <a:ea typeface="+mn-ea"/>
+                <a:cs typeface="+mn-cs"/>
+              </a:defRPr>
+            </a:lvl4pPr>
+            <a:lvl5pPr marL="2057400" indent="-228600" algn="l" defTabSz="914400" rtl="0" eaLnBrk="1" latinLnBrk="0" hangingPunct="1">
+              <a:lnSpc>
+                <a:spcPct val="90000"/>
+              </a:lnSpc>
+              <a:spcBef>
+                <a:spcPts val="500"/>
+              </a:spcBef>
+              <a:buFont typeface="Arial" panose="020B0604020202020204" pitchFamily="34" charset="0"/>
+              <a:buChar char="•"/>
+              <a:defRPr sz="1800" kern="1200">
+                <a:solidFill>
+                  <a:schemeClr val="tx1"/>
+                </a:solidFill>
+                <a:latin typeface="+mn-lt"/>
+                <a:ea typeface="+mn-ea"/>
+                <a:cs typeface="+mn-cs"/>
+              </a:defRPr>
+            </a:lvl5pPr>
+            <a:lvl6pPr marL="2514600" indent="-228600" algn="l" defTabSz="914400" rtl="0" eaLnBrk="1" latinLnBrk="0" hangingPunct="1">
+              <a:lnSpc>
+                <a:spcPct val="90000"/>
+              </a:lnSpc>
+              <a:spcBef>
+                <a:spcPts val="500"/>
+              </a:spcBef>
+              <a:buFont typeface="Arial" panose="020B0604020202020204" pitchFamily="34" charset="0"/>
+              <a:buChar char="•"/>
+              <a:defRPr sz="1800" kern="1200">
+                <a:solidFill>
+                  <a:schemeClr val="tx1"/>
+                </a:solidFill>
+                <a:latin typeface="+mn-lt"/>
+                <a:ea typeface="+mn-ea"/>
+                <a:cs typeface="+mn-cs"/>
+              </a:defRPr>
+            </a:lvl6pPr>
+            <a:lvl7pPr marL="2971800" indent="-228600" algn="l" defTabSz="914400" rtl="0" eaLnBrk="1" latinLnBrk="0" hangingPunct="1">
+              <a:lnSpc>
+                <a:spcPct val="90000"/>
+              </a:lnSpc>
+              <a:spcBef>
+                <a:spcPts val="500"/>
+              </a:spcBef>
+              <a:buFont typeface="Arial" panose="020B0604020202020204" pitchFamily="34" charset="0"/>
+              <a:buChar char="•"/>
+              <a:defRPr sz="1800" kern="1200">
+                <a:solidFill>
+                  <a:schemeClr val="tx1"/>
+                </a:solidFill>
+                <a:latin typeface="+mn-lt"/>
+                <a:ea typeface="+mn-ea"/>
+                <a:cs typeface="+mn-cs"/>
+              </a:defRPr>
+            </a:lvl7pPr>
+            <a:lvl8pPr marL="3429000" indent="-228600" algn="l" defTabSz="914400" rtl="0" eaLnBrk="1" latinLnBrk="0" hangingPunct="1">
+              <a:lnSpc>
+                <a:spcPct val="90000"/>
+              </a:lnSpc>
+              <a:spcBef>
+                <a:spcPts val="500"/>
+              </a:spcBef>
+              <a:buFont typeface="Arial" panose="020B0604020202020204" pitchFamily="34" charset="0"/>
+              <a:buChar char="•"/>
+              <a:defRPr sz="1800" kern="1200">
+                <a:solidFill>
+                  <a:schemeClr val="tx1"/>
+                </a:solidFill>
+                <a:latin typeface="+mn-lt"/>
+                <a:ea typeface="+mn-ea"/>
+                <a:cs typeface="+mn-cs"/>
+              </a:defRPr>
+            </a:lvl8pPr>
+            <a:lvl9pPr marL="3886200" indent="-228600" algn="l" defTabSz="914400" rtl="0" eaLnBrk="1" latinLnBrk="0" hangingPunct="1">
+              <a:lnSpc>
+                <a:spcPct val="90000"/>
+              </a:lnSpc>
+              <a:spcBef>
+                <a:spcPts val="500"/>
+              </a:spcBef>
+              <a:buFont typeface="Arial" panose="020B0604020202020204" pitchFamily="34" charset="0"/>
+              <a:buChar char="•"/>
+              <a:defRPr sz="1800" kern="1200">
+                <a:solidFill>
+                  <a:schemeClr val="tx1"/>
+                </a:solidFill>
+                <a:latin typeface="+mn-lt"/>
+                <a:ea typeface="+mn-ea"/>
+                <a:cs typeface="+mn-cs"/>
+              </a:defRPr>
+            </a:lvl9pPr>
+          </a:lstStyle>
+          <a:p>
+            <a:pPr marL="0" indent="0">
+              <a:buFont typeface="Arial" panose="020B0604020202020204" pitchFamily="34" charset="0"/>
+              <a:buNone/>
+            </a:pPr>
+            <a:endParaRPr lang="it-IT" dirty="0"/>
+          </a:p>
+        </p:txBody>
+      </p:sp>
+    </p:spTree>
+    <p:extLst>
+      <p:ext uri="{BB962C8B-B14F-4D97-AF65-F5344CB8AC3E}">
+        <p14:creationId xmlns:p14="http://schemas.microsoft.com/office/powerpoint/2010/main" val="3135868363"/>
+      </p:ext>
+    </p:extLst>
+  </p:cSld>
+  <p:clrMapOvr>
+    <a:masterClrMapping/>
+  </p:clrMapOvr>
+</p:sld>
+</file>
+
+<file path=ppt/slides/slide18.xml><?xml version="1.0" encoding="utf-8"?>
+<p:sld xmlns:a="http://schemas.openxmlformats.org/drawingml/2006/main" xmlns:r="http://schemas.openxmlformats.org/officeDocument/2006/relationships" xmlns:p="http://schemas.openxmlformats.org/presentationml/2006/main">
+  <p:cSld>
+    <p:spTree>
+      <p:nvGrpSpPr>
+        <p:cNvPr id="1" name="">
+          <a:extLst>
+            <a:ext uri="{FF2B5EF4-FFF2-40B4-BE49-F238E27FC236}">
+              <a16:creationId xmlns:a16="http://schemas.microsoft.com/office/drawing/2014/main" id="{973963DD-AC13-EB97-BA83-B6BD424F8CCC}"/>
+            </a:ext>
+          </a:extLst>
+        </p:cNvPr>
+        <p:cNvGrpSpPr/>
+        <p:nvPr/>
+      </p:nvGrpSpPr>
+      <p:grpSpPr>
+        <a:xfrm>
+          <a:off x="0" y="0"/>
+          <a:ext cx="0" cy="0"/>
+          <a:chOff x="0" y="0"/>
+          <a:chExt cx="0" cy="0"/>
+        </a:xfrm>
+      </p:grpSpPr>
+      <p:sp>
+        <p:nvSpPr>
+          <p:cNvPr id="4" name="Titolo 3">
+            <a:extLst>
+              <a:ext uri="{FF2B5EF4-FFF2-40B4-BE49-F238E27FC236}">
+                <a16:creationId xmlns:a16="http://schemas.microsoft.com/office/drawing/2014/main" id="{7119E4F2-DC49-812A-4C68-2972133566A6}"/>
+              </a:ext>
+            </a:extLst>
+          </p:cNvPr>
+          <p:cNvSpPr>
+            <a:spLocks noGrp="1"/>
+          </p:cNvSpPr>
+          <p:nvPr>
+            <p:ph type="title"/>
+          </p:nvPr>
+        </p:nvSpPr>
+        <p:spPr/>
+        <p:txBody>
+          <a:bodyPr/>
+          <a:lstStyle/>
+          <a:p>
+            <a:r>
+              <a:rPr lang="it-IT" dirty="0"/>
+              <a:t>Exchange </a:t>
+            </a:r>
+            <a:r>
+              <a:rPr lang="it-IT" dirty="0" err="1"/>
+              <a:t>Fanout</a:t>
+            </a:r>
+            <a:r>
+              <a:rPr lang="it-IT" dirty="0"/>
+              <a:t> (Windows)</a:t>
+            </a:r>
+          </a:p>
+        </p:txBody>
+      </p:sp>
+      <p:sp>
+        <p:nvSpPr>
+          <p:cNvPr id="5" name="Segnaposto contenuto 4">
+            <a:extLst>
+              <a:ext uri="{FF2B5EF4-FFF2-40B4-BE49-F238E27FC236}">
+                <a16:creationId xmlns:a16="http://schemas.microsoft.com/office/drawing/2014/main" id="{06DE84C8-5121-4544-309D-FB659700076C}"/>
+              </a:ext>
+            </a:extLst>
+          </p:cNvPr>
+          <p:cNvSpPr>
+            <a:spLocks noGrp="1"/>
+          </p:cNvSpPr>
+          <p:nvPr>
+            <p:ph idx="1"/>
+          </p:nvPr>
+        </p:nvSpPr>
+        <p:spPr>
+          <a:xfrm>
+            <a:off x="838200" y="1825625"/>
+            <a:ext cx="9867254" cy="4351338"/>
+          </a:xfrm>
+        </p:spPr>
+        <p:txBody>
+          <a:bodyPr>
+            <a:normAutofit/>
+          </a:bodyPr>
+          <a:lstStyle/>
+          <a:p>
+            <a:pPr marL="0" indent="0">
+              <a:buNone/>
+            </a:pPr>
+            <a:r>
+              <a:rPr lang="it-IT" dirty="0"/>
+              <a:t>C1: </a:t>
+            </a:r>
+          </a:p>
+          <a:p>
+            <a:pPr marL="0" indent="0">
+              <a:buNone/>
+            </a:pPr>
+            <a:r>
+              <a:rPr lang="it-IT" dirty="0"/>
+              <a:t>- </a:t>
+            </a:r>
+            <a:r>
+              <a:rPr lang="it-IT" dirty="0" err="1"/>
+              <a:t>Avg</a:t>
+            </a:r>
+            <a:r>
+              <a:rPr lang="it-IT" dirty="0"/>
+              <a:t> throughput : 12,189693337977447 msg/</a:t>
+            </a:r>
+            <a:r>
+              <a:rPr lang="it-IT" dirty="0" err="1"/>
+              <a:t>ms</a:t>
+            </a:r>
+            <a:r>
+              <a:rPr lang="it-IT" dirty="0"/>
+              <a:t> </a:t>
+            </a:r>
+          </a:p>
+          <a:p>
+            <a:pPr marL="0" indent="0">
+              <a:buNone/>
+            </a:pPr>
+            <a:r>
+              <a:rPr lang="it-IT" dirty="0"/>
+              <a:t>- </a:t>
+            </a:r>
+            <a:r>
+              <a:rPr lang="it-IT" dirty="0" err="1"/>
+              <a:t>Avg</a:t>
+            </a:r>
+            <a:r>
+              <a:rPr lang="it-IT" dirty="0"/>
+              <a:t> jitter : 31,054787347932756 </a:t>
+            </a:r>
+            <a:r>
+              <a:rPr lang="it-IT" dirty="0" err="1"/>
+              <a:t>ms</a:t>
+            </a:r>
+            <a:r>
+              <a:rPr lang="it-IT" dirty="0"/>
+              <a:t> </a:t>
+            </a:r>
+          </a:p>
+          <a:p>
+            <a:pPr marL="0" indent="0">
+              <a:buNone/>
+            </a:pPr>
+            <a:r>
+              <a:rPr lang="it-IT" dirty="0"/>
+              <a:t>- Throughput </a:t>
+            </a:r>
+            <a:r>
+              <a:rPr lang="it-IT" dirty="0" err="1"/>
+              <a:t>variation</a:t>
+            </a:r>
+            <a:r>
+              <a:rPr lang="it-IT" dirty="0"/>
+              <a:t>: 1,549492820043933 msg/</a:t>
+            </a:r>
+            <a:r>
+              <a:rPr lang="it-IT" dirty="0" err="1"/>
+              <a:t>ms</a:t>
+            </a:r>
+            <a:r>
+              <a:rPr lang="it-IT" dirty="0"/>
+              <a:t> </a:t>
+            </a:r>
+          </a:p>
+          <a:p>
+            <a:pPr marL="0" indent="0">
+              <a:buNone/>
+            </a:pPr>
+            <a:r>
+              <a:rPr lang="it-IT" dirty="0"/>
+              <a:t>- Max throughput : 13,322106172763258 msg/</a:t>
+            </a:r>
+            <a:r>
+              <a:rPr lang="it-IT" dirty="0" err="1"/>
+              <a:t>ms</a:t>
+            </a:r>
+            <a:r>
+              <a:rPr lang="it-IT" dirty="0"/>
+              <a:t> </a:t>
+            </a:r>
+          </a:p>
+          <a:p>
+            <a:pPr marL="0" indent="0">
+              <a:buNone/>
+            </a:pPr>
+            <a:r>
+              <a:rPr lang="it-IT" dirty="0"/>
+              <a:t>- Min jitter was 21,592577230599606 </a:t>
+            </a:r>
+            <a:r>
+              <a:rPr lang="it-IT" dirty="0" err="1"/>
+              <a:t>ms</a:t>
+            </a:r>
+            <a:r>
+              <a:rPr lang="it-IT" dirty="0"/>
+              <a:t> </a:t>
+            </a:r>
+          </a:p>
+          <a:p>
+            <a:pPr marL="0" indent="0">
+              <a:buNone/>
+            </a:pPr>
+            <a:r>
+              <a:rPr lang="it-IT" dirty="0"/>
+              <a:t>- Min throughput was 9,998795295148865 msg/</a:t>
+            </a:r>
+            <a:r>
+              <a:rPr lang="it-IT" dirty="0" err="1"/>
+              <a:t>ms</a:t>
+            </a:r>
+            <a:r>
+              <a:rPr lang="it-IT" dirty="0"/>
+              <a:t> </a:t>
+            </a:r>
+          </a:p>
+          <a:p>
+            <a:pPr marL="0" indent="0">
+              <a:buNone/>
+            </a:pPr>
+            <a:r>
+              <a:rPr lang="it-IT" dirty="0"/>
+              <a:t>- Max jitter was 38,84705340186207 </a:t>
+            </a:r>
+            <a:r>
+              <a:rPr lang="it-IT" dirty="0" err="1"/>
+              <a:t>ms</a:t>
+            </a:r>
+            <a:r>
+              <a:rPr lang="it-IT" dirty="0"/>
+              <a:t> </a:t>
+            </a:r>
+          </a:p>
+        </p:txBody>
+      </p:sp>
+      <p:sp>
+        <p:nvSpPr>
+          <p:cNvPr id="2" name="Segnaposto contenuto 4">
+            <a:extLst>
+              <a:ext uri="{FF2B5EF4-FFF2-40B4-BE49-F238E27FC236}">
+                <a16:creationId xmlns:a16="http://schemas.microsoft.com/office/drawing/2014/main" id="{02616739-14A8-FDF9-88F3-5343DC21A54B}"/>
+              </a:ext>
+            </a:extLst>
+          </p:cNvPr>
+          <p:cNvSpPr txBox="1">
+            <a:spLocks/>
+          </p:cNvSpPr>
+          <p:nvPr/>
+        </p:nvSpPr>
+        <p:spPr>
+          <a:xfrm>
+            <a:off x="6096000" y="1825625"/>
+            <a:ext cx="3405326" cy="4351338"/>
+          </a:xfrm>
+          <a:prstGeom prst="rect">
+            <a:avLst/>
+          </a:prstGeom>
+        </p:spPr>
+        <p:txBody>
+          <a:bodyPr vert="horz" lIns="91440" tIns="45720" rIns="91440" bIns="45720" rtlCol="0">
+            <a:normAutofit/>
+          </a:bodyPr>
+          <a:lstStyle>
+            <a:lvl1pPr marL="228600" indent="-228600" algn="l" defTabSz="914400" rtl="0" eaLnBrk="1" latinLnBrk="0" hangingPunct="1">
+              <a:lnSpc>
+                <a:spcPct val="90000"/>
+              </a:lnSpc>
+              <a:spcBef>
+                <a:spcPts val="1000"/>
+              </a:spcBef>
+              <a:buFont typeface="Arial" panose="020B0604020202020204" pitchFamily="34" charset="0"/>
+              <a:buChar char="•"/>
+              <a:defRPr sz="2800" kern="1200">
+                <a:solidFill>
+                  <a:schemeClr val="tx1"/>
+                </a:solidFill>
+                <a:latin typeface="+mn-lt"/>
+                <a:ea typeface="+mn-ea"/>
+                <a:cs typeface="+mn-cs"/>
+              </a:defRPr>
+            </a:lvl1pPr>
+            <a:lvl2pPr marL="685800" indent="-228600" algn="l" defTabSz="914400" rtl="0" eaLnBrk="1" latinLnBrk="0" hangingPunct="1">
+              <a:lnSpc>
+                <a:spcPct val="90000"/>
+              </a:lnSpc>
+              <a:spcBef>
+                <a:spcPts val="500"/>
+              </a:spcBef>
+              <a:buFont typeface="Arial" panose="020B0604020202020204" pitchFamily="34" charset="0"/>
+              <a:buChar char="•"/>
+              <a:defRPr sz="2400" kern="1200">
+                <a:solidFill>
+                  <a:schemeClr val="tx1"/>
+                </a:solidFill>
+                <a:latin typeface="+mn-lt"/>
+                <a:ea typeface="+mn-ea"/>
+                <a:cs typeface="+mn-cs"/>
+              </a:defRPr>
+            </a:lvl2pPr>
+            <a:lvl3pPr marL="1143000" indent="-228600" algn="l" defTabSz="914400" rtl="0" eaLnBrk="1" latinLnBrk="0" hangingPunct="1">
+              <a:lnSpc>
+                <a:spcPct val="90000"/>
+              </a:lnSpc>
+              <a:spcBef>
+                <a:spcPts val="500"/>
+              </a:spcBef>
+              <a:buFont typeface="Arial" panose="020B0604020202020204" pitchFamily="34" charset="0"/>
+              <a:buChar char="•"/>
+              <a:defRPr sz="2000" kern="1200">
+                <a:solidFill>
+                  <a:schemeClr val="tx1"/>
+                </a:solidFill>
+                <a:latin typeface="+mn-lt"/>
+                <a:ea typeface="+mn-ea"/>
+                <a:cs typeface="+mn-cs"/>
+              </a:defRPr>
+            </a:lvl3pPr>
+            <a:lvl4pPr marL="1600200" indent="-228600" algn="l" defTabSz="914400" rtl="0" eaLnBrk="1" latinLnBrk="0" hangingPunct="1">
+              <a:lnSpc>
+                <a:spcPct val="90000"/>
+              </a:lnSpc>
+              <a:spcBef>
+                <a:spcPts val="500"/>
+              </a:spcBef>
+              <a:buFont typeface="Arial" panose="020B0604020202020204" pitchFamily="34" charset="0"/>
+              <a:buChar char="•"/>
+              <a:defRPr sz="1800" kern="1200">
+                <a:solidFill>
+                  <a:schemeClr val="tx1"/>
+                </a:solidFill>
+                <a:latin typeface="+mn-lt"/>
+                <a:ea typeface="+mn-ea"/>
+                <a:cs typeface="+mn-cs"/>
+              </a:defRPr>
+            </a:lvl4pPr>
+            <a:lvl5pPr marL="2057400" indent="-228600" algn="l" defTabSz="914400" rtl="0" eaLnBrk="1" latinLnBrk="0" hangingPunct="1">
+              <a:lnSpc>
+                <a:spcPct val="90000"/>
+              </a:lnSpc>
+              <a:spcBef>
+                <a:spcPts val="500"/>
+              </a:spcBef>
+              <a:buFont typeface="Arial" panose="020B0604020202020204" pitchFamily="34" charset="0"/>
+              <a:buChar char="•"/>
+              <a:defRPr sz="1800" kern="1200">
+                <a:solidFill>
+                  <a:schemeClr val="tx1"/>
+                </a:solidFill>
+                <a:latin typeface="+mn-lt"/>
+                <a:ea typeface="+mn-ea"/>
+                <a:cs typeface="+mn-cs"/>
+              </a:defRPr>
+            </a:lvl5pPr>
+            <a:lvl6pPr marL="2514600" indent="-228600" algn="l" defTabSz="914400" rtl="0" eaLnBrk="1" latinLnBrk="0" hangingPunct="1">
+              <a:lnSpc>
+                <a:spcPct val="90000"/>
+              </a:lnSpc>
+              <a:spcBef>
+                <a:spcPts val="500"/>
+              </a:spcBef>
+              <a:buFont typeface="Arial" panose="020B0604020202020204" pitchFamily="34" charset="0"/>
+              <a:buChar char="•"/>
+              <a:defRPr sz="1800" kern="1200">
+                <a:solidFill>
+                  <a:schemeClr val="tx1"/>
+                </a:solidFill>
+                <a:latin typeface="+mn-lt"/>
+                <a:ea typeface="+mn-ea"/>
+                <a:cs typeface="+mn-cs"/>
+              </a:defRPr>
+            </a:lvl6pPr>
+            <a:lvl7pPr marL="2971800" indent="-228600" algn="l" defTabSz="914400" rtl="0" eaLnBrk="1" latinLnBrk="0" hangingPunct="1">
+              <a:lnSpc>
+                <a:spcPct val="90000"/>
+              </a:lnSpc>
+              <a:spcBef>
+                <a:spcPts val="500"/>
+              </a:spcBef>
+              <a:buFont typeface="Arial" panose="020B0604020202020204" pitchFamily="34" charset="0"/>
+              <a:buChar char="•"/>
+              <a:defRPr sz="1800" kern="1200">
+                <a:solidFill>
+                  <a:schemeClr val="tx1"/>
+                </a:solidFill>
+                <a:latin typeface="+mn-lt"/>
+                <a:ea typeface="+mn-ea"/>
+                <a:cs typeface="+mn-cs"/>
+              </a:defRPr>
+            </a:lvl7pPr>
+            <a:lvl8pPr marL="3429000" indent="-228600" algn="l" defTabSz="914400" rtl="0" eaLnBrk="1" latinLnBrk="0" hangingPunct="1">
+              <a:lnSpc>
+                <a:spcPct val="90000"/>
+              </a:lnSpc>
+              <a:spcBef>
+                <a:spcPts val="500"/>
+              </a:spcBef>
+              <a:buFont typeface="Arial" panose="020B0604020202020204" pitchFamily="34" charset="0"/>
+              <a:buChar char="•"/>
+              <a:defRPr sz="1800" kern="1200">
+                <a:solidFill>
+                  <a:schemeClr val="tx1"/>
+                </a:solidFill>
+                <a:latin typeface="+mn-lt"/>
+                <a:ea typeface="+mn-ea"/>
+                <a:cs typeface="+mn-cs"/>
+              </a:defRPr>
+            </a:lvl8pPr>
+            <a:lvl9pPr marL="3886200" indent="-228600" algn="l" defTabSz="914400" rtl="0" eaLnBrk="1" latinLnBrk="0" hangingPunct="1">
+              <a:lnSpc>
+                <a:spcPct val="90000"/>
+              </a:lnSpc>
+              <a:spcBef>
+                <a:spcPts val="500"/>
+              </a:spcBef>
+              <a:buFont typeface="Arial" panose="020B0604020202020204" pitchFamily="34" charset="0"/>
+              <a:buChar char="•"/>
+              <a:defRPr sz="1800" kern="1200">
+                <a:solidFill>
+                  <a:schemeClr val="tx1"/>
+                </a:solidFill>
+                <a:latin typeface="+mn-lt"/>
+                <a:ea typeface="+mn-ea"/>
+                <a:cs typeface="+mn-cs"/>
+              </a:defRPr>
+            </a:lvl9pPr>
+          </a:lstStyle>
+          <a:p>
+            <a:pPr marL="0" indent="0">
+              <a:buFont typeface="Arial" panose="020B0604020202020204" pitchFamily="34" charset="0"/>
+              <a:buNone/>
+            </a:pPr>
+            <a:endParaRPr lang="it-IT" dirty="0"/>
+          </a:p>
+        </p:txBody>
+      </p:sp>
+    </p:spTree>
+    <p:extLst>
+      <p:ext uri="{BB962C8B-B14F-4D97-AF65-F5344CB8AC3E}">
+        <p14:creationId xmlns:p14="http://schemas.microsoft.com/office/powerpoint/2010/main" val="1221129722"/>
+      </p:ext>
+    </p:extLst>
+  </p:cSld>
+  <p:clrMapOvr>
+    <a:masterClrMapping/>
+  </p:clrMapOvr>
+</p:sld>
+</file>
+
+<file path=ppt/slides/slide19.xml><?xml version="1.0" encoding="utf-8"?>
+<p:sld xmlns:a="http://schemas.openxmlformats.org/drawingml/2006/main" xmlns:r="http://schemas.openxmlformats.org/officeDocument/2006/relationships" xmlns:p="http://schemas.openxmlformats.org/presentationml/2006/main">
+  <p:cSld>
+    <p:spTree>
+      <p:nvGrpSpPr>
+        <p:cNvPr id="1" name="">
+          <a:extLst>
+            <a:ext uri="{FF2B5EF4-FFF2-40B4-BE49-F238E27FC236}">
+              <a16:creationId xmlns:a16="http://schemas.microsoft.com/office/drawing/2014/main" id="{DBAF29AB-0372-F0FD-D862-C85C7348E571}"/>
+            </a:ext>
+          </a:extLst>
+        </p:cNvPr>
+        <p:cNvGrpSpPr/>
+        <p:nvPr/>
+      </p:nvGrpSpPr>
+      <p:grpSpPr>
+        <a:xfrm>
+          <a:off x="0" y="0"/>
+          <a:ext cx="0" cy="0"/>
+          <a:chOff x="0" y="0"/>
+          <a:chExt cx="0" cy="0"/>
+        </a:xfrm>
+      </p:grpSpPr>
+      <p:sp>
+        <p:nvSpPr>
+          <p:cNvPr id="4" name="Titolo 3">
+            <a:extLst>
+              <a:ext uri="{FF2B5EF4-FFF2-40B4-BE49-F238E27FC236}">
+                <a16:creationId xmlns:a16="http://schemas.microsoft.com/office/drawing/2014/main" id="{3546477E-6A81-ECA2-61EB-298CFDD30B58}"/>
+              </a:ext>
+            </a:extLst>
+          </p:cNvPr>
+          <p:cNvSpPr>
+            <a:spLocks noGrp="1"/>
+          </p:cNvSpPr>
+          <p:nvPr>
+            <p:ph type="title"/>
+          </p:nvPr>
+        </p:nvSpPr>
+        <p:spPr/>
+        <p:txBody>
+          <a:bodyPr/>
+          <a:lstStyle/>
+          <a:p>
+            <a:r>
+              <a:rPr lang="it-IT" dirty="0"/>
+              <a:t>Exchange </a:t>
+            </a:r>
+            <a:r>
+              <a:rPr lang="it-IT" dirty="0" err="1"/>
+              <a:t>Fanout</a:t>
+            </a:r>
+            <a:r>
+              <a:rPr lang="it-IT" dirty="0"/>
+              <a:t> (Windows)</a:t>
+            </a:r>
+          </a:p>
+        </p:txBody>
+      </p:sp>
+      <p:sp>
+        <p:nvSpPr>
+          <p:cNvPr id="5" name="Segnaposto contenuto 4">
+            <a:extLst>
+              <a:ext uri="{FF2B5EF4-FFF2-40B4-BE49-F238E27FC236}">
+                <a16:creationId xmlns:a16="http://schemas.microsoft.com/office/drawing/2014/main" id="{B1FB20B9-F950-0FB4-6D91-F811D12FB571}"/>
+              </a:ext>
+            </a:extLst>
+          </p:cNvPr>
+          <p:cNvSpPr>
+            <a:spLocks noGrp="1"/>
+          </p:cNvSpPr>
+          <p:nvPr>
+            <p:ph idx="1"/>
+          </p:nvPr>
+        </p:nvSpPr>
+        <p:spPr>
+          <a:xfrm>
+            <a:off x="838200" y="1825625"/>
+            <a:ext cx="9867254" cy="4351338"/>
+          </a:xfrm>
+        </p:spPr>
+        <p:txBody>
+          <a:bodyPr>
+            <a:normAutofit/>
+          </a:bodyPr>
+          <a:lstStyle/>
+          <a:p>
+            <a:pPr marL="0" indent="0">
+              <a:buNone/>
+            </a:pPr>
+            <a:r>
+              <a:rPr lang="it-IT" dirty="0"/>
+              <a:t>C2: </a:t>
+            </a:r>
+          </a:p>
+          <a:p>
+            <a:pPr marL="0" indent="0">
+              <a:buNone/>
+            </a:pPr>
+            <a:r>
+              <a:rPr lang="it-IT" dirty="0"/>
+              <a:t>- </a:t>
+            </a:r>
+            <a:r>
+              <a:rPr lang="it-IT" dirty="0" err="1"/>
+              <a:t>Avg</a:t>
+            </a:r>
+            <a:r>
+              <a:rPr lang="it-IT" dirty="0"/>
+              <a:t> throughput : 12,160111696731136 msg/</a:t>
+            </a:r>
+            <a:r>
+              <a:rPr lang="it-IT" dirty="0" err="1"/>
+              <a:t>ms</a:t>
+            </a:r>
+            <a:r>
+              <a:rPr lang="it-IT" dirty="0"/>
+              <a:t> </a:t>
+            </a:r>
+          </a:p>
+          <a:p>
+            <a:pPr marL="0" indent="0">
+              <a:buNone/>
+            </a:pPr>
+            <a:r>
+              <a:rPr lang="it-IT" dirty="0"/>
+              <a:t>- </a:t>
+            </a:r>
+            <a:r>
+              <a:rPr lang="it-IT" dirty="0" err="1"/>
+              <a:t>Avg</a:t>
+            </a:r>
+            <a:r>
+              <a:rPr lang="it-IT" dirty="0"/>
+              <a:t> jitter : 40,094475741355986 </a:t>
+            </a:r>
+            <a:r>
+              <a:rPr lang="it-IT" dirty="0" err="1"/>
+              <a:t>ms</a:t>
+            </a:r>
+            <a:r>
+              <a:rPr lang="it-IT" dirty="0"/>
+              <a:t> </a:t>
+            </a:r>
+          </a:p>
+          <a:p>
+            <a:pPr marL="0" indent="0">
+              <a:buNone/>
+            </a:pPr>
+            <a:r>
+              <a:rPr lang="it-IT" dirty="0"/>
+              <a:t>- Throughput </a:t>
+            </a:r>
+            <a:r>
+              <a:rPr lang="it-IT" dirty="0" err="1"/>
+              <a:t>variation</a:t>
+            </a:r>
+            <a:r>
+              <a:rPr lang="it-IT" dirty="0"/>
+              <a:t>: 1,5290102174424316 msg/</a:t>
+            </a:r>
+            <a:r>
+              <a:rPr lang="it-IT" dirty="0" err="1"/>
+              <a:t>ms</a:t>
+            </a:r>
+            <a:r>
+              <a:rPr lang="it-IT" dirty="0"/>
+              <a:t> </a:t>
+            </a:r>
+          </a:p>
+          <a:p>
+            <a:pPr marL="0" indent="0">
+              <a:buNone/>
+            </a:pPr>
+            <a:r>
+              <a:rPr lang="it-IT" dirty="0"/>
+              <a:t>- Max throughput : 13,324072481168873 msg/</a:t>
+            </a:r>
+            <a:r>
+              <a:rPr lang="it-IT" dirty="0" err="1"/>
+              <a:t>ms</a:t>
+            </a:r>
+            <a:r>
+              <a:rPr lang="it-IT" dirty="0"/>
+              <a:t> </a:t>
+            </a:r>
+          </a:p>
+          <a:p>
+            <a:pPr marL="0" indent="0">
+              <a:buNone/>
+            </a:pPr>
+            <a:r>
+              <a:rPr lang="it-IT" dirty="0"/>
+              <a:t>- Min jitter was 30,850738354071538 </a:t>
+            </a:r>
+            <a:r>
+              <a:rPr lang="it-IT" dirty="0" err="1"/>
+              <a:t>ms</a:t>
+            </a:r>
+            <a:r>
+              <a:rPr lang="it-IT" dirty="0"/>
+              <a:t> </a:t>
+            </a:r>
+          </a:p>
+          <a:p>
+            <a:pPr marL="0" indent="0">
+              <a:buNone/>
+            </a:pPr>
+            <a:r>
+              <a:rPr lang="it-IT" dirty="0"/>
+              <a:t>- Min throughput was 9,999934600427714 msg/</a:t>
+            </a:r>
+            <a:r>
+              <a:rPr lang="it-IT" dirty="0" err="1"/>
+              <a:t>ms</a:t>
+            </a:r>
+            <a:r>
+              <a:rPr lang="it-IT" dirty="0"/>
+              <a:t> </a:t>
+            </a:r>
+          </a:p>
+          <a:p>
+            <a:pPr marL="0" indent="0">
+              <a:buNone/>
+            </a:pPr>
+            <a:r>
+              <a:rPr lang="it-IT" dirty="0"/>
+              <a:t>- Max jitter was 49,41195083438561 </a:t>
+            </a:r>
+            <a:r>
+              <a:rPr lang="it-IT" dirty="0" err="1"/>
+              <a:t>ms</a:t>
+            </a:r>
+            <a:r>
+              <a:rPr lang="it-IT" dirty="0"/>
+              <a:t> </a:t>
+            </a:r>
+          </a:p>
+        </p:txBody>
+      </p:sp>
+      <p:sp>
+        <p:nvSpPr>
+          <p:cNvPr id="2" name="Segnaposto contenuto 4">
+            <a:extLst>
+              <a:ext uri="{FF2B5EF4-FFF2-40B4-BE49-F238E27FC236}">
+                <a16:creationId xmlns:a16="http://schemas.microsoft.com/office/drawing/2014/main" id="{1FD7B316-621A-1A1D-C06A-90B02593CDDE}"/>
+              </a:ext>
+            </a:extLst>
+          </p:cNvPr>
+          <p:cNvSpPr txBox="1">
+            <a:spLocks/>
+          </p:cNvSpPr>
+          <p:nvPr/>
+        </p:nvSpPr>
+        <p:spPr>
+          <a:xfrm>
+            <a:off x="6096000" y="1825625"/>
+            <a:ext cx="3405326" cy="4351338"/>
+          </a:xfrm>
+          <a:prstGeom prst="rect">
+            <a:avLst/>
+          </a:prstGeom>
+        </p:spPr>
+        <p:txBody>
+          <a:bodyPr vert="horz" lIns="91440" tIns="45720" rIns="91440" bIns="45720" rtlCol="0">
+            <a:normAutofit/>
+          </a:bodyPr>
+          <a:lstStyle>
+            <a:lvl1pPr marL="228600" indent="-228600" algn="l" defTabSz="914400" rtl="0" eaLnBrk="1" latinLnBrk="0" hangingPunct="1">
+              <a:lnSpc>
+                <a:spcPct val="90000"/>
+              </a:lnSpc>
+              <a:spcBef>
+                <a:spcPts val="1000"/>
+              </a:spcBef>
+              <a:buFont typeface="Arial" panose="020B0604020202020204" pitchFamily="34" charset="0"/>
+              <a:buChar char="•"/>
+              <a:defRPr sz="2800" kern="1200">
+                <a:solidFill>
+                  <a:schemeClr val="tx1"/>
+                </a:solidFill>
+                <a:latin typeface="+mn-lt"/>
+                <a:ea typeface="+mn-ea"/>
+                <a:cs typeface="+mn-cs"/>
+              </a:defRPr>
+            </a:lvl1pPr>
+            <a:lvl2pPr marL="685800" indent="-228600" algn="l" defTabSz="914400" rtl="0" eaLnBrk="1" latinLnBrk="0" hangingPunct="1">
+              <a:lnSpc>
+                <a:spcPct val="90000"/>
+              </a:lnSpc>
+              <a:spcBef>
+                <a:spcPts val="500"/>
+              </a:spcBef>
+              <a:buFont typeface="Arial" panose="020B0604020202020204" pitchFamily="34" charset="0"/>
+              <a:buChar char="•"/>
+              <a:defRPr sz="2400" kern="1200">
+                <a:solidFill>
+                  <a:schemeClr val="tx1"/>
+                </a:solidFill>
+                <a:latin typeface="+mn-lt"/>
+                <a:ea typeface="+mn-ea"/>
+                <a:cs typeface="+mn-cs"/>
+              </a:defRPr>
+            </a:lvl2pPr>
+            <a:lvl3pPr marL="1143000" indent="-228600" algn="l" defTabSz="914400" rtl="0" eaLnBrk="1" latinLnBrk="0" hangingPunct="1">
+              <a:lnSpc>
+                <a:spcPct val="90000"/>
+              </a:lnSpc>
+              <a:spcBef>
+                <a:spcPts val="500"/>
+              </a:spcBef>
+              <a:buFont typeface="Arial" panose="020B0604020202020204" pitchFamily="34" charset="0"/>
+              <a:buChar char="•"/>
+              <a:defRPr sz="2000" kern="1200">
+                <a:solidFill>
+                  <a:schemeClr val="tx1"/>
+                </a:solidFill>
+                <a:latin typeface="+mn-lt"/>
+                <a:ea typeface="+mn-ea"/>
+                <a:cs typeface="+mn-cs"/>
+              </a:defRPr>
+            </a:lvl3pPr>
+            <a:lvl4pPr marL="1600200" indent="-228600" algn="l" defTabSz="914400" rtl="0" eaLnBrk="1" latinLnBrk="0" hangingPunct="1">
+              <a:lnSpc>
+                <a:spcPct val="90000"/>
+              </a:lnSpc>
+              <a:spcBef>
+                <a:spcPts val="500"/>
+              </a:spcBef>
+              <a:buFont typeface="Arial" panose="020B0604020202020204" pitchFamily="34" charset="0"/>
+              <a:buChar char="•"/>
+              <a:defRPr sz="1800" kern="1200">
+                <a:solidFill>
+                  <a:schemeClr val="tx1"/>
+                </a:solidFill>
+                <a:latin typeface="+mn-lt"/>
+                <a:ea typeface="+mn-ea"/>
+                <a:cs typeface="+mn-cs"/>
+              </a:defRPr>
+            </a:lvl4pPr>
+            <a:lvl5pPr marL="2057400" indent="-228600" algn="l" defTabSz="914400" rtl="0" eaLnBrk="1" latinLnBrk="0" hangingPunct="1">
+              <a:lnSpc>
+                <a:spcPct val="90000"/>
+              </a:lnSpc>
+              <a:spcBef>
+                <a:spcPts val="500"/>
+              </a:spcBef>
+              <a:buFont typeface="Arial" panose="020B0604020202020204" pitchFamily="34" charset="0"/>
+              <a:buChar char="•"/>
+              <a:defRPr sz="1800" kern="1200">
+                <a:solidFill>
+                  <a:schemeClr val="tx1"/>
+                </a:solidFill>
+                <a:latin typeface="+mn-lt"/>
+                <a:ea typeface="+mn-ea"/>
+                <a:cs typeface="+mn-cs"/>
+              </a:defRPr>
+            </a:lvl5pPr>
+            <a:lvl6pPr marL="2514600" indent="-228600" algn="l" defTabSz="914400" rtl="0" eaLnBrk="1" latinLnBrk="0" hangingPunct="1">
+              <a:lnSpc>
+                <a:spcPct val="90000"/>
+              </a:lnSpc>
+              <a:spcBef>
+                <a:spcPts val="500"/>
+              </a:spcBef>
+              <a:buFont typeface="Arial" panose="020B0604020202020204" pitchFamily="34" charset="0"/>
+              <a:buChar char="•"/>
+              <a:defRPr sz="1800" kern="1200">
+                <a:solidFill>
+                  <a:schemeClr val="tx1"/>
+                </a:solidFill>
+                <a:latin typeface="+mn-lt"/>
+                <a:ea typeface="+mn-ea"/>
+                <a:cs typeface="+mn-cs"/>
+              </a:defRPr>
+            </a:lvl6pPr>
+            <a:lvl7pPr marL="2971800" indent="-228600" algn="l" defTabSz="914400" rtl="0" eaLnBrk="1" latinLnBrk="0" hangingPunct="1">
+              <a:lnSpc>
+                <a:spcPct val="90000"/>
+              </a:lnSpc>
+              <a:spcBef>
+                <a:spcPts val="500"/>
+              </a:spcBef>
+              <a:buFont typeface="Arial" panose="020B0604020202020204" pitchFamily="34" charset="0"/>
+              <a:buChar char="•"/>
+              <a:defRPr sz="1800" kern="1200">
+                <a:solidFill>
+                  <a:schemeClr val="tx1"/>
+                </a:solidFill>
+                <a:latin typeface="+mn-lt"/>
+                <a:ea typeface="+mn-ea"/>
+                <a:cs typeface="+mn-cs"/>
+              </a:defRPr>
+            </a:lvl7pPr>
+            <a:lvl8pPr marL="3429000" indent="-228600" algn="l" defTabSz="914400" rtl="0" eaLnBrk="1" latinLnBrk="0" hangingPunct="1">
+              <a:lnSpc>
+                <a:spcPct val="90000"/>
+              </a:lnSpc>
+              <a:spcBef>
+                <a:spcPts val="500"/>
+              </a:spcBef>
+              <a:buFont typeface="Arial" panose="020B0604020202020204" pitchFamily="34" charset="0"/>
+              <a:buChar char="•"/>
+              <a:defRPr sz="1800" kern="1200">
+                <a:solidFill>
+                  <a:schemeClr val="tx1"/>
+                </a:solidFill>
+                <a:latin typeface="+mn-lt"/>
+                <a:ea typeface="+mn-ea"/>
+                <a:cs typeface="+mn-cs"/>
+              </a:defRPr>
+            </a:lvl8pPr>
+            <a:lvl9pPr marL="3886200" indent="-228600" algn="l" defTabSz="914400" rtl="0" eaLnBrk="1" latinLnBrk="0" hangingPunct="1">
+              <a:lnSpc>
+                <a:spcPct val="90000"/>
+              </a:lnSpc>
+              <a:spcBef>
+                <a:spcPts val="500"/>
+              </a:spcBef>
+              <a:buFont typeface="Arial" panose="020B0604020202020204" pitchFamily="34" charset="0"/>
+              <a:buChar char="•"/>
+              <a:defRPr sz="1800" kern="1200">
+                <a:solidFill>
+                  <a:schemeClr val="tx1"/>
+                </a:solidFill>
+                <a:latin typeface="+mn-lt"/>
+                <a:ea typeface="+mn-ea"/>
+                <a:cs typeface="+mn-cs"/>
+              </a:defRPr>
+            </a:lvl9pPr>
+          </a:lstStyle>
+          <a:p>
+            <a:pPr marL="0" indent="0">
+              <a:buFont typeface="Arial" panose="020B0604020202020204" pitchFamily="34" charset="0"/>
+              <a:buNone/>
+            </a:pPr>
+            <a:endParaRPr lang="it-IT" dirty="0"/>
+          </a:p>
+        </p:txBody>
+      </p:sp>
+    </p:spTree>
+    <p:extLst>
+      <p:ext uri="{BB962C8B-B14F-4D97-AF65-F5344CB8AC3E}">
+        <p14:creationId xmlns:p14="http://schemas.microsoft.com/office/powerpoint/2010/main" val="1590056470"/>
       </p:ext>
     </p:extLst>
   </p:cSld>
@@ -3976,6 +8858,324 @@
     <p:extLst>
       <p:ext uri="{BB962C8B-B14F-4D97-AF65-F5344CB8AC3E}">
         <p14:creationId xmlns:p14="http://schemas.microsoft.com/office/powerpoint/2010/main" val="1260846031"/>
+      </p:ext>
+    </p:extLst>
+  </p:cSld>
+  <p:clrMapOvr>
+    <a:masterClrMapping/>
+  </p:clrMapOvr>
+</p:sld>
+</file>
+
+<file path=ppt/slides/slide20.xml><?xml version="1.0" encoding="utf-8"?>
+<p:sld xmlns:a="http://schemas.openxmlformats.org/drawingml/2006/main" xmlns:r="http://schemas.openxmlformats.org/officeDocument/2006/relationships" xmlns:p="http://schemas.openxmlformats.org/presentationml/2006/main">
+  <p:cSld>
+    <p:spTree>
+      <p:nvGrpSpPr>
+        <p:cNvPr id="1" name="">
+          <a:extLst>
+            <a:ext uri="{FF2B5EF4-FFF2-40B4-BE49-F238E27FC236}">
+              <a16:creationId xmlns:a16="http://schemas.microsoft.com/office/drawing/2014/main" id="{75F48435-33F5-23AD-026F-6675645183F0}"/>
+            </a:ext>
+          </a:extLst>
+        </p:cNvPr>
+        <p:cNvGrpSpPr/>
+        <p:nvPr/>
+      </p:nvGrpSpPr>
+      <p:grpSpPr>
+        <a:xfrm>
+          <a:off x="0" y="0"/>
+          <a:ext cx="0" cy="0"/>
+          <a:chOff x="0" y="0"/>
+          <a:chExt cx="0" cy="0"/>
+        </a:xfrm>
+      </p:grpSpPr>
+      <p:sp>
+        <p:nvSpPr>
+          <p:cNvPr id="4" name="Titolo 3">
+            <a:extLst>
+              <a:ext uri="{FF2B5EF4-FFF2-40B4-BE49-F238E27FC236}">
+                <a16:creationId xmlns:a16="http://schemas.microsoft.com/office/drawing/2014/main" id="{00B0E54A-D2F8-3069-9750-F40E794A6BA8}"/>
+              </a:ext>
+            </a:extLst>
+          </p:cNvPr>
+          <p:cNvSpPr>
+            <a:spLocks noGrp="1"/>
+          </p:cNvSpPr>
+          <p:nvPr>
+            <p:ph type="title"/>
+          </p:nvPr>
+        </p:nvSpPr>
+        <p:spPr/>
+        <p:txBody>
+          <a:bodyPr/>
+          <a:lstStyle/>
+          <a:p>
+            <a:r>
+              <a:rPr lang="it-IT" dirty="0"/>
+              <a:t>Considerazione sul </a:t>
+            </a:r>
+            <a:r>
+              <a:rPr lang="it-IT" dirty="0" err="1"/>
+              <a:t>fanout</a:t>
+            </a:r>
+            <a:endParaRPr lang="it-IT" dirty="0"/>
+          </a:p>
+        </p:txBody>
+      </p:sp>
+      <p:sp>
+        <p:nvSpPr>
+          <p:cNvPr id="5" name="Segnaposto contenuto 4">
+            <a:extLst>
+              <a:ext uri="{FF2B5EF4-FFF2-40B4-BE49-F238E27FC236}">
+                <a16:creationId xmlns:a16="http://schemas.microsoft.com/office/drawing/2014/main" id="{00E4B50C-6176-8BFD-1989-D566671F6FA9}"/>
+              </a:ext>
+            </a:extLst>
+          </p:cNvPr>
+          <p:cNvSpPr>
+            <a:spLocks noGrp="1"/>
+          </p:cNvSpPr>
+          <p:nvPr>
+            <p:ph idx="1"/>
+          </p:nvPr>
+        </p:nvSpPr>
+        <p:spPr/>
+        <p:txBody>
+          <a:bodyPr/>
+          <a:lstStyle/>
+          <a:p>
+            <a:r>
+              <a:rPr lang="it-IT" dirty="0"/>
+              <a:t>Ideale nel caso di trasmissioni broadcast a </a:t>
+            </a:r>
+            <a:r>
+              <a:rPr lang="it-IT" dirty="0" err="1"/>
+              <a:t>subscribers</a:t>
+            </a:r>
+            <a:endParaRPr lang="it-IT" dirty="0"/>
+          </a:p>
+          <a:p>
+            <a:r>
+              <a:rPr lang="it-IT" dirty="0"/>
+              <a:t>Bisogna tenere conto che i </a:t>
+            </a:r>
+            <a:r>
+              <a:rPr lang="it-IT" dirty="0" err="1"/>
+              <a:t>thread</a:t>
+            </a:r>
+            <a:r>
+              <a:rPr lang="it-IT" dirty="0"/>
+              <a:t> richiesti sono N code * 2…</a:t>
+            </a:r>
+          </a:p>
+        </p:txBody>
+      </p:sp>
+      <p:pic>
+        <p:nvPicPr>
+          <p:cNvPr id="1026" name="Picture 2" descr="RabbitMQ - meshIQ">
+            <a:extLst>
+              <a:ext uri="{FF2B5EF4-FFF2-40B4-BE49-F238E27FC236}">
+                <a16:creationId xmlns:a16="http://schemas.microsoft.com/office/drawing/2014/main" id="{BAF3CC57-8457-922B-304F-FF61048413B0}"/>
+              </a:ext>
+            </a:extLst>
+          </p:cNvPr>
+          <p:cNvPicPr>
+            <a:picLocks noChangeAspect="1" noChangeArrowheads="1"/>
+          </p:cNvPicPr>
+          <p:nvPr/>
+        </p:nvPicPr>
+        <p:blipFill>
+          <a:blip r:embed="rId2">
+            <a:extLst>
+              <a:ext uri="{28A0092B-C50C-407E-A947-70E740481C1C}">
+                <a14:useLocalDpi xmlns:a14="http://schemas.microsoft.com/office/drawing/2010/main" val="0"/>
+              </a:ext>
+            </a:extLst>
+          </a:blip>
+          <a:srcRect/>
+          <a:stretch>
+            <a:fillRect/>
+          </a:stretch>
+        </p:blipFill>
+        <p:spPr bwMode="auto">
+          <a:xfrm>
+            <a:off x="8668031" y="4959868"/>
+            <a:ext cx="3154163" cy="1775794"/>
+          </a:xfrm>
+          <a:prstGeom prst="rect">
+            <a:avLst/>
+          </a:prstGeom>
+          <a:noFill/>
+          <a:extLst>
+            <a:ext uri="{909E8E84-426E-40DD-AFC4-6F175D3DCCD1}">
+              <a14:hiddenFill xmlns:a14="http://schemas.microsoft.com/office/drawing/2010/main">
+                <a:solidFill>
+                  <a:srgbClr val="FFFFFF"/>
+                </a:solidFill>
+              </a14:hiddenFill>
+            </a:ext>
+          </a:extLst>
+        </p:spPr>
+      </p:pic>
+    </p:spTree>
+    <p:extLst>
+      <p:ext uri="{BB962C8B-B14F-4D97-AF65-F5344CB8AC3E}">
+        <p14:creationId xmlns:p14="http://schemas.microsoft.com/office/powerpoint/2010/main" val="308005279"/>
+      </p:ext>
+    </p:extLst>
+  </p:cSld>
+  <p:clrMapOvr>
+    <a:masterClrMapping/>
+  </p:clrMapOvr>
+</p:sld>
+</file>
+
+<file path=ppt/slides/slide21.xml><?xml version="1.0" encoding="utf-8"?>
+<p:sld xmlns:a="http://schemas.openxmlformats.org/drawingml/2006/main" xmlns:r="http://schemas.openxmlformats.org/officeDocument/2006/relationships" xmlns:p="http://schemas.openxmlformats.org/presentationml/2006/main">
+  <p:cSld>
+    <p:spTree>
+      <p:nvGrpSpPr>
+        <p:cNvPr id="1" name="">
+          <a:extLst>
+            <a:ext uri="{FF2B5EF4-FFF2-40B4-BE49-F238E27FC236}">
+              <a16:creationId xmlns:a16="http://schemas.microsoft.com/office/drawing/2014/main" id="{45A9A8C4-BF23-3F38-46D8-08AF5750C9EC}"/>
+            </a:ext>
+          </a:extLst>
+        </p:cNvPr>
+        <p:cNvGrpSpPr/>
+        <p:nvPr/>
+      </p:nvGrpSpPr>
+      <p:grpSpPr>
+        <a:xfrm>
+          <a:off x="0" y="0"/>
+          <a:ext cx="0" cy="0"/>
+          <a:chOff x="0" y="0"/>
+          <a:chExt cx="0" cy="0"/>
+        </a:xfrm>
+      </p:grpSpPr>
+      <p:sp>
+        <p:nvSpPr>
+          <p:cNvPr id="4" name="Titolo 3">
+            <a:extLst>
+              <a:ext uri="{FF2B5EF4-FFF2-40B4-BE49-F238E27FC236}">
+                <a16:creationId xmlns:a16="http://schemas.microsoft.com/office/drawing/2014/main" id="{9CC9AB10-3622-8B59-AAEE-0E9DFAF12D2C}"/>
+              </a:ext>
+            </a:extLst>
+          </p:cNvPr>
+          <p:cNvSpPr>
+            <a:spLocks noGrp="1"/>
+          </p:cNvSpPr>
+          <p:nvPr>
+            <p:ph type="title"/>
+          </p:nvPr>
+        </p:nvSpPr>
+        <p:spPr/>
+        <p:txBody>
+          <a:bodyPr/>
+          <a:lstStyle/>
+          <a:p>
+            <a:r>
+              <a:rPr lang="it-IT" dirty="0" err="1"/>
+              <a:t>References</a:t>
+            </a:r>
+            <a:endParaRPr lang="it-IT" dirty="0"/>
+          </a:p>
+        </p:txBody>
+      </p:sp>
+      <p:sp>
+        <p:nvSpPr>
+          <p:cNvPr id="5" name="Segnaposto contenuto 4">
+            <a:extLst>
+              <a:ext uri="{FF2B5EF4-FFF2-40B4-BE49-F238E27FC236}">
+                <a16:creationId xmlns:a16="http://schemas.microsoft.com/office/drawing/2014/main" id="{17E7D849-3336-D5B9-98C3-02AF5F22F8C6}"/>
+              </a:ext>
+            </a:extLst>
+          </p:cNvPr>
+          <p:cNvSpPr>
+            <a:spLocks noGrp="1"/>
+          </p:cNvSpPr>
+          <p:nvPr>
+            <p:ph idx="1"/>
+          </p:nvPr>
+        </p:nvSpPr>
+        <p:spPr/>
+        <p:txBody>
+          <a:bodyPr/>
+          <a:lstStyle/>
+          <a:p>
+            <a:r>
+              <a:rPr lang="it-IT" dirty="0">
+                <a:hlinkClick r:id="rId2"/>
+              </a:rPr>
+              <a:t>https://www.rabbitmq.com/tutorials/amqp-concepts.html</a:t>
+            </a:r>
+            <a:endParaRPr lang="it-IT" dirty="0"/>
+          </a:p>
+          <a:p>
+            <a:r>
+              <a:rPr lang="it-IT" dirty="0">
+                <a:hlinkClick r:id="rId3"/>
+              </a:rPr>
+              <a:t>https://github.com/bianchiart/rtes-rabbitmq-project</a:t>
+            </a:r>
+            <a:r>
+              <a:rPr lang="it-IT" dirty="0"/>
+              <a:t> </a:t>
+            </a:r>
+          </a:p>
+        </p:txBody>
+      </p:sp>
+      <p:pic>
+        <p:nvPicPr>
+          <p:cNvPr id="1026" name="Picture 2" descr="RabbitMQ - meshIQ">
+            <a:extLst>
+              <a:ext uri="{FF2B5EF4-FFF2-40B4-BE49-F238E27FC236}">
+                <a16:creationId xmlns:a16="http://schemas.microsoft.com/office/drawing/2014/main" id="{3276CBFC-89C1-0EF1-E464-CAE8D9BFE482}"/>
+              </a:ext>
+            </a:extLst>
+          </p:cNvPr>
+          <p:cNvPicPr>
+            <a:picLocks noChangeAspect="1" noChangeArrowheads="1"/>
+          </p:cNvPicPr>
+          <p:nvPr/>
+        </p:nvPicPr>
+        <p:blipFill>
+          <a:blip r:embed="rId4">
+            <a:extLst>
+              <a:ext uri="{28A0092B-C50C-407E-A947-70E740481C1C}">
+                <a14:useLocalDpi xmlns:a14="http://schemas.microsoft.com/office/drawing/2010/main" val="0"/>
+              </a:ext>
+            </a:extLst>
+          </a:blip>
+          <a:srcRect/>
+          <a:stretch>
+            <a:fillRect/>
+          </a:stretch>
+        </p:blipFill>
+        <p:spPr bwMode="auto">
+          <a:xfrm>
+            <a:off x="8668031" y="4959868"/>
+            <a:ext cx="3154163" cy="1775794"/>
+          </a:xfrm>
+          <a:prstGeom prst="rect">
+            <a:avLst/>
+          </a:prstGeom>
+          <a:noFill/>
+          <a:extLst>
+            <a:ext uri="{909E8E84-426E-40DD-AFC4-6F175D3DCCD1}">
+              <a14:hiddenFill xmlns:a14="http://schemas.microsoft.com/office/drawing/2010/main">
+                <a:solidFill>
+                  <a:srgbClr val="FFFFFF"/>
+                </a:solidFill>
+              </a14:hiddenFill>
+            </a:ext>
+          </a:extLst>
+        </p:spPr>
+      </p:pic>
+    </p:spTree>
+    <p:extLst>
+      <p:ext uri="{BB962C8B-B14F-4D97-AF65-F5344CB8AC3E}">
+        <p14:creationId xmlns:p14="http://schemas.microsoft.com/office/powerpoint/2010/main" val="3279036293"/>
       </p:ext>
     </p:extLst>
   </p:cSld>
@@ -5056,7 +10256,7 @@
         <p:cNvPr id="1" name="">
           <a:extLst>
             <a:ext uri="{FF2B5EF4-FFF2-40B4-BE49-F238E27FC236}">
-              <a16:creationId xmlns:a16="http://schemas.microsoft.com/office/drawing/2014/main" id="{5067E6DC-1E8E-9C59-5102-489464E1434B}"/>
+              <a16:creationId xmlns:a16="http://schemas.microsoft.com/office/drawing/2014/main" id="{3BCEC182-E9C6-1029-E584-5E4CF5FD4A36}"/>
             </a:ext>
           </a:extLst>
         </p:cNvPr>
@@ -5076,7 +10276,7 @@
           <p:cNvPr id="4" name="Titolo 3">
             <a:extLst>
               <a:ext uri="{FF2B5EF4-FFF2-40B4-BE49-F238E27FC236}">
-                <a16:creationId xmlns:a16="http://schemas.microsoft.com/office/drawing/2014/main" id="{B9EBBCD2-754F-B626-D503-9EE2544562F8}"/>
+                <a16:creationId xmlns:a16="http://schemas.microsoft.com/office/drawing/2014/main" id="{0A04211A-B646-4328-7A96-561AE6C63FC9}"/>
               </a:ext>
             </a:extLst>
           </p:cNvPr>
@@ -5093,8 +10293,12 @@
           <a:lstStyle/>
           <a:p>
             <a:r>
-              <a:rPr lang="it-IT" dirty="0"/>
-              <a:t>Quale è la scelta migliore?</a:t>
+              <a:rPr lang="it-IT" dirty="0" err="1"/>
+              <a:t>Benchmarks</a:t>
+            </a:r>
+            <a:r>
+              <a:rPr lang="it-IT" dirty="0"/>
+              <a:t>: configurazione ambienti</a:t>
             </a:r>
           </a:p>
         </p:txBody>
@@ -5104,7 +10308,7 @@
           <p:cNvPr id="5" name="Segnaposto contenuto 4">
             <a:extLst>
               <a:ext uri="{FF2B5EF4-FFF2-40B4-BE49-F238E27FC236}">
-                <a16:creationId xmlns:a16="http://schemas.microsoft.com/office/drawing/2014/main" id="{3223EDB5-0737-4E1C-BDB7-19287EAE14BE}"/>
+                <a16:creationId xmlns:a16="http://schemas.microsoft.com/office/drawing/2014/main" id="{56307CBE-65BA-AE0E-7F38-4EB826EB8770}"/>
               </a:ext>
             </a:extLst>
           </p:cNvPr>
@@ -5115,103 +10319,848 @@
             <p:ph idx="1"/>
           </p:nvPr>
         </p:nvSpPr>
-        <p:spPr/>
+        <p:spPr>
+          <a:xfrm>
+            <a:off x="838201" y="1825625"/>
+            <a:ext cx="3556246" cy="4351338"/>
+          </a:xfrm>
+        </p:spPr>
         <p:txBody>
           <a:bodyPr/>
           <a:lstStyle/>
           <a:p>
-            <a:r>
-              <a:rPr lang="it-IT" dirty="0"/>
-              <a:t>Dipende dalle capacità del server su cui gira </a:t>
+            <a:pPr marL="0" indent="0">
+              <a:buNone/>
+            </a:pPr>
+            <a:r>
+              <a:rPr lang="it-IT" dirty="0"/>
+              <a:t>Linux:</a:t>
+            </a:r>
+          </a:p>
+          <a:p>
+            <a:pPr marL="0" indent="0">
+              <a:buNone/>
+            </a:pPr>
+            <a:r>
+              <a:rPr lang="it-IT" dirty="0"/>
+              <a:t>- OS: Ubuntu 22.06 LTS</a:t>
+            </a:r>
+          </a:p>
+          <a:p>
+            <a:pPr marL="0" indent="0">
+              <a:buNone/>
+            </a:pPr>
+            <a:r>
+              <a:rPr lang="it-IT" dirty="0"/>
+              <a:t>- Girato in macchina virtuale con Oracle VM </a:t>
             </a:r>
             <a:r>
               <a:rPr lang="it-IT" dirty="0" err="1"/>
-              <a:t>Rabbit</a:t>
-            </a:r>
-            <a:r>
-              <a:rPr lang="it-IT" dirty="0"/>
-              <a:t>.</a:t>
-            </a:r>
-          </a:p>
-          <a:p>
+              <a:t>VirtualBox</a:t>
+            </a:r>
+            <a:r>
+              <a:rPr lang="it-IT" dirty="0"/>
+              <a:t> 6 (6 core, 4GB RAM, 30 GB disco)</a:t>
+            </a:r>
+          </a:p>
+          <a:p>
+            <a:pPr marL="0" indent="0">
+              <a:buFont typeface="Arial" panose="020B0604020202020204" pitchFamily="34" charset="0"/>
+              <a:buNone/>
+            </a:pPr>
+            <a:r>
+              <a:rPr lang="it-IT" dirty="0"/>
+              <a:t>Windows:</a:t>
+            </a:r>
+          </a:p>
+          <a:p>
+            <a:pPr marL="0" indent="0">
+              <a:buFont typeface="Arial" panose="020B0604020202020204" pitchFamily="34" charset="0"/>
+              <a:buNone/>
+            </a:pPr>
+            <a:r>
+              <a:rPr lang="it-IT" dirty="0"/>
+              <a:t>- OS: Windows 10</a:t>
+            </a:r>
+          </a:p>
+          <a:p>
+            <a:pPr marL="0" indent="0">
+              <a:buNone/>
+            </a:pPr>
             <a:endParaRPr lang="it-IT" dirty="0"/>
           </a:p>
           <a:p>
-            <a:r>
-              <a:rPr lang="it-IT" dirty="0"/>
-              <a:t>Throughput simili a parità di </a:t>
-            </a:r>
-            <a:r>
-              <a:rPr lang="it-IT" dirty="0" err="1"/>
-              <a:t>prefetchValue</a:t>
-            </a:r>
-            <a:r>
-              <a:rPr lang="it-IT" dirty="0"/>
-              <a:t> V Numero consumer</a:t>
-            </a:r>
-          </a:p>
-          <a:p>
+            <a:pPr marL="0" indent="0">
+              <a:buNone/>
+            </a:pPr>
             <a:endParaRPr lang="it-IT" dirty="0"/>
-          </a:p>
-          <a:p>
-            <a:r>
-              <a:rPr lang="it-IT" dirty="0"/>
-              <a:t>Jitter molto migliore nel caso di consumer multipli, se si ha abbastanza core…</a:t>
-            </a:r>
           </a:p>
         </p:txBody>
       </p:sp>
-      <p:pic>
-        <p:nvPicPr>
-          <p:cNvPr id="1026" name="Picture 2" descr="RabbitMQ - meshIQ">
-            <a:extLst>
-              <a:ext uri="{FF2B5EF4-FFF2-40B4-BE49-F238E27FC236}">
-                <a16:creationId xmlns:a16="http://schemas.microsoft.com/office/drawing/2014/main" id="{FB195FF8-B270-6789-F283-6B5099A1B331}"/>
-              </a:ext>
-            </a:extLst>
-          </p:cNvPr>
-          <p:cNvPicPr>
-            <a:picLocks noChangeAspect="1" noChangeArrowheads="1"/>
-          </p:cNvPicPr>
+      <p:sp>
+        <p:nvSpPr>
+          <p:cNvPr id="2" name="Segnaposto contenuto 4">
+            <a:extLst>
+              <a:ext uri="{FF2B5EF4-FFF2-40B4-BE49-F238E27FC236}">
+                <a16:creationId xmlns:a16="http://schemas.microsoft.com/office/drawing/2014/main" id="{E6A1907B-7051-7A7F-0815-FCE1E8C7334A}"/>
+              </a:ext>
+            </a:extLst>
+          </p:cNvPr>
+          <p:cNvSpPr txBox="1">
+            <a:spLocks/>
+          </p:cNvSpPr>
           <p:nvPr/>
-        </p:nvPicPr>
-        <p:blipFill>
-          <a:blip r:embed="rId2">
-            <a:extLst>
-              <a:ext uri="{28A0092B-C50C-407E-A947-70E740481C1C}">
-                <a14:useLocalDpi xmlns:a14="http://schemas.microsoft.com/office/drawing/2010/main" val="0"/>
-              </a:ext>
-            </a:extLst>
-          </a:blip>
-          <a:srcRect/>
-          <a:stretch>
-            <a:fillRect/>
-          </a:stretch>
-        </p:blipFill>
-        <p:spPr bwMode="auto">
+        </p:nvSpPr>
+        <p:spPr>
           <a:xfrm>
-            <a:off x="8668031" y="4959868"/>
-            <a:ext cx="3154163" cy="1775794"/>
+            <a:off x="6006484" y="1825625"/>
+            <a:ext cx="4053396" cy="4351338"/>
           </a:xfrm>
           <a:prstGeom prst="rect">
             <a:avLst/>
           </a:prstGeom>
-          <a:noFill/>
-          <a:extLst>
-            <a:ext uri="{909E8E84-426E-40DD-AFC4-6F175D3DCCD1}">
-              <a14:hiddenFill xmlns:a14="http://schemas.microsoft.com/office/drawing/2010/main">
-                <a:solidFill>
-                  <a:srgbClr val="FFFFFF"/>
-                </a:solidFill>
-              </a14:hiddenFill>
-            </a:ext>
-          </a:extLst>
         </p:spPr>
-      </p:pic>
+        <p:txBody>
+          <a:bodyPr vert="horz" lIns="91440" tIns="45720" rIns="91440" bIns="45720" rtlCol="0">
+            <a:normAutofit/>
+          </a:bodyPr>
+          <a:lstStyle>
+            <a:lvl1pPr marL="228600" indent="-228600" algn="l" defTabSz="914400" rtl="0" eaLnBrk="1" latinLnBrk="0" hangingPunct="1">
+              <a:lnSpc>
+                <a:spcPct val="90000"/>
+              </a:lnSpc>
+              <a:spcBef>
+                <a:spcPts val="1000"/>
+              </a:spcBef>
+              <a:buFont typeface="Arial" panose="020B0604020202020204" pitchFamily="34" charset="0"/>
+              <a:buChar char="•"/>
+              <a:defRPr sz="2800" kern="1200">
+                <a:solidFill>
+                  <a:schemeClr val="tx1"/>
+                </a:solidFill>
+                <a:latin typeface="+mn-lt"/>
+                <a:ea typeface="+mn-ea"/>
+                <a:cs typeface="+mn-cs"/>
+              </a:defRPr>
+            </a:lvl1pPr>
+            <a:lvl2pPr marL="685800" indent="-228600" algn="l" defTabSz="914400" rtl="0" eaLnBrk="1" latinLnBrk="0" hangingPunct="1">
+              <a:lnSpc>
+                <a:spcPct val="90000"/>
+              </a:lnSpc>
+              <a:spcBef>
+                <a:spcPts val="500"/>
+              </a:spcBef>
+              <a:buFont typeface="Arial" panose="020B0604020202020204" pitchFamily="34" charset="0"/>
+              <a:buChar char="•"/>
+              <a:defRPr sz="2400" kern="1200">
+                <a:solidFill>
+                  <a:schemeClr val="tx1"/>
+                </a:solidFill>
+                <a:latin typeface="+mn-lt"/>
+                <a:ea typeface="+mn-ea"/>
+                <a:cs typeface="+mn-cs"/>
+              </a:defRPr>
+            </a:lvl2pPr>
+            <a:lvl3pPr marL="1143000" indent="-228600" algn="l" defTabSz="914400" rtl="0" eaLnBrk="1" latinLnBrk="0" hangingPunct="1">
+              <a:lnSpc>
+                <a:spcPct val="90000"/>
+              </a:lnSpc>
+              <a:spcBef>
+                <a:spcPts val="500"/>
+              </a:spcBef>
+              <a:buFont typeface="Arial" panose="020B0604020202020204" pitchFamily="34" charset="0"/>
+              <a:buChar char="•"/>
+              <a:defRPr sz="2000" kern="1200">
+                <a:solidFill>
+                  <a:schemeClr val="tx1"/>
+                </a:solidFill>
+                <a:latin typeface="+mn-lt"/>
+                <a:ea typeface="+mn-ea"/>
+                <a:cs typeface="+mn-cs"/>
+              </a:defRPr>
+            </a:lvl3pPr>
+            <a:lvl4pPr marL="1600200" indent="-228600" algn="l" defTabSz="914400" rtl="0" eaLnBrk="1" latinLnBrk="0" hangingPunct="1">
+              <a:lnSpc>
+                <a:spcPct val="90000"/>
+              </a:lnSpc>
+              <a:spcBef>
+                <a:spcPts val="500"/>
+              </a:spcBef>
+              <a:buFont typeface="Arial" panose="020B0604020202020204" pitchFamily="34" charset="0"/>
+              <a:buChar char="•"/>
+              <a:defRPr sz="1800" kern="1200">
+                <a:solidFill>
+                  <a:schemeClr val="tx1"/>
+                </a:solidFill>
+                <a:latin typeface="+mn-lt"/>
+                <a:ea typeface="+mn-ea"/>
+                <a:cs typeface="+mn-cs"/>
+              </a:defRPr>
+            </a:lvl4pPr>
+            <a:lvl5pPr marL="2057400" indent="-228600" algn="l" defTabSz="914400" rtl="0" eaLnBrk="1" latinLnBrk="0" hangingPunct="1">
+              <a:lnSpc>
+                <a:spcPct val="90000"/>
+              </a:lnSpc>
+              <a:spcBef>
+                <a:spcPts val="500"/>
+              </a:spcBef>
+              <a:buFont typeface="Arial" panose="020B0604020202020204" pitchFamily="34" charset="0"/>
+              <a:buChar char="•"/>
+              <a:defRPr sz="1800" kern="1200">
+                <a:solidFill>
+                  <a:schemeClr val="tx1"/>
+                </a:solidFill>
+                <a:latin typeface="+mn-lt"/>
+                <a:ea typeface="+mn-ea"/>
+                <a:cs typeface="+mn-cs"/>
+              </a:defRPr>
+            </a:lvl5pPr>
+            <a:lvl6pPr marL="2514600" indent="-228600" algn="l" defTabSz="914400" rtl="0" eaLnBrk="1" latinLnBrk="0" hangingPunct="1">
+              <a:lnSpc>
+                <a:spcPct val="90000"/>
+              </a:lnSpc>
+              <a:spcBef>
+                <a:spcPts val="500"/>
+              </a:spcBef>
+              <a:buFont typeface="Arial" panose="020B0604020202020204" pitchFamily="34" charset="0"/>
+              <a:buChar char="•"/>
+              <a:defRPr sz="1800" kern="1200">
+                <a:solidFill>
+                  <a:schemeClr val="tx1"/>
+                </a:solidFill>
+                <a:latin typeface="+mn-lt"/>
+                <a:ea typeface="+mn-ea"/>
+                <a:cs typeface="+mn-cs"/>
+              </a:defRPr>
+            </a:lvl6pPr>
+            <a:lvl7pPr marL="2971800" indent="-228600" algn="l" defTabSz="914400" rtl="0" eaLnBrk="1" latinLnBrk="0" hangingPunct="1">
+              <a:lnSpc>
+                <a:spcPct val="90000"/>
+              </a:lnSpc>
+              <a:spcBef>
+                <a:spcPts val="500"/>
+              </a:spcBef>
+              <a:buFont typeface="Arial" panose="020B0604020202020204" pitchFamily="34" charset="0"/>
+              <a:buChar char="•"/>
+              <a:defRPr sz="1800" kern="1200">
+                <a:solidFill>
+                  <a:schemeClr val="tx1"/>
+                </a:solidFill>
+                <a:latin typeface="+mn-lt"/>
+                <a:ea typeface="+mn-ea"/>
+                <a:cs typeface="+mn-cs"/>
+              </a:defRPr>
+            </a:lvl7pPr>
+            <a:lvl8pPr marL="3429000" indent="-228600" algn="l" defTabSz="914400" rtl="0" eaLnBrk="1" latinLnBrk="0" hangingPunct="1">
+              <a:lnSpc>
+                <a:spcPct val="90000"/>
+              </a:lnSpc>
+              <a:spcBef>
+                <a:spcPts val="500"/>
+              </a:spcBef>
+              <a:buFont typeface="Arial" panose="020B0604020202020204" pitchFamily="34" charset="0"/>
+              <a:buChar char="•"/>
+              <a:defRPr sz="1800" kern="1200">
+                <a:solidFill>
+                  <a:schemeClr val="tx1"/>
+                </a:solidFill>
+                <a:latin typeface="+mn-lt"/>
+                <a:ea typeface="+mn-ea"/>
+                <a:cs typeface="+mn-cs"/>
+              </a:defRPr>
+            </a:lvl8pPr>
+            <a:lvl9pPr marL="3886200" indent="-228600" algn="l" defTabSz="914400" rtl="0" eaLnBrk="1" latinLnBrk="0" hangingPunct="1">
+              <a:lnSpc>
+                <a:spcPct val="90000"/>
+              </a:lnSpc>
+              <a:spcBef>
+                <a:spcPts val="500"/>
+              </a:spcBef>
+              <a:buFont typeface="Arial" panose="020B0604020202020204" pitchFamily="34" charset="0"/>
+              <a:buChar char="•"/>
+              <a:defRPr sz="1800" kern="1200">
+                <a:solidFill>
+                  <a:schemeClr val="tx1"/>
+                </a:solidFill>
+                <a:latin typeface="+mn-lt"/>
+                <a:ea typeface="+mn-ea"/>
+                <a:cs typeface="+mn-cs"/>
+              </a:defRPr>
+            </a:lvl9pPr>
+          </a:lstStyle>
+          <a:p>
+            <a:pPr marL="0" indent="0">
+              <a:buFont typeface="Arial" panose="020B0604020202020204" pitchFamily="34" charset="0"/>
+              <a:buNone/>
+            </a:pPr>
+            <a:endParaRPr lang="it-IT" dirty="0"/>
+          </a:p>
+          <a:p>
+            <a:pPr marL="0" indent="0">
+              <a:buFont typeface="Arial" panose="020B0604020202020204" pitchFamily="34" charset="0"/>
+              <a:buNone/>
+            </a:pPr>
+            <a:endParaRPr lang="it-IT" dirty="0"/>
+          </a:p>
+        </p:txBody>
+      </p:sp>
+      <p:sp>
+        <p:nvSpPr>
+          <p:cNvPr id="3" name="Segnaposto contenuto 4">
+            <a:extLst>
+              <a:ext uri="{FF2B5EF4-FFF2-40B4-BE49-F238E27FC236}">
+                <a16:creationId xmlns:a16="http://schemas.microsoft.com/office/drawing/2014/main" id="{D2C2D843-C58E-23A6-95A5-D867AE56E6F6}"/>
+              </a:ext>
+            </a:extLst>
+          </p:cNvPr>
+          <p:cNvSpPr txBox="1">
+            <a:spLocks/>
+          </p:cNvSpPr>
+          <p:nvPr/>
+        </p:nvSpPr>
+        <p:spPr>
+          <a:xfrm>
+            <a:off x="4843508" y="1825625"/>
+            <a:ext cx="6679707" cy="2240348"/>
+          </a:xfrm>
+          <a:prstGeom prst="rect">
+            <a:avLst/>
+          </a:prstGeom>
+        </p:spPr>
+        <p:txBody>
+          <a:bodyPr vert="horz" lIns="91440" tIns="45720" rIns="91440" bIns="45720" rtlCol="0">
+            <a:normAutofit/>
+          </a:bodyPr>
+          <a:lstStyle>
+            <a:lvl1pPr marL="228600" indent="-228600" algn="l" defTabSz="914400" rtl="0" eaLnBrk="1" latinLnBrk="0" hangingPunct="1">
+              <a:lnSpc>
+                <a:spcPct val="90000"/>
+              </a:lnSpc>
+              <a:spcBef>
+                <a:spcPts val="1000"/>
+              </a:spcBef>
+              <a:buFont typeface="Arial" panose="020B0604020202020204" pitchFamily="34" charset="0"/>
+              <a:buChar char="•"/>
+              <a:defRPr sz="2800" kern="1200">
+                <a:solidFill>
+                  <a:schemeClr val="tx1"/>
+                </a:solidFill>
+                <a:latin typeface="+mn-lt"/>
+                <a:ea typeface="+mn-ea"/>
+                <a:cs typeface="+mn-cs"/>
+              </a:defRPr>
+            </a:lvl1pPr>
+            <a:lvl2pPr marL="685800" indent="-228600" algn="l" defTabSz="914400" rtl="0" eaLnBrk="1" latinLnBrk="0" hangingPunct="1">
+              <a:lnSpc>
+                <a:spcPct val="90000"/>
+              </a:lnSpc>
+              <a:spcBef>
+                <a:spcPts val="500"/>
+              </a:spcBef>
+              <a:buFont typeface="Arial" panose="020B0604020202020204" pitchFamily="34" charset="0"/>
+              <a:buChar char="•"/>
+              <a:defRPr sz="2400" kern="1200">
+                <a:solidFill>
+                  <a:schemeClr val="tx1"/>
+                </a:solidFill>
+                <a:latin typeface="+mn-lt"/>
+                <a:ea typeface="+mn-ea"/>
+                <a:cs typeface="+mn-cs"/>
+              </a:defRPr>
+            </a:lvl2pPr>
+            <a:lvl3pPr marL="1143000" indent="-228600" algn="l" defTabSz="914400" rtl="0" eaLnBrk="1" latinLnBrk="0" hangingPunct="1">
+              <a:lnSpc>
+                <a:spcPct val="90000"/>
+              </a:lnSpc>
+              <a:spcBef>
+                <a:spcPts val="500"/>
+              </a:spcBef>
+              <a:buFont typeface="Arial" panose="020B0604020202020204" pitchFamily="34" charset="0"/>
+              <a:buChar char="•"/>
+              <a:defRPr sz="2000" kern="1200">
+                <a:solidFill>
+                  <a:schemeClr val="tx1"/>
+                </a:solidFill>
+                <a:latin typeface="+mn-lt"/>
+                <a:ea typeface="+mn-ea"/>
+                <a:cs typeface="+mn-cs"/>
+              </a:defRPr>
+            </a:lvl3pPr>
+            <a:lvl4pPr marL="1600200" indent="-228600" algn="l" defTabSz="914400" rtl="0" eaLnBrk="1" latinLnBrk="0" hangingPunct="1">
+              <a:lnSpc>
+                <a:spcPct val="90000"/>
+              </a:lnSpc>
+              <a:spcBef>
+                <a:spcPts val="500"/>
+              </a:spcBef>
+              <a:buFont typeface="Arial" panose="020B0604020202020204" pitchFamily="34" charset="0"/>
+              <a:buChar char="•"/>
+              <a:defRPr sz="1800" kern="1200">
+                <a:solidFill>
+                  <a:schemeClr val="tx1"/>
+                </a:solidFill>
+                <a:latin typeface="+mn-lt"/>
+                <a:ea typeface="+mn-ea"/>
+                <a:cs typeface="+mn-cs"/>
+              </a:defRPr>
+            </a:lvl4pPr>
+            <a:lvl5pPr marL="2057400" indent="-228600" algn="l" defTabSz="914400" rtl="0" eaLnBrk="1" latinLnBrk="0" hangingPunct="1">
+              <a:lnSpc>
+                <a:spcPct val="90000"/>
+              </a:lnSpc>
+              <a:spcBef>
+                <a:spcPts val="500"/>
+              </a:spcBef>
+              <a:buFont typeface="Arial" panose="020B0604020202020204" pitchFamily="34" charset="0"/>
+              <a:buChar char="•"/>
+              <a:defRPr sz="1800" kern="1200">
+                <a:solidFill>
+                  <a:schemeClr val="tx1"/>
+                </a:solidFill>
+                <a:latin typeface="+mn-lt"/>
+                <a:ea typeface="+mn-ea"/>
+                <a:cs typeface="+mn-cs"/>
+              </a:defRPr>
+            </a:lvl5pPr>
+            <a:lvl6pPr marL="2514600" indent="-228600" algn="l" defTabSz="914400" rtl="0" eaLnBrk="1" latinLnBrk="0" hangingPunct="1">
+              <a:lnSpc>
+                <a:spcPct val="90000"/>
+              </a:lnSpc>
+              <a:spcBef>
+                <a:spcPts val="500"/>
+              </a:spcBef>
+              <a:buFont typeface="Arial" panose="020B0604020202020204" pitchFamily="34" charset="0"/>
+              <a:buChar char="•"/>
+              <a:defRPr sz="1800" kern="1200">
+                <a:solidFill>
+                  <a:schemeClr val="tx1"/>
+                </a:solidFill>
+                <a:latin typeface="+mn-lt"/>
+                <a:ea typeface="+mn-ea"/>
+                <a:cs typeface="+mn-cs"/>
+              </a:defRPr>
+            </a:lvl6pPr>
+            <a:lvl7pPr marL="2971800" indent="-228600" algn="l" defTabSz="914400" rtl="0" eaLnBrk="1" latinLnBrk="0" hangingPunct="1">
+              <a:lnSpc>
+                <a:spcPct val="90000"/>
+              </a:lnSpc>
+              <a:spcBef>
+                <a:spcPts val="500"/>
+              </a:spcBef>
+              <a:buFont typeface="Arial" panose="020B0604020202020204" pitchFamily="34" charset="0"/>
+              <a:buChar char="•"/>
+              <a:defRPr sz="1800" kern="1200">
+                <a:solidFill>
+                  <a:schemeClr val="tx1"/>
+                </a:solidFill>
+                <a:latin typeface="+mn-lt"/>
+                <a:ea typeface="+mn-ea"/>
+                <a:cs typeface="+mn-cs"/>
+              </a:defRPr>
+            </a:lvl7pPr>
+            <a:lvl8pPr marL="3429000" indent="-228600" algn="l" defTabSz="914400" rtl="0" eaLnBrk="1" latinLnBrk="0" hangingPunct="1">
+              <a:lnSpc>
+                <a:spcPct val="90000"/>
+              </a:lnSpc>
+              <a:spcBef>
+                <a:spcPts val="500"/>
+              </a:spcBef>
+              <a:buFont typeface="Arial" panose="020B0604020202020204" pitchFamily="34" charset="0"/>
+              <a:buChar char="•"/>
+              <a:defRPr sz="1800" kern="1200">
+                <a:solidFill>
+                  <a:schemeClr val="tx1"/>
+                </a:solidFill>
+                <a:latin typeface="+mn-lt"/>
+                <a:ea typeface="+mn-ea"/>
+                <a:cs typeface="+mn-cs"/>
+              </a:defRPr>
+            </a:lvl8pPr>
+            <a:lvl9pPr marL="3886200" indent="-228600" algn="l" defTabSz="914400" rtl="0" eaLnBrk="1" latinLnBrk="0" hangingPunct="1">
+              <a:lnSpc>
+                <a:spcPct val="90000"/>
+              </a:lnSpc>
+              <a:spcBef>
+                <a:spcPts val="500"/>
+              </a:spcBef>
+              <a:buFont typeface="Arial" panose="020B0604020202020204" pitchFamily="34" charset="0"/>
+              <a:buChar char="•"/>
+              <a:defRPr sz="1800" kern="1200">
+                <a:solidFill>
+                  <a:schemeClr val="tx1"/>
+                </a:solidFill>
+                <a:latin typeface="+mn-lt"/>
+                <a:ea typeface="+mn-ea"/>
+                <a:cs typeface="+mn-cs"/>
+              </a:defRPr>
+            </a:lvl9pPr>
+          </a:lstStyle>
+          <a:p>
+            <a:pPr marL="0" indent="0">
+              <a:buFont typeface="Arial" panose="020B0604020202020204" pitchFamily="34" charset="0"/>
+              <a:buNone/>
+            </a:pPr>
+            <a:r>
+              <a:rPr lang="it-IT" dirty="0"/>
+              <a:t>Librerie e </a:t>
+            </a:r>
+            <a:r>
+              <a:rPr lang="it-IT" dirty="0" err="1"/>
+              <a:t>sw</a:t>
+            </a:r>
+            <a:r>
+              <a:rPr lang="it-IT" dirty="0"/>
+              <a:t> comuni:</a:t>
+            </a:r>
+          </a:p>
+          <a:p>
+            <a:pPr marL="0" indent="0">
+              <a:buFont typeface="Arial" panose="020B0604020202020204" pitchFamily="34" charset="0"/>
+              <a:buNone/>
+            </a:pPr>
+            <a:r>
+              <a:rPr lang="it-IT" dirty="0"/>
+              <a:t>- .NET 8.0 SDK e </a:t>
+            </a:r>
+            <a:r>
+              <a:rPr lang="it-IT" dirty="0" err="1"/>
+              <a:t>runtime</a:t>
+            </a:r>
+            <a:endParaRPr lang="it-IT" dirty="0"/>
+          </a:p>
+          <a:p>
+            <a:pPr marL="0" indent="0">
+              <a:buFont typeface="Arial" panose="020B0604020202020204" pitchFamily="34" charset="0"/>
+              <a:buNone/>
+            </a:pPr>
+            <a:r>
+              <a:rPr lang="it-IT" dirty="0"/>
+              <a:t>- Erlang OTP 25.3.2</a:t>
+            </a:r>
+          </a:p>
+          <a:p>
+            <a:pPr marL="0" indent="0">
+              <a:buFont typeface="Arial" panose="020B0604020202020204" pitchFamily="34" charset="0"/>
+              <a:buNone/>
+            </a:pPr>
+            <a:r>
+              <a:rPr lang="it-IT" dirty="0"/>
+              <a:t>- </a:t>
+            </a:r>
+            <a:r>
+              <a:rPr lang="it-IT" dirty="0" err="1"/>
+              <a:t>RabbitMQ</a:t>
+            </a:r>
+            <a:r>
+              <a:rPr lang="it-IT" dirty="0"/>
+              <a:t> server 3.12.12</a:t>
+            </a:r>
+          </a:p>
+          <a:p>
+            <a:pPr marL="0" indent="0">
+              <a:buFont typeface="Arial" panose="020B0604020202020204" pitchFamily="34" charset="0"/>
+              <a:buNone/>
+            </a:pPr>
+            <a:endParaRPr lang="it-IT" dirty="0"/>
+          </a:p>
+        </p:txBody>
+      </p:sp>
+      <p:sp>
+        <p:nvSpPr>
+          <p:cNvPr id="6" name="Segnaposto contenuto 4">
+            <a:extLst>
+              <a:ext uri="{FF2B5EF4-FFF2-40B4-BE49-F238E27FC236}">
+                <a16:creationId xmlns:a16="http://schemas.microsoft.com/office/drawing/2014/main" id="{05AE0D84-67B0-498F-E9CB-1A097163B7D6}"/>
+              </a:ext>
+            </a:extLst>
+          </p:cNvPr>
+          <p:cNvSpPr txBox="1">
+            <a:spLocks/>
+          </p:cNvSpPr>
+          <p:nvPr/>
+        </p:nvSpPr>
+        <p:spPr>
+          <a:xfrm>
+            <a:off x="4907131" y="4064278"/>
+            <a:ext cx="6679707" cy="2240348"/>
+          </a:xfrm>
+          <a:prstGeom prst="rect">
+            <a:avLst/>
+          </a:prstGeom>
+        </p:spPr>
+        <p:txBody>
+          <a:bodyPr vert="horz" lIns="91440" tIns="45720" rIns="91440" bIns="45720" rtlCol="0">
+            <a:normAutofit/>
+          </a:bodyPr>
+          <a:lstStyle>
+            <a:lvl1pPr marL="228600" indent="-228600" algn="l" defTabSz="914400" rtl="0" eaLnBrk="1" latinLnBrk="0" hangingPunct="1">
+              <a:lnSpc>
+                <a:spcPct val="90000"/>
+              </a:lnSpc>
+              <a:spcBef>
+                <a:spcPts val="1000"/>
+              </a:spcBef>
+              <a:buFont typeface="Arial" panose="020B0604020202020204" pitchFamily="34" charset="0"/>
+              <a:buChar char="•"/>
+              <a:defRPr sz="2800" kern="1200">
+                <a:solidFill>
+                  <a:schemeClr val="tx1"/>
+                </a:solidFill>
+                <a:latin typeface="+mn-lt"/>
+                <a:ea typeface="+mn-ea"/>
+                <a:cs typeface="+mn-cs"/>
+              </a:defRPr>
+            </a:lvl1pPr>
+            <a:lvl2pPr marL="685800" indent="-228600" algn="l" defTabSz="914400" rtl="0" eaLnBrk="1" latinLnBrk="0" hangingPunct="1">
+              <a:lnSpc>
+                <a:spcPct val="90000"/>
+              </a:lnSpc>
+              <a:spcBef>
+                <a:spcPts val="500"/>
+              </a:spcBef>
+              <a:buFont typeface="Arial" panose="020B0604020202020204" pitchFamily="34" charset="0"/>
+              <a:buChar char="•"/>
+              <a:defRPr sz="2400" kern="1200">
+                <a:solidFill>
+                  <a:schemeClr val="tx1"/>
+                </a:solidFill>
+                <a:latin typeface="+mn-lt"/>
+                <a:ea typeface="+mn-ea"/>
+                <a:cs typeface="+mn-cs"/>
+              </a:defRPr>
+            </a:lvl2pPr>
+            <a:lvl3pPr marL="1143000" indent="-228600" algn="l" defTabSz="914400" rtl="0" eaLnBrk="1" latinLnBrk="0" hangingPunct="1">
+              <a:lnSpc>
+                <a:spcPct val="90000"/>
+              </a:lnSpc>
+              <a:spcBef>
+                <a:spcPts val="500"/>
+              </a:spcBef>
+              <a:buFont typeface="Arial" panose="020B0604020202020204" pitchFamily="34" charset="0"/>
+              <a:buChar char="•"/>
+              <a:defRPr sz="2000" kern="1200">
+                <a:solidFill>
+                  <a:schemeClr val="tx1"/>
+                </a:solidFill>
+                <a:latin typeface="+mn-lt"/>
+                <a:ea typeface="+mn-ea"/>
+                <a:cs typeface="+mn-cs"/>
+              </a:defRPr>
+            </a:lvl3pPr>
+            <a:lvl4pPr marL="1600200" indent="-228600" algn="l" defTabSz="914400" rtl="0" eaLnBrk="1" latinLnBrk="0" hangingPunct="1">
+              <a:lnSpc>
+                <a:spcPct val="90000"/>
+              </a:lnSpc>
+              <a:spcBef>
+                <a:spcPts val="500"/>
+              </a:spcBef>
+              <a:buFont typeface="Arial" panose="020B0604020202020204" pitchFamily="34" charset="0"/>
+              <a:buChar char="•"/>
+              <a:defRPr sz="1800" kern="1200">
+                <a:solidFill>
+                  <a:schemeClr val="tx1"/>
+                </a:solidFill>
+                <a:latin typeface="+mn-lt"/>
+                <a:ea typeface="+mn-ea"/>
+                <a:cs typeface="+mn-cs"/>
+              </a:defRPr>
+            </a:lvl4pPr>
+            <a:lvl5pPr marL="2057400" indent="-228600" algn="l" defTabSz="914400" rtl="0" eaLnBrk="1" latinLnBrk="0" hangingPunct="1">
+              <a:lnSpc>
+                <a:spcPct val="90000"/>
+              </a:lnSpc>
+              <a:spcBef>
+                <a:spcPts val="500"/>
+              </a:spcBef>
+              <a:buFont typeface="Arial" panose="020B0604020202020204" pitchFamily="34" charset="0"/>
+              <a:buChar char="•"/>
+              <a:defRPr sz="1800" kern="1200">
+                <a:solidFill>
+                  <a:schemeClr val="tx1"/>
+                </a:solidFill>
+                <a:latin typeface="+mn-lt"/>
+                <a:ea typeface="+mn-ea"/>
+                <a:cs typeface="+mn-cs"/>
+              </a:defRPr>
+            </a:lvl5pPr>
+            <a:lvl6pPr marL="2514600" indent="-228600" algn="l" defTabSz="914400" rtl="0" eaLnBrk="1" latinLnBrk="0" hangingPunct="1">
+              <a:lnSpc>
+                <a:spcPct val="90000"/>
+              </a:lnSpc>
+              <a:spcBef>
+                <a:spcPts val="500"/>
+              </a:spcBef>
+              <a:buFont typeface="Arial" panose="020B0604020202020204" pitchFamily="34" charset="0"/>
+              <a:buChar char="•"/>
+              <a:defRPr sz="1800" kern="1200">
+                <a:solidFill>
+                  <a:schemeClr val="tx1"/>
+                </a:solidFill>
+                <a:latin typeface="+mn-lt"/>
+                <a:ea typeface="+mn-ea"/>
+                <a:cs typeface="+mn-cs"/>
+              </a:defRPr>
+            </a:lvl6pPr>
+            <a:lvl7pPr marL="2971800" indent="-228600" algn="l" defTabSz="914400" rtl="0" eaLnBrk="1" latinLnBrk="0" hangingPunct="1">
+              <a:lnSpc>
+                <a:spcPct val="90000"/>
+              </a:lnSpc>
+              <a:spcBef>
+                <a:spcPts val="500"/>
+              </a:spcBef>
+              <a:buFont typeface="Arial" panose="020B0604020202020204" pitchFamily="34" charset="0"/>
+              <a:buChar char="•"/>
+              <a:defRPr sz="1800" kern="1200">
+                <a:solidFill>
+                  <a:schemeClr val="tx1"/>
+                </a:solidFill>
+                <a:latin typeface="+mn-lt"/>
+                <a:ea typeface="+mn-ea"/>
+                <a:cs typeface="+mn-cs"/>
+              </a:defRPr>
+            </a:lvl7pPr>
+            <a:lvl8pPr marL="3429000" indent="-228600" algn="l" defTabSz="914400" rtl="0" eaLnBrk="1" latinLnBrk="0" hangingPunct="1">
+              <a:lnSpc>
+                <a:spcPct val="90000"/>
+              </a:lnSpc>
+              <a:spcBef>
+                <a:spcPts val="500"/>
+              </a:spcBef>
+              <a:buFont typeface="Arial" panose="020B0604020202020204" pitchFamily="34" charset="0"/>
+              <a:buChar char="•"/>
+              <a:defRPr sz="1800" kern="1200">
+                <a:solidFill>
+                  <a:schemeClr val="tx1"/>
+                </a:solidFill>
+                <a:latin typeface="+mn-lt"/>
+                <a:ea typeface="+mn-ea"/>
+                <a:cs typeface="+mn-cs"/>
+              </a:defRPr>
+            </a:lvl8pPr>
+            <a:lvl9pPr marL="3886200" indent="-228600" algn="l" defTabSz="914400" rtl="0" eaLnBrk="1" latinLnBrk="0" hangingPunct="1">
+              <a:lnSpc>
+                <a:spcPct val="90000"/>
+              </a:lnSpc>
+              <a:spcBef>
+                <a:spcPts val="500"/>
+              </a:spcBef>
+              <a:buFont typeface="Arial" panose="020B0604020202020204" pitchFamily="34" charset="0"/>
+              <a:buChar char="•"/>
+              <a:defRPr sz="1800" kern="1200">
+                <a:solidFill>
+                  <a:schemeClr val="tx1"/>
+                </a:solidFill>
+                <a:latin typeface="+mn-lt"/>
+                <a:ea typeface="+mn-ea"/>
+                <a:cs typeface="+mn-cs"/>
+              </a:defRPr>
+            </a:lvl9pPr>
+          </a:lstStyle>
+          <a:p>
+            <a:pPr marL="0" indent="0">
+              <a:buFont typeface="Arial" panose="020B0604020202020204" pitchFamily="34" charset="0"/>
+              <a:buNone/>
+            </a:pPr>
+            <a:r>
+              <a:rPr lang="it-IT" dirty="0"/>
+              <a:t>Premessa: la prima </a:t>
+            </a:r>
+            <a:r>
+              <a:rPr lang="it-IT" dirty="0" err="1"/>
+              <a:t>run</a:t>
+            </a:r>
+            <a:r>
+              <a:rPr lang="it-IT" dirty="0"/>
+              <a:t> di ogni test non è stata presa in considerazione, in quanto il consumer una volta aperto si deve assestare, e le statistiche sul jitter erano inaffidabili.</a:t>
+            </a:r>
+          </a:p>
+          <a:p>
+            <a:pPr marL="0" indent="0">
+              <a:buFont typeface="Arial" panose="020B0604020202020204" pitchFamily="34" charset="0"/>
+              <a:buNone/>
+            </a:pPr>
+            <a:endParaRPr lang="it-IT" dirty="0"/>
+          </a:p>
+        </p:txBody>
+      </p:sp>
+      <p:cxnSp>
+        <p:nvCxnSpPr>
+          <p:cNvPr id="8" name="Connettore diritto 7">
+            <a:extLst>
+              <a:ext uri="{FF2B5EF4-FFF2-40B4-BE49-F238E27FC236}">
+                <a16:creationId xmlns:a16="http://schemas.microsoft.com/office/drawing/2014/main" id="{9177A5F2-8320-9A36-2694-54D0BED9C06B}"/>
+              </a:ext>
+            </a:extLst>
+          </p:cNvPr>
+          <p:cNvCxnSpPr/>
+          <p:nvPr/>
+        </p:nvCxnSpPr>
+        <p:spPr>
+          <a:xfrm>
+            <a:off x="4572000" y="1825625"/>
+            <a:ext cx="0" cy="3989249"/>
+          </a:xfrm>
+          <a:prstGeom prst="line">
+            <a:avLst/>
+          </a:prstGeom>
+        </p:spPr>
+        <p:style>
+          <a:lnRef idx="1">
+            <a:schemeClr val="accent1"/>
+          </a:lnRef>
+          <a:fillRef idx="0">
+            <a:schemeClr val="accent1"/>
+          </a:fillRef>
+          <a:effectRef idx="0">
+            <a:schemeClr val="accent1"/>
+          </a:effectRef>
+          <a:fontRef idx="minor">
+            <a:schemeClr val="tx1"/>
+          </a:fontRef>
+        </p:style>
+      </p:cxnSp>
+      <p:cxnSp>
+        <p:nvCxnSpPr>
+          <p:cNvPr id="9" name="Connettore diritto 8">
+            <a:extLst>
+              <a:ext uri="{FF2B5EF4-FFF2-40B4-BE49-F238E27FC236}">
+                <a16:creationId xmlns:a16="http://schemas.microsoft.com/office/drawing/2014/main" id="{A1608037-D2CC-6C1C-3B39-40789DCE76D5}"/>
+              </a:ext>
+            </a:extLst>
+          </p:cNvPr>
+          <p:cNvCxnSpPr>
+            <a:cxnSpLocks/>
+          </p:cNvCxnSpPr>
+          <p:nvPr/>
+        </p:nvCxnSpPr>
+        <p:spPr>
+          <a:xfrm flipH="1">
+            <a:off x="4572000" y="3888419"/>
+            <a:ext cx="6631619" cy="0"/>
+          </a:xfrm>
+          <a:prstGeom prst="line">
+            <a:avLst/>
+          </a:prstGeom>
+        </p:spPr>
+        <p:style>
+          <a:lnRef idx="1">
+            <a:schemeClr val="accent1"/>
+          </a:lnRef>
+          <a:fillRef idx="0">
+            <a:schemeClr val="accent1"/>
+          </a:fillRef>
+          <a:effectRef idx="0">
+            <a:schemeClr val="accent1"/>
+          </a:effectRef>
+          <a:fontRef idx="minor">
+            <a:schemeClr val="tx1"/>
+          </a:fontRef>
+        </p:style>
+      </p:cxnSp>
     </p:spTree>
     <p:extLst>
       <p:ext uri="{BB962C8B-B14F-4D97-AF65-F5344CB8AC3E}">
-        <p14:creationId xmlns:p14="http://schemas.microsoft.com/office/powerpoint/2010/main" val="2306919112"/>
+        <p14:creationId xmlns:p14="http://schemas.microsoft.com/office/powerpoint/2010/main" val="3502588440"/>
       </p:ext>
     </p:extLst>
   </p:cSld>
@@ -5229,7 +11178,7 @@
         <p:cNvPr id="1" name="">
           <a:extLst>
             <a:ext uri="{FF2B5EF4-FFF2-40B4-BE49-F238E27FC236}">
-              <a16:creationId xmlns:a16="http://schemas.microsoft.com/office/drawing/2014/main" id="{F955E5A4-FDC8-0EAB-77BE-56C9B367A964}"/>
+              <a16:creationId xmlns:a16="http://schemas.microsoft.com/office/drawing/2014/main" id="{2BBEF136-2297-3DA7-54D9-1C1E1828F993}"/>
             </a:ext>
           </a:extLst>
         </p:cNvPr>
@@ -5246,10 +11195,10 @@
       </p:grpSpPr>
       <p:sp>
         <p:nvSpPr>
-          <p:cNvPr id="2" name="Titolo 1">
-            <a:extLst>
-              <a:ext uri="{FF2B5EF4-FFF2-40B4-BE49-F238E27FC236}">
-                <a16:creationId xmlns:a16="http://schemas.microsoft.com/office/drawing/2014/main" id="{75436D60-B507-7720-4891-8A62B6633051}"/>
+          <p:cNvPr id="4" name="Titolo 3">
+            <a:extLst>
+              <a:ext uri="{FF2B5EF4-FFF2-40B4-BE49-F238E27FC236}">
+                <a16:creationId xmlns:a16="http://schemas.microsoft.com/office/drawing/2014/main" id="{59978A65-8878-52D6-9F76-F182253BE5BC}"/>
               </a:ext>
             </a:extLst>
           </p:cNvPr>
@@ -5266,18 +11215,22 @@
           <a:lstStyle/>
           <a:p>
             <a:r>
-              <a:rPr lang="it-IT" dirty="0"/>
-              <a:t>Caso d’esempio 2</a:t>
+              <a:rPr lang="it-IT" dirty="0" err="1"/>
+              <a:t>Benchmarks</a:t>
+            </a:r>
+            <a:r>
+              <a:rPr lang="it-IT" dirty="0"/>
+              <a:t>: configurazione progetti</a:t>
             </a:r>
           </a:p>
         </p:txBody>
       </p:sp>
       <p:sp>
         <p:nvSpPr>
-          <p:cNvPr id="4" name="Segnaposto contenuto 3">
-            <a:extLst>
-              <a:ext uri="{FF2B5EF4-FFF2-40B4-BE49-F238E27FC236}">
-                <a16:creationId xmlns:a16="http://schemas.microsoft.com/office/drawing/2014/main" id="{FDA1924B-5108-D1BA-845C-D9D3BF2FFA39}"/>
+          <p:cNvPr id="5" name="Segnaposto contenuto 4">
+            <a:extLst>
+              <a:ext uri="{FF2B5EF4-FFF2-40B4-BE49-F238E27FC236}">
+                <a16:creationId xmlns:a16="http://schemas.microsoft.com/office/drawing/2014/main" id="{16C1E7D5-1DD0-A8DC-741B-DAFE4F436E9E}"/>
               </a:ext>
             </a:extLst>
           </p:cNvPr>
@@ -5290,115 +11243,1400 @@
         </p:nvSpPr>
         <p:spPr>
           <a:xfrm>
-            <a:off x="838200" y="3150151"/>
-            <a:ext cx="4616450" cy="3026811"/>
+            <a:off x="491972" y="1825625"/>
+            <a:ext cx="3556246" cy="4351338"/>
           </a:xfrm>
         </p:spPr>
         <p:txBody>
           <a:bodyPr/>
           <a:lstStyle/>
           <a:p>
-            <a:r>
-              <a:rPr lang="it-IT" dirty="0"/>
-              <a:t>Code multiple con </a:t>
+            <a:pPr marL="0" indent="0">
+              <a:buNone/>
+            </a:pPr>
+            <a:r>
+              <a:rPr lang="it-IT" dirty="0"/>
+              <a:t>Consumer </a:t>
             </a:r>
             <a:r>
               <a:rPr lang="it-IT" dirty="0" err="1"/>
-              <a:t>exchange</a:t>
-            </a:r>
-            <a:r>
-              <a:rPr lang="it-IT" dirty="0"/>
-              <a:t> di tipo </a:t>
+              <a:t>QoS</a:t>
+            </a:r>
+            <a:r>
+              <a:rPr lang="it-IT" dirty="0"/>
+              <a:t>: </a:t>
+            </a:r>
+          </a:p>
+          <a:p>
+            <a:pPr marL="0" indent="0">
+              <a:buNone/>
+            </a:pPr>
+            <a:r>
+              <a:rPr lang="it-IT" dirty="0"/>
+              <a:t>- </a:t>
             </a:r>
             <a:r>
               <a:rPr lang="it-IT" dirty="0" err="1"/>
-              <a:t>Fanout</a:t>
-            </a:r>
-            <a:endParaRPr lang="it-IT" dirty="0"/>
+              <a:t>QoSPrefetchLevel</a:t>
+            </a:r>
+            <a:r>
+              <a:rPr lang="it-IT" dirty="0"/>
+              <a:t> = 2</a:t>
+            </a:r>
+          </a:p>
+          <a:p>
+            <a:pPr marL="0" indent="0">
+              <a:buNone/>
+            </a:pPr>
+            <a:r>
+              <a:rPr lang="it-IT" dirty="0"/>
+              <a:t>- N Messaggi x </a:t>
+            </a:r>
+            <a:r>
+              <a:rPr lang="it-IT" dirty="0" err="1"/>
+              <a:t>run</a:t>
+            </a:r>
+            <a:r>
+              <a:rPr lang="it-IT" dirty="0"/>
+              <a:t> = 100000</a:t>
+            </a:r>
+          </a:p>
+          <a:p>
+            <a:pPr marL="0" indent="0">
+              <a:buNone/>
+            </a:pPr>
+            <a:r>
+              <a:rPr lang="it-IT" dirty="0"/>
+              <a:t>- N </a:t>
+            </a:r>
+            <a:r>
+              <a:rPr lang="it-IT" dirty="0" err="1"/>
+              <a:t>run</a:t>
+            </a:r>
+            <a:r>
+              <a:rPr lang="it-IT" dirty="0"/>
+              <a:t> = 5</a:t>
+            </a:r>
+          </a:p>
+          <a:p>
+            <a:pPr marL="0" indent="0">
+              <a:buNone/>
+            </a:pPr>
+            <a:r>
+              <a:rPr lang="it-IT" dirty="0"/>
+              <a:t>-</a:t>
+            </a:r>
+            <a:r>
+              <a:rPr lang="it-IT" dirty="0" err="1"/>
+              <a:t>Cooldown</a:t>
+            </a:r>
+            <a:r>
+              <a:rPr lang="it-IT" dirty="0"/>
+              <a:t> inter </a:t>
+            </a:r>
+            <a:r>
+              <a:rPr lang="it-IT" dirty="0" err="1"/>
+              <a:t>run</a:t>
+            </a:r>
+            <a:r>
+              <a:rPr lang="it-IT" dirty="0"/>
+              <a:t> = 5 sec</a:t>
+            </a:r>
           </a:p>
         </p:txBody>
       </p:sp>
-      <p:pic>
-        <p:nvPicPr>
-          <p:cNvPr id="1026" name="Picture 2" descr="RabbitMQ - meshIQ">
-            <a:extLst>
-              <a:ext uri="{FF2B5EF4-FFF2-40B4-BE49-F238E27FC236}">
-                <a16:creationId xmlns:a16="http://schemas.microsoft.com/office/drawing/2014/main" id="{70B5250D-5E5A-5E66-679D-FF5E75CE9426}"/>
-              </a:ext>
-            </a:extLst>
-          </p:cNvPr>
-          <p:cNvPicPr>
-            <a:picLocks noChangeAspect="1" noChangeArrowheads="1"/>
-          </p:cNvPicPr>
+      <p:sp>
+        <p:nvSpPr>
+          <p:cNvPr id="2" name="Segnaposto contenuto 4">
+            <a:extLst>
+              <a:ext uri="{FF2B5EF4-FFF2-40B4-BE49-F238E27FC236}">
+                <a16:creationId xmlns:a16="http://schemas.microsoft.com/office/drawing/2014/main" id="{18A57CCF-1544-0F2F-4477-95C724711350}"/>
+              </a:ext>
+            </a:extLst>
+          </p:cNvPr>
+          <p:cNvSpPr txBox="1">
+            <a:spLocks/>
+          </p:cNvSpPr>
           <p:nvPr/>
-        </p:nvPicPr>
-        <p:blipFill>
-          <a:blip r:embed="rId2">
-            <a:extLst>
-              <a:ext uri="{28A0092B-C50C-407E-A947-70E740481C1C}">
-                <a14:useLocalDpi xmlns:a14="http://schemas.microsoft.com/office/drawing/2010/main" val="0"/>
-              </a:ext>
-            </a:extLst>
-          </a:blip>
-          <a:srcRect/>
-          <a:stretch>
-            <a:fillRect/>
-          </a:stretch>
-        </p:blipFill>
-        <p:spPr bwMode="auto">
-          <a:xfrm>
-            <a:off x="8668031" y="4959868"/>
-            <a:ext cx="3154163" cy="1775794"/>
-          </a:xfrm>
-          <a:prstGeom prst="rect">
-            <a:avLst/>
-          </a:prstGeom>
-          <a:noFill/>
-          <a:extLst>
-            <a:ext uri="{909E8E84-426E-40DD-AFC4-6F175D3DCCD1}">
-              <a14:hiddenFill xmlns:a14="http://schemas.microsoft.com/office/drawing/2010/main">
-                <a:solidFill>
-                  <a:srgbClr val="FFFFFF"/>
-                </a:solidFill>
-              </a14:hiddenFill>
-            </a:ext>
-          </a:extLst>
-        </p:spPr>
-      </p:pic>
-      <p:pic>
-        <p:nvPicPr>
-          <p:cNvPr id="6" name="Immagine 5">
-            <a:extLst>
-              <a:ext uri="{FF2B5EF4-FFF2-40B4-BE49-F238E27FC236}">
-                <a16:creationId xmlns:a16="http://schemas.microsoft.com/office/drawing/2014/main" id="{50E60666-D135-2F81-92C7-E512A9222DD4}"/>
-              </a:ext>
-            </a:extLst>
-          </p:cNvPr>
-          <p:cNvPicPr>
-            <a:picLocks noChangeAspect="1"/>
-          </p:cNvPicPr>
-          <p:nvPr/>
-        </p:nvPicPr>
-        <p:blipFill>
-          <a:blip r:embed="rId3"/>
-          <a:stretch>
-            <a:fillRect/>
-          </a:stretch>
-        </p:blipFill>
+        </p:nvSpPr>
         <p:spPr>
           <a:xfrm>
-            <a:off x="6672079" y="3150152"/>
-            <a:ext cx="5150115" cy="1308167"/>
+            <a:off x="6006484" y="1825625"/>
+            <a:ext cx="4053396" cy="4351338"/>
           </a:xfrm>
           <a:prstGeom prst="rect">
             <a:avLst/>
           </a:prstGeom>
         </p:spPr>
-      </p:pic>
+        <p:txBody>
+          <a:bodyPr vert="horz" lIns="91440" tIns="45720" rIns="91440" bIns="45720" rtlCol="0">
+            <a:normAutofit/>
+          </a:bodyPr>
+          <a:lstStyle>
+            <a:lvl1pPr marL="228600" indent="-228600" algn="l" defTabSz="914400" rtl="0" eaLnBrk="1" latinLnBrk="0" hangingPunct="1">
+              <a:lnSpc>
+                <a:spcPct val="90000"/>
+              </a:lnSpc>
+              <a:spcBef>
+                <a:spcPts val="1000"/>
+              </a:spcBef>
+              <a:buFont typeface="Arial" panose="020B0604020202020204" pitchFamily="34" charset="0"/>
+              <a:buChar char="•"/>
+              <a:defRPr sz="2800" kern="1200">
+                <a:solidFill>
+                  <a:schemeClr val="tx1"/>
+                </a:solidFill>
+                <a:latin typeface="+mn-lt"/>
+                <a:ea typeface="+mn-ea"/>
+                <a:cs typeface="+mn-cs"/>
+              </a:defRPr>
+            </a:lvl1pPr>
+            <a:lvl2pPr marL="685800" indent="-228600" algn="l" defTabSz="914400" rtl="0" eaLnBrk="1" latinLnBrk="0" hangingPunct="1">
+              <a:lnSpc>
+                <a:spcPct val="90000"/>
+              </a:lnSpc>
+              <a:spcBef>
+                <a:spcPts val="500"/>
+              </a:spcBef>
+              <a:buFont typeface="Arial" panose="020B0604020202020204" pitchFamily="34" charset="0"/>
+              <a:buChar char="•"/>
+              <a:defRPr sz="2400" kern="1200">
+                <a:solidFill>
+                  <a:schemeClr val="tx1"/>
+                </a:solidFill>
+                <a:latin typeface="+mn-lt"/>
+                <a:ea typeface="+mn-ea"/>
+                <a:cs typeface="+mn-cs"/>
+              </a:defRPr>
+            </a:lvl2pPr>
+            <a:lvl3pPr marL="1143000" indent="-228600" algn="l" defTabSz="914400" rtl="0" eaLnBrk="1" latinLnBrk="0" hangingPunct="1">
+              <a:lnSpc>
+                <a:spcPct val="90000"/>
+              </a:lnSpc>
+              <a:spcBef>
+                <a:spcPts val="500"/>
+              </a:spcBef>
+              <a:buFont typeface="Arial" panose="020B0604020202020204" pitchFamily="34" charset="0"/>
+              <a:buChar char="•"/>
+              <a:defRPr sz="2000" kern="1200">
+                <a:solidFill>
+                  <a:schemeClr val="tx1"/>
+                </a:solidFill>
+                <a:latin typeface="+mn-lt"/>
+                <a:ea typeface="+mn-ea"/>
+                <a:cs typeface="+mn-cs"/>
+              </a:defRPr>
+            </a:lvl3pPr>
+            <a:lvl4pPr marL="1600200" indent="-228600" algn="l" defTabSz="914400" rtl="0" eaLnBrk="1" latinLnBrk="0" hangingPunct="1">
+              <a:lnSpc>
+                <a:spcPct val="90000"/>
+              </a:lnSpc>
+              <a:spcBef>
+                <a:spcPts val="500"/>
+              </a:spcBef>
+              <a:buFont typeface="Arial" panose="020B0604020202020204" pitchFamily="34" charset="0"/>
+              <a:buChar char="•"/>
+              <a:defRPr sz="1800" kern="1200">
+                <a:solidFill>
+                  <a:schemeClr val="tx1"/>
+                </a:solidFill>
+                <a:latin typeface="+mn-lt"/>
+                <a:ea typeface="+mn-ea"/>
+                <a:cs typeface="+mn-cs"/>
+              </a:defRPr>
+            </a:lvl4pPr>
+            <a:lvl5pPr marL="2057400" indent="-228600" algn="l" defTabSz="914400" rtl="0" eaLnBrk="1" latinLnBrk="0" hangingPunct="1">
+              <a:lnSpc>
+                <a:spcPct val="90000"/>
+              </a:lnSpc>
+              <a:spcBef>
+                <a:spcPts val="500"/>
+              </a:spcBef>
+              <a:buFont typeface="Arial" panose="020B0604020202020204" pitchFamily="34" charset="0"/>
+              <a:buChar char="•"/>
+              <a:defRPr sz="1800" kern="1200">
+                <a:solidFill>
+                  <a:schemeClr val="tx1"/>
+                </a:solidFill>
+                <a:latin typeface="+mn-lt"/>
+                <a:ea typeface="+mn-ea"/>
+                <a:cs typeface="+mn-cs"/>
+              </a:defRPr>
+            </a:lvl5pPr>
+            <a:lvl6pPr marL="2514600" indent="-228600" algn="l" defTabSz="914400" rtl="0" eaLnBrk="1" latinLnBrk="0" hangingPunct="1">
+              <a:lnSpc>
+                <a:spcPct val="90000"/>
+              </a:lnSpc>
+              <a:spcBef>
+                <a:spcPts val="500"/>
+              </a:spcBef>
+              <a:buFont typeface="Arial" panose="020B0604020202020204" pitchFamily="34" charset="0"/>
+              <a:buChar char="•"/>
+              <a:defRPr sz="1800" kern="1200">
+                <a:solidFill>
+                  <a:schemeClr val="tx1"/>
+                </a:solidFill>
+                <a:latin typeface="+mn-lt"/>
+                <a:ea typeface="+mn-ea"/>
+                <a:cs typeface="+mn-cs"/>
+              </a:defRPr>
+            </a:lvl6pPr>
+            <a:lvl7pPr marL="2971800" indent="-228600" algn="l" defTabSz="914400" rtl="0" eaLnBrk="1" latinLnBrk="0" hangingPunct="1">
+              <a:lnSpc>
+                <a:spcPct val="90000"/>
+              </a:lnSpc>
+              <a:spcBef>
+                <a:spcPts val="500"/>
+              </a:spcBef>
+              <a:buFont typeface="Arial" panose="020B0604020202020204" pitchFamily="34" charset="0"/>
+              <a:buChar char="•"/>
+              <a:defRPr sz="1800" kern="1200">
+                <a:solidFill>
+                  <a:schemeClr val="tx1"/>
+                </a:solidFill>
+                <a:latin typeface="+mn-lt"/>
+                <a:ea typeface="+mn-ea"/>
+                <a:cs typeface="+mn-cs"/>
+              </a:defRPr>
+            </a:lvl7pPr>
+            <a:lvl8pPr marL="3429000" indent="-228600" algn="l" defTabSz="914400" rtl="0" eaLnBrk="1" latinLnBrk="0" hangingPunct="1">
+              <a:lnSpc>
+                <a:spcPct val="90000"/>
+              </a:lnSpc>
+              <a:spcBef>
+                <a:spcPts val="500"/>
+              </a:spcBef>
+              <a:buFont typeface="Arial" panose="020B0604020202020204" pitchFamily="34" charset="0"/>
+              <a:buChar char="•"/>
+              <a:defRPr sz="1800" kern="1200">
+                <a:solidFill>
+                  <a:schemeClr val="tx1"/>
+                </a:solidFill>
+                <a:latin typeface="+mn-lt"/>
+                <a:ea typeface="+mn-ea"/>
+                <a:cs typeface="+mn-cs"/>
+              </a:defRPr>
+            </a:lvl8pPr>
+            <a:lvl9pPr marL="3886200" indent="-228600" algn="l" defTabSz="914400" rtl="0" eaLnBrk="1" latinLnBrk="0" hangingPunct="1">
+              <a:lnSpc>
+                <a:spcPct val="90000"/>
+              </a:lnSpc>
+              <a:spcBef>
+                <a:spcPts val="500"/>
+              </a:spcBef>
+              <a:buFont typeface="Arial" panose="020B0604020202020204" pitchFamily="34" charset="0"/>
+              <a:buChar char="•"/>
+              <a:defRPr sz="1800" kern="1200">
+                <a:solidFill>
+                  <a:schemeClr val="tx1"/>
+                </a:solidFill>
+                <a:latin typeface="+mn-lt"/>
+                <a:ea typeface="+mn-ea"/>
+                <a:cs typeface="+mn-cs"/>
+              </a:defRPr>
+            </a:lvl9pPr>
+          </a:lstStyle>
+          <a:p>
+            <a:pPr marL="0" indent="0">
+              <a:buFont typeface="Arial" panose="020B0604020202020204" pitchFamily="34" charset="0"/>
+              <a:buNone/>
+            </a:pPr>
+            <a:endParaRPr lang="it-IT" dirty="0"/>
+          </a:p>
+          <a:p>
+            <a:pPr marL="0" indent="0">
+              <a:buFont typeface="Arial" panose="020B0604020202020204" pitchFamily="34" charset="0"/>
+              <a:buNone/>
+            </a:pPr>
+            <a:endParaRPr lang="it-IT" dirty="0"/>
+          </a:p>
+        </p:txBody>
+      </p:sp>
+      <p:sp>
+        <p:nvSpPr>
+          <p:cNvPr id="3" name="Segnaposto contenuto 4">
+            <a:extLst>
+              <a:ext uri="{FF2B5EF4-FFF2-40B4-BE49-F238E27FC236}">
+                <a16:creationId xmlns:a16="http://schemas.microsoft.com/office/drawing/2014/main" id="{A7F761FF-E4E9-4D73-CA97-56F8C69D0F10}"/>
+              </a:ext>
+            </a:extLst>
+          </p:cNvPr>
+          <p:cNvSpPr txBox="1">
+            <a:spLocks/>
+          </p:cNvSpPr>
+          <p:nvPr/>
+        </p:nvSpPr>
+        <p:spPr>
+          <a:xfrm>
+            <a:off x="4282366" y="1746268"/>
+            <a:ext cx="3022108" cy="2240348"/>
+          </a:xfrm>
+          <a:prstGeom prst="rect">
+            <a:avLst/>
+          </a:prstGeom>
+        </p:spPr>
+        <p:txBody>
+          <a:bodyPr vert="horz" lIns="91440" tIns="45720" rIns="91440" bIns="45720" rtlCol="0">
+            <a:normAutofit/>
+          </a:bodyPr>
+          <a:lstStyle>
+            <a:lvl1pPr marL="228600" indent="-228600" algn="l" defTabSz="914400" rtl="0" eaLnBrk="1" latinLnBrk="0" hangingPunct="1">
+              <a:lnSpc>
+                <a:spcPct val="90000"/>
+              </a:lnSpc>
+              <a:spcBef>
+                <a:spcPts val="1000"/>
+              </a:spcBef>
+              <a:buFont typeface="Arial" panose="020B0604020202020204" pitchFamily="34" charset="0"/>
+              <a:buChar char="•"/>
+              <a:defRPr sz="2800" kern="1200">
+                <a:solidFill>
+                  <a:schemeClr val="tx1"/>
+                </a:solidFill>
+                <a:latin typeface="+mn-lt"/>
+                <a:ea typeface="+mn-ea"/>
+                <a:cs typeface="+mn-cs"/>
+              </a:defRPr>
+            </a:lvl1pPr>
+            <a:lvl2pPr marL="685800" indent="-228600" algn="l" defTabSz="914400" rtl="0" eaLnBrk="1" latinLnBrk="0" hangingPunct="1">
+              <a:lnSpc>
+                <a:spcPct val="90000"/>
+              </a:lnSpc>
+              <a:spcBef>
+                <a:spcPts val="500"/>
+              </a:spcBef>
+              <a:buFont typeface="Arial" panose="020B0604020202020204" pitchFamily="34" charset="0"/>
+              <a:buChar char="•"/>
+              <a:defRPr sz="2400" kern="1200">
+                <a:solidFill>
+                  <a:schemeClr val="tx1"/>
+                </a:solidFill>
+                <a:latin typeface="+mn-lt"/>
+                <a:ea typeface="+mn-ea"/>
+                <a:cs typeface="+mn-cs"/>
+              </a:defRPr>
+            </a:lvl2pPr>
+            <a:lvl3pPr marL="1143000" indent="-228600" algn="l" defTabSz="914400" rtl="0" eaLnBrk="1" latinLnBrk="0" hangingPunct="1">
+              <a:lnSpc>
+                <a:spcPct val="90000"/>
+              </a:lnSpc>
+              <a:spcBef>
+                <a:spcPts val="500"/>
+              </a:spcBef>
+              <a:buFont typeface="Arial" panose="020B0604020202020204" pitchFamily="34" charset="0"/>
+              <a:buChar char="•"/>
+              <a:defRPr sz="2000" kern="1200">
+                <a:solidFill>
+                  <a:schemeClr val="tx1"/>
+                </a:solidFill>
+                <a:latin typeface="+mn-lt"/>
+                <a:ea typeface="+mn-ea"/>
+                <a:cs typeface="+mn-cs"/>
+              </a:defRPr>
+            </a:lvl3pPr>
+            <a:lvl4pPr marL="1600200" indent="-228600" algn="l" defTabSz="914400" rtl="0" eaLnBrk="1" latinLnBrk="0" hangingPunct="1">
+              <a:lnSpc>
+                <a:spcPct val="90000"/>
+              </a:lnSpc>
+              <a:spcBef>
+                <a:spcPts val="500"/>
+              </a:spcBef>
+              <a:buFont typeface="Arial" panose="020B0604020202020204" pitchFamily="34" charset="0"/>
+              <a:buChar char="•"/>
+              <a:defRPr sz="1800" kern="1200">
+                <a:solidFill>
+                  <a:schemeClr val="tx1"/>
+                </a:solidFill>
+                <a:latin typeface="+mn-lt"/>
+                <a:ea typeface="+mn-ea"/>
+                <a:cs typeface="+mn-cs"/>
+              </a:defRPr>
+            </a:lvl4pPr>
+            <a:lvl5pPr marL="2057400" indent="-228600" algn="l" defTabSz="914400" rtl="0" eaLnBrk="1" latinLnBrk="0" hangingPunct="1">
+              <a:lnSpc>
+                <a:spcPct val="90000"/>
+              </a:lnSpc>
+              <a:spcBef>
+                <a:spcPts val="500"/>
+              </a:spcBef>
+              <a:buFont typeface="Arial" panose="020B0604020202020204" pitchFamily="34" charset="0"/>
+              <a:buChar char="•"/>
+              <a:defRPr sz="1800" kern="1200">
+                <a:solidFill>
+                  <a:schemeClr val="tx1"/>
+                </a:solidFill>
+                <a:latin typeface="+mn-lt"/>
+                <a:ea typeface="+mn-ea"/>
+                <a:cs typeface="+mn-cs"/>
+              </a:defRPr>
+            </a:lvl5pPr>
+            <a:lvl6pPr marL="2514600" indent="-228600" algn="l" defTabSz="914400" rtl="0" eaLnBrk="1" latinLnBrk="0" hangingPunct="1">
+              <a:lnSpc>
+                <a:spcPct val="90000"/>
+              </a:lnSpc>
+              <a:spcBef>
+                <a:spcPts val="500"/>
+              </a:spcBef>
+              <a:buFont typeface="Arial" panose="020B0604020202020204" pitchFamily="34" charset="0"/>
+              <a:buChar char="•"/>
+              <a:defRPr sz="1800" kern="1200">
+                <a:solidFill>
+                  <a:schemeClr val="tx1"/>
+                </a:solidFill>
+                <a:latin typeface="+mn-lt"/>
+                <a:ea typeface="+mn-ea"/>
+                <a:cs typeface="+mn-cs"/>
+              </a:defRPr>
+            </a:lvl6pPr>
+            <a:lvl7pPr marL="2971800" indent="-228600" algn="l" defTabSz="914400" rtl="0" eaLnBrk="1" latinLnBrk="0" hangingPunct="1">
+              <a:lnSpc>
+                <a:spcPct val="90000"/>
+              </a:lnSpc>
+              <a:spcBef>
+                <a:spcPts val="500"/>
+              </a:spcBef>
+              <a:buFont typeface="Arial" panose="020B0604020202020204" pitchFamily="34" charset="0"/>
+              <a:buChar char="•"/>
+              <a:defRPr sz="1800" kern="1200">
+                <a:solidFill>
+                  <a:schemeClr val="tx1"/>
+                </a:solidFill>
+                <a:latin typeface="+mn-lt"/>
+                <a:ea typeface="+mn-ea"/>
+                <a:cs typeface="+mn-cs"/>
+              </a:defRPr>
+            </a:lvl7pPr>
+            <a:lvl8pPr marL="3429000" indent="-228600" algn="l" defTabSz="914400" rtl="0" eaLnBrk="1" latinLnBrk="0" hangingPunct="1">
+              <a:lnSpc>
+                <a:spcPct val="90000"/>
+              </a:lnSpc>
+              <a:spcBef>
+                <a:spcPts val="500"/>
+              </a:spcBef>
+              <a:buFont typeface="Arial" panose="020B0604020202020204" pitchFamily="34" charset="0"/>
+              <a:buChar char="•"/>
+              <a:defRPr sz="1800" kern="1200">
+                <a:solidFill>
+                  <a:schemeClr val="tx1"/>
+                </a:solidFill>
+                <a:latin typeface="+mn-lt"/>
+                <a:ea typeface="+mn-ea"/>
+                <a:cs typeface="+mn-cs"/>
+              </a:defRPr>
+            </a:lvl8pPr>
+            <a:lvl9pPr marL="3886200" indent="-228600" algn="l" defTabSz="914400" rtl="0" eaLnBrk="1" latinLnBrk="0" hangingPunct="1">
+              <a:lnSpc>
+                <a:spcPct val="90000"/>
+              </a:lnSpc>
+              <a:spcBef>
+                <a:spcPts val="500"/>
+              </a:spcBef>
+              <a:buFont typeface="Arial" panose="020B0604020202020204" pitchFamily="34" charset="0"/>
+              <a:buChar char="•"/>
+              <a:defRPr sz="1800" kern="1200">
+                <a:solidFill>
+                  <a:schemeClr val="tx1"/>
+                </a:solidFill>
+                <a:latin typeface="+mn-lt"/>
+                <a:ea typeface="+mn-ea"/>
+                <a:cs typeface="+mn-cs"/>
+              </a:defRPr>
+            </a:lvl9pPr>
+          </a:lstStyle>
+          <a:p>
+            <a:pPr marL="0" indent="0">
+              <a:buFont typeface="Arial" panose="020B0604020202020204" pitchFamily="34" charset="0"/>
+              <a:buNone/>
+            </a:pPr>
+            <a:endParaRPr lang="it-IT" dirty="0"/>
+          </a:p>
+        </p:txBody>
+      </p:sp>
+      <p:sp>
+        <p:nvSpPr>
+          <p:cNvPr id="6" name="Segnaposto contenuto 4">
+            <a:extLst>
+              <a:ext uri="{FF2B5EF4-FFF2-40B4-BE49-F238E27FC236}">
+                <a16:creationId xmlns:a16="http://schemas.microsoft.com/office/drawing/2014/main" id="{B13071CB-93CD-302D-82FF-C3F356A6C6DB}"/>
+              </a:ext>
+            </a:extLst>
+          </p:cNvPr>
+          <p:cNvSpPr txBox="1">
+            <a:spLocks/>
+          </p:cNvSpPr>
+          <p:nvPr/>
+        </p:nvSpPr>
+        <p:spPr>
+          <a:xfrm>
+            <a:off x="7493124" y="1770045"/>
+            <a:ext cx="4053396" cy="2240348"/>
+          </a:xfrm>
+          <a:prstGeom prst="rect">
+            <a:avLst/>
+          </a:prstGeom>
+        </p:spPr>
+        <p:txBody>
+          <a:bodyPr vert="horz" lIns="91440" tIns="45720" rIns="91440" bIns="45720" rtlCol="0">
+            <a:normAutofit/>
+          </a:bodyPr>
+          <a:lstStyle>
+            <a:lvl1pPr marL="228600" indent="-228600" algn="l" defTabSz="914400" rtl="0" eaLnBrk="1" latinLnBrk="0" hangingPunct="1">
+              <a:lnSpc>
+                <a:spcPct val="90000"/>
+              </a:lnSpc>
+              <a:spcBef>
+                <a:spcPts val="1000"/>
+              </a:spcBef>
+              <a:buFont typeface="Arial" panose="020B0604020202020204" pitchFamily="34" charset="0"/>
+              <a:buChar char="•"/>
+              <a:defRPr sz="2800" kern="1200">
+                <a:solidFill>
+                  <a:schemeClr val="tx1"/>
+                </a:solidFill>
+                <a:latin typeface="+mn-lt"/>
+                <a:ea typeface="+mn-ea"/>
+                <a:cs typeface="+mn-cs"/>
+              </a:defRPr>
+            </a:lvl1pPr>
+            <a:lvl2pPr marL="685800" indent="-228600" algn="l" defTabSz="914400" rtl="0" eaLnBrk="1" latinLnBrk="0" hangingPunct="1">
+              <a:lnSpc>
+                <a:spcPct val="90000"/>
+              </a:lnSpc>
+              <a:spcBef>
+                <a:spcPts val="500"/>
+              </a:spcBef>
+              <a:buFont typeface="Arial" panose="020B0604020202020204" pitchFamily="34" charset="0"/>
+              <a:buChar char="•"/>
+              <a:defRPr sz="2400" kern="1200">
+                <a:solidFill>
+                  <a:schemeClr val="tx1"/>
+                </a:solidFill>
+                <a:latin typeface="+mn-lt"/>
+                <a:ea typeface="+mn-ea"/>
+                <a:cs typeface="+mn-cs"/>
+              </a:defRPr>
+            </a:lvl2pPr>
+            <a:lvl3pPr marL="1143000" indent="-228600" algn="l" defTabSz="914400" rtl="0" eaLnBrk="1" latinLnBrk="0" hangingPunct="1">
+              <a:lnSpc>
+                <a:spcPct val="90000"/>
+              </a:lnSpc>
+              <a:spcBef>
+                <a:spcPts val="500"/>
+              </a:spcBef>
+              <a:buFont typeface="Arial" panose="020B0604020202020204" pitchFamily="34" charset="0"/>
+              <a:buChar char="•"/>
+              <a:defRPr sz="2000" kern="1200">
+                <a:solidFill>
+                  <a:schemeClr val="tx1"/>
+                </a:solidFill>
+                <a:latin typeface="+mn-lt"/>
+                <a:ea typeface="+mn-ea"/>
+                <a:cs typeface="+mn-cs"/>
+              </a:defRPr>
+            </a:lvl3pPr>
+            <a:lvl4pPr marL="1600200" indent="-228600" algn="l" defTabSz="914400" rtl="0" eaLnBrk="1" latinLnBrk="0" hangingPunct="1">
+              <a:lnSpc>
+                <a:spcPct val="90000"/>
+              </a:lnSpc>
+              <a:spcBef>
+                <a:spcPts val="500"/>
+              </a:spcBef>
+              <a:buFont typeface="Arial" panose="020B0604020202020204" pitchFamily="34" charset="0"/>
+              <a:buChar char="•"/>
+              <a:defRPr sz="1800" kern="1200">
+                <a:solidFill>
+                  <a:schemeClr val="tx1"/>
+                </a:solidFill>
+                <a:latin typeface="+mn-lt"/>
+                <a:ea typeface="+mn-ea"/>
+                <a:cs typeface="+mn-cs"/>
+              </a:defRPr>
+            </a:lvl4pPr>
+            <a:lvl5pPr marL="2057400" indent="-228600" algn="l" defTabSz="914400" rtl="0" eaLnBrk="1" latinLnBrk="0" hangingPunct="1">
+              <a:lnSpc>
+                <a:spcPct val="90000"/>
+              </a:lnSpc>
+              <a:spcBef>
+                <a:spcPts val="500"/>
+              </a:spcBef>
+              <a:buFont typeface="Arial" panose="020B0604020202020204" pitchFamily="34" charset="0"/>
+              <a:buChar char="•"/>
+              <a:defRPr sz="1800" kern="1200">
+                <a:solidFill>
+                  <a:schemeClr val="tx1"/>
+                </a:solidFill>
+                <a:latin typeface="+mn-lt"/>
+                <a:ea typeface="+mn-ea"/>
+                <a:cs typeface="+mn-cs"/>
+              </a:defRPr>
+            </a:lvl5pPr>
+            <a:lvl6pPr marL="2514600" indent="-228600" algn="l" defTabSz="914400" rtl="0" eaLnBrk="1" latinLnBrk="0" hangingPunct="1">
+              <a:lnSpc>
+                <a:spcPct val="90000"/>
+              </a:lnSpc>
+              <a:spcBef>
+                <a:spcPts val="500"/>
+              </a:spcBef>
+              <a:buFont typeface="Arial" panose="020B0604020202020204" pitchFamily="34" charset="0"/>
+              <a:buChar char="•"/>
+              <a:defRPr sz="1800" kern="1200">
+                <a:solidFill>
+                  <a:schemeClr val="tx1"/>
+                </a:solidFill>
+                <a:latin typeface="+mn-lt"/>
+                <a:ea typeface="+mn-ea"/>
+                <a:cs typeface="+mn-cs"/>
+              </a:defRPr>
+            </a:lvl6pPr>
+            <a:lvl7pPr marL="2971800" indent="-228600" algn="l" defTabSz="914400" rtl="0" eaLnBrk="1" latinLnBrk="0" hangingPunct="1">
+              <a:lnSpc>
+                <a:spcPct val="90000"/>
+              </a:lnSpc>
+              <a:spcBef>
+                <a:spcPts val="500"/>
+              </a:spcBef>
+              <a:buFont typeface="Arial" panose="020B0604020202020204" pitchFamily="34" charset="0"/>
+              <a:buChar char="•"/>
+              <a:defRPr sz="1800" kern="1200">
+                <a:solidFill>
+                  <a:schemeClr val="tx1"/>
+                </a:solidFill>
+                <a:latin typeface="+mn-lt"/>
+                <a:ea typeface="+mn-ea"/>
+                <a:cs typeface="+mn-cs"/>
+              </a:defRPr>
+            </a:lvl7pPr>
+            <a:lvl8pPr marL="3429000" indent="-228600" algn="l" defTabSz="914400" rtl="0" eaLnBrk="1" latinLnBrk="0" hangingPunct="1">
+              <a:lnSpc>
+                <a:spcPct val="90000"/>
+              </a:lnSpc>
+              <a:spcBef>
+                <a:spcPts val="500"/>
+              </a:spcBef>
+              <a:buFont typeface="Arial" panose="020B0604020202020204" pitchFamily="34" charset="0"/>
+              <a:buChar char="•"/>
+              <a:defRPr sz="1800" kern="1200">
+                <a:solidFill>
+                  <a:schemeClr val="tx1"/>
+                </a:solidFill>
+                <a:latin typeface="+mn-lt"/>
+                <a:ea typeface="+mn-ea"/>
+                <a:cs typeface="+mn-cs"/>
+              </a:defRPr>
+            </a:lvl8pPr>
+            <a:lvl9pPr marL="3886200" indent="-228600" algn="l" defTabSz="914400" rtl="0" eaLnBrk="1" latinLnBrk="0" hangingPunct="1">
+              <a:lnSpc>
+                <a:spcPct val="90000"/>
+              </a:lnSpc>
+              <a:spcBef>
+                <a:spcPts val="500"/>
+              </a:spcBef>
+              <a:buFont typeface="Arial" panose="020B0604020202020204" pitchFamily="34" charset="0"/>
+              <a:buChar char="•"/>
+              <a:defRPr sz="1800" kern="1200">
+                <a:solidFill>
+                  <a:schemeClr val="tx1"/>
+                </a:solidFill>
+                <a:latin typeface="+mn-lt"/>
+                <a:ea typeface="+mn-ea"/>
+                <a:cs typeface="+mn-cs"/>
+              </a:defRPr>
+            </a:lvl9pPr>
+          </a:lstStyle>
+          <a:p>
+            <a:pPr marL="0" indent="0">
+              <a:buFont typeface="Arial" panose="020B0604020202020204" pitchFamily="34" charset="0"/>
+              <a:buNone/>
+            </a:pPr>
+            <a:endParaRPr lang="it-IT" dirty="0"/>
+          </a:p>
+        </p:txBody>
+      </p:sp>
+      <p:sp>
+        <p:nvSpPr>
+          <p:cNvPr id="7" name="Segnaposto contenuto 4">
+            <a:extLst>
+              <a:ext uri="{FF2B5EF4-FFF2-40B4-BE49-F238E27FC236}">
+                <a16:creationId xmlns:a16="http://schemas.microsoft.com/office/drawing/2014/main" id="{D448E11E-D295-58AA-B06B-1156506E31F2}"/>
+              </a:ext>
+            </a:extLst>
+          </p:cNvPr>
+          <p:cNvSpPr txBox="1">
+            <a:spLocks/>
+          </p:cNvSpPr>
+          <p:nvPr/>
+        </p:nvSpPr>
+        <p:spPr>
+          <a:xfrm>
+            <a:off x="4112582" y="1825625"/>
+            <a:ext cx="3556246" cy="4351338"/>
+          </a:xfrm>
+          <a:prstGeom prst="rect">
+            <a:avLst/>
+          </a:prstGeom>
+        </p:spPr>
+        <p:txBody>
+          <a:bodyPr vert="horz" lIns="91440" tIns="45720" rIns="91440" bIns="45720" rtlCol="0">
+            <a:normAutofit/>
+          </a:bodyPr>
+          <a:lstStyle>
+            <a:lvl1pPr marL="228600" indent="-228600" algn="l" defTabSz="914400" rtl="0" eaLnBrk="1" latinLnBrk="0" hangingPunct="1">
+              <a:lnSpc>
+                <a:spcPct val="90000"/>
+              </a:lnSpc>
+              <a:spcBef>
+                <a:spcPts val="1000"/>
+              </a:spcBef>
+              <a:buFont typeface="Arial" panose="020B0604020202020204" pitchFamily="34" charset="0"/>
+              <a:buChar char="•"/>
+              <a:defRPr sz="2800" kern="1200">
+                <a:solidFill>
+                  <a:schemeClr val="tx1"/>
+                </a:solidFill>
+                <a:latin typeface="+mn-lt"/>
+                <a:ea typeface="+mn-ea"/>
+                <a:cs typeface="+mn-cs"/>
+              </a:defRPr>
+            </a:lvl1pPr>
+            <a:lvl2pPr marL="685800" indent="-228600" algn="l" defTabSz="914400" rtl="0" eaLnBrk="1" latinLnBrk="0" hangingPunct="1">
+              <a:lnSpc>
+                <a:spcPct val="90000"/>
+              </a:lnSpc>
+              <a:spcBef>
+                <a:spcPts val="500"/>
+              </a:spcBef>
+              <a:buFont typeface="Arial" panose="020B0604020202020204" pitchFamily="34" charset="0"/>
+              <a:buChar char="•"/>
+              <a:defRPr sz="2400" kern="1200">
+                <a:solidFill>
+                  <a:schemeClr val="tx1"/>
+                </a:solidFill>
+                <a:latin typeface="+mn-lt"/>
+                <a:ea typeface="+mn-ea"/>
+                <a:cs typeface="+mn-cs"/>
+              </a:defRPr>
+            </a:lvl2pPr>
+            <a:lvl3pPr marL="1143000" indent="-228600" algn="l" defTabSz="914400" rtl="0" eaLnBrk="1" latinLnBrk="0" hangingPunct="1">
+              <a:lnSpc>
+                <a:spcPct val="90000"/>
+              </a:lnSpc>
+              <a:spcBef>
+                <a:spcPts val="500"/>
+              </a:spcBef>
+              <a:buFont typeface="Arial" panose="020B0604020202020204" pitchFamily="34" charset="0"/>
+              <a:buChar char="•"/>
+              <a:defRPr sz="2000" kern="1200">
+                <a:solidFill>
+                  <a:schemeClr val="tx1"/>
+                </a:solidFill>
+                <a:latin typeface="+mn-lt"/>
+                <a:ea typeface="+mn-ea"/>
+                <a:cs typeface="+mn-cs"/>
+              </a:defRPr>
+            </a:lvl3pPr>
+            <a:lvl4pPr marL="1600200" indent="-228600" algn="l" defTabSz="914400" rtl="0" eaLnBrk="1" latinLnBrk="0" hangingPunct="1">
+              <a:lnSpc>
+                <a:spcPct val="90000"/>
+              </a:lnSpc>
+              <a:spcBef>
+                <a:spcPts val="500"/>
+              </a:spcBef>
+              <a:buFont typeface="Arial" panose="020B0604020202020204" pitchFamily="34" charset="0"/>
+              <a:buChar char="•"/>
+              <a:defRPr sz="1800" kern="1200">
+                <a:solidFill>
+                  <a:schemeClr val="tx1"/>
+                </a:solidFill>
+                <a:latin typeface="+mn-lt"/>
+                <a:ea typeface="+mn-ea"/>
+                <a:cs typeface="+mn-cs"/>
+              </a:defRPr>
+            </a:lvl4pPr>
+            <a:lvl5pPr marL="2057400" indent="-228600" algn="l" defTabSz="914400" rtl="0" eaLnBrk="1" latinLnBrk="0" hangingPunct="1">
+              <a:lnSpc>
+                <a:spcPct val="90000"/>
+              </a:lnSpc>
+              <a:spcBef>
+                <a:spcPts val="500"/>
+              </a:spcBef>
+              <a:buFont typeface="Arial" panose="020B0604020202020204" pitchFamily="34" charset="0"/>
+              <a:buChar char="•"/>
+              <a:defRPr sz="1800" kern="1200">
+                <a:solidFill>
+                  <a:schemeClr val="tx1"/>
+                </a:solidFill>
+                <a:latin typeface="+mn-lt"/>
+                <a:ea typeface="+mn-ea"/>
+                <a:cs typeface="+mn-cs"/>
+              </a:defRPr>
+            </a:lvl5pPr>
+            <a:lvl6pPr marL="2514600" indent="-228600" algn="l" defTabSz="914400" rtl="0" eaLnBrk="1" latinLnBrk="0" hangingPunct="1">
+              <a:lnSpc>
+                <a:spcPct val="90000"/>
+              </a:lnSpc>
+              <a:spcBef>
+                <a:spcPts val="500"/>
+              </a:spcBef>
+              <a:buFont typeface="Arial" panose="020B0604020202020204" pitchFamily="34" charset="0"/>
+              <a:buChar char="•"/>
+              <a:defRPr sz="1800" kern="1200">
+                <a:solidFill>
+                  <a:schemeClr val="tx1"/>
+                </a:solidFill>
+                <a:latin typeface="+mn-lt"/>
+                <a:ea typeface="+mn-ea"/>
+                <a:cs typeface="+mn-cs"/>
+              </a:defRPr>
+            </a:lvl6pPr>
+            <a:lvl7pPr marL="2971800" indent="-228600" algn="l" defTabSz="914400" rtl="0" eaLnBrk="1" latinLnBrk="0" hangingPunct="1">
+              <a:lnSpc>
+                <a:spcPct val="90000"/>
+              </a:lnSpc>
+              <a:spcBef>
+                <a:spcPts val="500"/>
+              </a:spcBef>
+              <a:buFont typeface="Arial" panose="020B0604020202020204" pitchFamily="34" charset="0"/>
+              <a:buChar char="•"/>
+              <a:defRPr sz="1800" kern="1200">
+                <a:solidFill>
+                  <a:schemeClr val="tx1"/>
+                </a:solidFill>
+                <a:latin typeface="+mn-lt"/>
+                <a:ea typeface="+mn-ea"/>
+                <a:cs typeface="+mn-cs"/>
+              </a:defRPr>
+            </a:lvl7pPr>
+            <a:lvl8pPr marL="3429000" indent="-228600" algn="l" defTabSz="914400" rtl="0" eaLnBrk="1" latinLnBrk="0" hangingPunct="1">
+              <a:lnSpc>
+                <a:spcPct val="90000"/>
+              </a:lnSpc>
+              <a:spcBef>
+                <a:spcPts val="500"/>
+              </a:spcBef>
+              <a:buFont typeface="Arial" panose="020B0604020202020204" pitchFamily="34" charset="0"/>
+              <a:buChar char="•"/>
+              <a:defRPr sz="1800" kern="1200">
+                <a:solidFill>
+                  <a:schemeClr val="tx1"/>
+                </a:solidFill>
+                <a:latin typeface="+mn-lt"/>
+                <a:ea typeface="+mn-ea"/>
+                <a:cs typeface="+mn-cs"/>
+              </a:defRPr>
+            </a:lvl8pPr>
+            <a:lvl9pPr marL="3886200" indent="-228600" algn="l" defTabSz="914400" rtl="0" eaLnBrk="1" latinLnBrk="0" hangingPunct="1">
+              <a:lnSpc>
+                <a:spcPct val="90000"/>
+              </a:lnSpc>
+              <a:spcBef>
+                <a:spcPts val="500"/>
+              </a:spcBef>
+              <a:buFont typeface="Arial" panose="020B0604020202020204" pitchFamily="34" charset="0"/>
+              <a:buChar char="•"/>
+              <a:defRPr sz="1800" kern="1200">
+                <a:solidFill>
+                  <a:schemeClr val="tx1"/>
+                </a:solidFill>
+                <a:latin typeface="+mn-lt"/>
+                <a:ea typeface="+mn-ea"/>
+                <a:cs typeface="+mn-cs"/>
+              </a:defRPr>
+            </a:lvl9pPr>
+          </a:lstStyle>
+          <a:p>
+            <a:pPr marL="0" indent="0">
+              <a:buFont typeface="Arial" panose="020B0604020202020204" pitchFamily="34" charset="0"/>
+              <a:buNone/>
+            </a:pPr>
+            <a:r>
+              <a:rPr lang="it-IT" dirty="0"/>
+              <a:t>Consumer competitivi: </a:t>
+            </a:r>
+          </a:p>
+          <a:p>
+            <a:pPr marL="0" indent="0">
+              <a:buFont typeface="Arial" panose="020B0604020202020204" pitchFamily="34" charset="0"/>
+              <a:buNone/>
+            </a:pPr>
+            <a:r>
+              <a:rPr lang="it-IT" dirty="0"/>
+              <a:t>- </a:t>
+            </a:r>
+            <a:r>
+              <a:rPr lang="it-IT" dirty="0" err="1"/>
+              <a:t>QoSPrefetchLevel</a:t>
+            </a:r>
+            <a:r>
+              <a:rPr lang="it-IT" dirty="0"/>
+              <a:t> = 1</a:t>
+            </a:r>
+          </a:p>
+          <a:p>
+            <a:pPr marL="0" indent="0">
+              <a:buFont typeface="Arial" panose="020B0604020202020204" pitchFamily="34" charset="0"/>
+              <a:buNone/>
+            </a:pPr>
+            <a:r>
+              <a:rPr lang="it-IT" dirty="0"/>
+              <a:t>- N Messaggi x </a:t>
+            </a:r>
+            <a:r>
+              <a:rPr lang="it-IT" dirty="0" err="1"/>
+              <a:t>run</a:t>
+            </a:r>
+            <a:r>
+              <a:rPr lang="it-IT" dirty="0"/>
+              <a:t> = 100000</a:t>
+            </a:r>
+          </a:p>
+          <a:p>
+            <a:pPr marL="0" indent="0">
+              <a:buFont typeface="Arial" panose="020B0604020202020204" pitchFamily="34" charset="0"/>
+              <a:buNone/>
+            </a:pPr>
+            <a:r>
+              <a:rPr lang="it-IT" dirty="0"/>
+              <a:t>- N </a:t>
+            </a:r>
+            <a:r>
+              <a:rPr lang="it-IT" dirty="0" err="1"/>
+              <a:t>run</a:t>
+            </a:r>
+            <a:r>
+              <a:rPr lang="it-IT" dirty="0"/>
+              <a:t> = 5</a:t>
+            </a:r>
+          </a:p>
+          <a:p>
+            <a:pPr marL="0" indent="0">
+              <a:buFont typeface="Arial" panose="020B0604020202020204" pitchFamily="34" charset="0"/>
+              <a:buNone/>
+            </a:pPr>
+            <a:r>
+              <a:rPr lang="it-IT" dirty="0"/>
+              <a:t>-</a:t>
+            </a:r>
+            <a:r>
+              <a:rPr lang="it-IT" dirty="0" err="1"/>
+              <a:t>Cooldown</a:t>
+            </a:r>
+            <a:r>
+              <a:rPr lang="it-IT" dirty="0"/>
+              <a:t> inter </a:t>
+            </a:r>
+            <a:r>
+              <a:rPr lang="it-IT" dirty="0" err="1"/>
+              <a:t>run</a:t>
+            </a:r>
+            <a:r>
+              <a:rPr lang="it-IT" dirty="0"/>
+              <a:t> = 0 sec</a:t>
+            </a:r>
+          </a:p>
+          <a:p>
+            <a:pPr marL="0" indent="0">
+              <a:buFont typeface="Arial" panose="020B0604020202020204" pitchFamily="34" charset="0"/>
+              <a:buNone/>
+            </a:pPr>
+            <a:r>
+              <a:rPr lang="it-IT" dirty="0"/>
+              <a:t>- Numero consumers = 2</a:t>
+            </a:r>
+          </a:p>
+        </p:txBody>
+      </p:sp>
+      <p:sp>
+        <p:nvSpPr>
+          <p:cNvPr id="8" name="Segnaposto contenuto 4">
+            <a:extLst>
+              <a:ext uri="{FF2B5EF4-FFF2-40B4-BE49-F238E27FC236}">
+                <a16:creationId xmlns:a16="http://schemas.microsoft.com/office/drawing/2014/main" id="{28E64E45-FF86-CDF4-98B0-022874AA634E}"/>
+              </a:ext>
+            </a:extLst>
+          </p:cNvPr>
+          <p:cNvSpPr txBox="1">
+            <a:spLocks/>
+          </p:cNvSpPr>
+          <p:nvPr/>
+        </p:nvSpPr>
+        <p:spPr>
+          <a:xfrm>
+            <a:off x="8140269" y="1746268"/>
+            <a:ext cx="3556246" cy="4351338"/>
+          </a:xfrm>
+          <a:prstGeom prst="rect">
+            <a:avLst/>
+          </a:prstGeom>
+        </p:spPr>
+        <p:txBody>
+          <a:bodyPr vert="horz" lIns="91440" tIns="45720" rIns="91440" bIns="45720" rtlCol="0">
+            <a:normAutofit lnSpcReduction="10000"/>
+          </a:bodyPr>
+          <a:lstStyle>
+            <a:lvl1pPr marL="228600" indent="-228600" algn="l" defTabSz="914400" rtl="0" eaLnBrk="1" latinLnBrk="0" hangingPunct="1">
+              <a:lnSpc>
+                <a:spcPct val="90000"/>
+              </a:lnSpc>
+              <a:spcBef>
+                <a:spcPts val="1000"/>
+              </a:spcBef>
+              <a:buFont typeface="Arial" panose="020B0604020202020204" pitchFamily="34" charset="0"/>
+              <a:buChar char="•"/>
+              <a:defRPr sz="2800" kern="1200">
+                <a:solidFill>
+                  <a:schemeClr val="tx1"/>
+                </a:solidFill>
+                <a:latin typeface="+mn-lt"/>
+                <a:ea typeface="+mn-ea"/>
+                <a:cs typeface="+mn-cs"/>
+              </a:defRPr>
+            </a:lvl1pPr>
+            <a:lvl2pPr marL="685800" indent="-228600" algn="l" defTabSz="914400" rtl="0" eaLnBrk="1" latinLnBrk="0" hangingPunct="1">
+              <a:lnSpc>
+                <a:spcPct val="90000"/>
+              </a:lnSpc>
+              <a:spcBef>
+                <a:spcPts val="500"/>
+              </a:spcBef>
+              <a:buFont typeface="Arial" panose="020B0604020202020204" pitchFamily="34" charset="0"/>
+              <a:buChar char="•"/>
+              <a:defRPr sz="2400" kern="1200">
+                <a:solidFill>
+                  <a:schemeClr val="tx1"/>
+                </a:solidFill>
+                <a:latin typeface="+mn-lt"/>
+                <a:ea typeface="+mn-ea"/>
+                <a:cs typeface="+mn-cs"/>
+              </a:defRPr>
+            </a:lvl2pPr>
+            <a:lvl3pPr marL="1143000" indent="-228600" algn="l" defTabSz="914400" rtl="0" eaLnBrk="1" latinLnBrk="0" hangingPunct="1">
+              <a:lnSpc>
+                <a:spcPct val="90000"/>
+              </a:lnSpc>
+              <a:spcBef>
+                <a:spcPts val="500"/>
+              </a:spcBef>
+              <a:buFont typeface="Arial" panose="020B0604020202020204" pitchFamily="34" charset="0"/>
+              <a:buChar char="•"/>
+              <a:defRPr sz="2000" kern="1200">
+                <a:solidFill>
+                  <a:schemeClr val="tx1"/>
+                </a:solidFill>
+                <a:latin typeface="+mn-lt"/>
+                <a:ea typeface="+mn-ea"/>
+                <a:cs typeface="+mn-cs"/>
+              </a:defRPr>
+            </a:lvl3pPr>
+            <a:lvl4pPr marL="1600200" indent="-228600" algn="l" defTabSz="914400" rtl="0" eaLnBrk="1" latinLnBrk="0" hangingPunct="1">
+              <a:lnSpc>
+                <a:spcPct val="90000"/>
+              </a:lnSpc>
+              <a:spcBef>
+                <a:spcPts val="500"/>
+              </a:spcBef>
+              <a:buFont typeface="Arial" panose="020B0604020202020204" pitchFamily="34" charset="0"/>
+              <a:buChar char="•"/>
+              <a:defRPr sz="1800" kern="1200">
+                <a:solidFill>
+                  <a:schemeClr val="tx1"/>
+                </a:solidFill>
+                <a:latin typeface="+mn-lt"/>
+                <a:ea typeface="+mn-ea"/>
+                <a:cs typeface="+mn-cs"/>
+              </a:defRPr>
+            </a:lvl4pPr>
+            <a:lvl5pPr marL="2057400" indent="-228600" algn="l" defTabSz="914400" rtl="0" eaLnBrk="1" latinLnBrk="0" hangingPunct="1">
+              <a:lnSpc>
+                <a:spcPct val="90000"/>
+              </a:lnSpc>
+              <a:spcBef>
+                <a:spcPts val="500"/>
+              </a:spcBef>
+              <a:buFont typeface="Arial" panose="020B0604020202020204" pitchFamily="34" charset="0"/>
+              <a:buChar char="•"/>
+              <a:defRPr sz="1800" kern="1200">
+                <a:solidFill>
+                  <a:schemeClr val="tx1"/>
+                </a:solidFill>
+                <a:latin typeface="+mn-lt"/>
+                <a:ea typeface="+mn-ea"/>
+                <a:cs typeface="+mn-cs"/>
+              </a:defRPr>
+            </a:lvl5pPr>
+            <a:lvl6pPr marL="2514600" indent="-228600" algn="l" defTabSz="914400" rtl="0" eaLnBrk="1" latinLnBrk="0" hangingPunct="1">
+              <a:lnSpc>
+                <a:spcPct val="90000"/>
+              </a:lnSpc>
+              <a:spcBef>
+                <a:spcPts val="500"/>
+              </a:spcBef>
+              <a:buFont typeface="Arial" panose="020B0604020202020204" pitchFamily="34" charset="0"/>
+              <a:buChar char="•"/>
+              <a:defRPr sz="1800" kern="1200">
+                <a:solidFill>
+                  <a:schemeClr val="tx1"/>
+                </a:solidFill>
+                <a:latin typeface="+mn-lt"/>
+                <a:ea typeface="+mn-ea"/>
+                <a:cs typeface="+mn-cs"/>
+              </a:defRPr>
+            </a:lvl6pPr>
+            <a:lvl7pPr marL="2971800" indent="-228600" algn="l" defTabSz="914400" rtl="0" eaLnBrk="1" latinLnBrk="0" hangingPunct="1">
+              <a:lnSpc>
+                <a:spcPct val="90000"/>
+              </a:lnSpc>
+              <a:spcBef>
+                <a:spcPts val="500"/>
+              </a:spcBef>
+              <a:buFont typeface="Arial" panose="020B0604020202020204" pitchFamily="34" charset="0"/>
+              <a:buChar char="•"/>
+              <a:defRPr sz="1800" kern="1200">
+                <a:solidFill>
+                  <a:schemeClr val="tx1"/>
+                </a:solidFill>
+                <a:latin typeface="+mn-lt"/>
+                <a:ea typeface="+mn-ea"/>
+                <a:cs typeface="+mn-cs"/>
+              </a:defRPr>
+            </a:lvl7pPr>
+            <a:lvl8pPr marL="3429000" indent="-228600" algn="l" defTabSz="914400" rtl="0" eaLnBrk="1" latinLnBrk="0" hangingPunct="1">
+              <a:lnSpc>
+                <a:spcPct val="90000"/>
+              </a:lnSpc>
+              <a:spcBef>
+                <a:spcPts val="500"/>
+              </a:spcBef>
+              <a:buFont typeface="Arial" panose="020B0604020202020204" pitchFamily="34" charset="0"/>
+              <a:buChar char="•"/>
+              <a:defRPr sz="1800" kern="1200">
+                <a:solidFill>
+                  <a:schemeClr val="tx1"/>
+                </a:solidFill>
+                <a:latin typeface="+mn-lt"/>
+                <a:ea typeface="+mn-ea"/>
+                <a:cs typeface="+mn-cs"/>
+              </a:defRPr>
+            </a:lvl8pPr>
+            <a:lvl9pPr marL="3886200" indent="-228600" algn="l" defTabSz="914400" rtl="0" eaLnBrk="1" latinLnBrk="0" hangingPunct="1">
+              <a:lnSpc>
+                <a:spcPct val="90000"/>
+              </a:lnSpc>
+              <a:spcBef>
+                <a:spcPts val="500"/>
+              </a:spcBef>
+              <a:buFont typeface="Arial" panose="020B0604020202020204" pitchFamily="34" charset="0"/>
+              <a:buChar char="•"/>
+              <a:defRPr sz="1800" kern="1200">
+                <a:solidFill>
+                  <a:schemeClr val="tx1"/>
+                </a:solidFill>
+                <a:latin typeface="+mn-lt"/>
+                <a:ea typeface="+mn-ea"/>
+                <a:cs typeface="+mn-cs"/>
+              </a:defRPr>
+            </a:lvl9pPr>
+          </a:lstStyle>
+          <a:p>
+            <a:pPr marL="0" indent="0">
+              <a:buFont typeface="Arial" panose="020B0604020202020204" pitchFamily="34" charset="0"/>
+              <a:buNone/>
+            </a:pPr>
+            <a:r>
+              <a:rPr lang="it-IT" dirty="0"/>
+              <a:t>Consumer </a:t>
+            </a:r>
+            <a:r>
+              <a:rPr lang="it-IT" dirty="0" err="1"/>
+              <a:t>exchange</a:t>
+            </a:r>
+            <a:r>
+              <a:rPr lang="it-IT" dirty="0"/>
+              <a:t> </a:t>
+            </a:r>
+            <a:r>
+              <a:rPr lang="it-IT" dirty="0" err="1"/>
+              <a:t>fanout</a:t>
+            </a:r>
+            <a:r>
+              <a:rPr lang="it-IT"/>
+              <a:t>:</a:t>
+            </a:r>
+            <a:endParaRPr lang="it-IT" dirty="0"/>
+          </a:p>
+          <a:p>
+            <a:pPr marL="0" indent="0">
+              <a:buFont typeface="Arial" panose="020B0604020202020204" pitchFamily="34" charset="0"/>
+              <a:buNone/>
+            </a:pPr>
+            <a:r>
+              <a:rPr lang="it-IT" dirty="0"/>
+              <a:t>- </a:t>
+            </a:r>
+            <a:r>
+              <a:rPr lang="it-IT" dirty="0" err="1"/>
+              <a:t>QoSPrefetchLevel</a:t>
+            </a:r>
+            <a:r>
+              <a:rPr lang="it-IT" dirty="0"/>
+              <a:t> = 1</a:t>
+            </a:r>
+          </a:p>
+          <a:p>
+            <a:pPr marL="0" indent="0">
+              <a:buFont typeface="Arial" panose="020B0604020202020204" pitchFamily="34" charset="0"/>
+              <a:buNone/>
+            </a:pPr>
+            <a:r>
+              <a:rPr lang="it-IT" dirty="0"/>
+              <a:t>- N Messaggi x </a:t>
+            </a:r>
+            <a:r>
+              <a:rPr lang="it-IT" dirty="0" err="1"/>
+              <a:t>run</a:t>
+            </a:r>
+            <a:r>
+              <a:rPr lang="it-IT" dirty="0"/>
+              <a:t> = 200000</a:t>
+            </a:r>
+          </a:p>
+          <a:p>
+            <a:pPr marL="0" indent="0">
+              <a:buFont typeface="Arial" panose="020B0604020202020204" pitchFamily="34" charset="0"/>
+              <a:buNone/>
+            </a:pPr>
+            <a:r>
+              <a:rPr lang="it-IT" dirty="0"/>
+              <a:t>- N </a:t>
+            </a:r>
+            <a:r>
+              <a:rPr lang="it-IT" dirty="0" err="1"/>
+              <a:t>run</a:t>
+            </a:r>
+            <a:r>
+              <a:rPr lang="it-IT" dirty="0"/>
+              <a:t> = 3</a:t>
+            </a:r>
+          </a:p>
+          <a:p>
+            <a:pPr marL="0" indent="0">
+              <a:buFont typeface="Arial" panose="020B0604020202020204" pitchFamily="34" charset="0"/>
+              <a:buNone/>
+            </a:pPr>
+            <a:r>
+              <a:rPr lang="it-IT" dirty="0"/>
+              <a:t>-</a:t>
+            </a:r>
+            <a:r>
+              <a:rPr lang="it-IT" dirty="0" err="1"/>
+              <a:t>Cooldown</a:t>
+            </a:r>
+            <a:r>
+              <a:rPr lang="it-IT" dirty="0"/>
+              <a:t> inter </a:t>
+            </a:r>
+            <a:r>
+              <a:rPr lang="it-IT" dirty="0" err="1"/>
+              <a:t>run</a:t>
+            </a:r>
+            <a:r>
+              <a:rPr lang="it-IT" dirty="0"/>
+              <a:t> = 5 sec</a:t>
+            </a:r>
+          </a:p>
+          <a:p>
+            <a:pPr marL="0" indent="0">
+              <a:buNone/>
+            </a:pPr>
+            <a:r>
+              <a:rPr lang="it-IT" dirty="0"/>
+              <a:t>- Numero consumers = 2</a:t>
+            </a:r>
+          </a:p>
+          <a:p>
+            <a:pPr marL="0" indent="0">
+              <a:buFont typeface="Arial" panose="020B0604020202020204" pitchFamily="34" charset="0"/>
+              <a:buNone/>
+            </a:pPr>
+            <a:endParaRPr lang="it-IT" dirty="0"/>
+          </a:p>
+        </p:txBody>
+      </p:sp>
+      <p:cxnSp>
+        <p:nvCxnSpPr>
+          <p:cNvPr id="9" name="Connettore diritto 8">
+            <a:extLst>
+              <a:ext uri="{FF2B5EF4-FFF2-40B4-BE49-F238E27FC236}">
+                <a16:creationId xmlns:a16="http://schemas.microsoft.com/office/drawing/2014/main" id="{C35E76D6-A8F5-A05C-76B9-66B55123C908}"/>
+              </a:ext>
+            </a:extLst>
+          </p:cNvPr>
+          <p:cNvCxnSpPr/>
+          <p:nvPr/>
+        </p:nvCxnSpPr>
+        <p:spPr>
+          <a:xfrm>
+            <a:off x="3932808" y="1770045"/>
+            <a:ext cx="0" cy="3989249"/>
+          </a:xfrm>
+          <a:prstGeom prst="line">
+            <a:avLst/>
+          </a:prstGeom>
+        </p:spPr>
+        <p:style>
+          <a:lnRef idx="1">
+            <a:schemeClr val="accent1"/>
+          </a:lnRef>
+          <a:fillRef idx="0">
+            <a:schemeClr val="accent1"/>
+          </a:fillRef>
+          <a:effectRef idx="0">
+            <a:schemeClr val="accent1"/>
+          </a:effectRef>
+          <a:fontRef idx="minor">
+            <a:schemeClr val="tx1"/>
+          </a:fontRef>
+        </p:style>
+      </p:cxnSp>
+      <p:cxnSp>
+        <p:nvCxnSpPr>
+          <p:cNvPr id="10" name="Connettore diritto 9">
+            <a:extLst>
+              <a:ext uri="{FF2B5EF4-FFF2-40B4-BE49-F238E27FC236}">
+                <a16:creationId xmlns:a16="http://schemas.microsoft.com/office/drawing/2014/main" id="{36693954-7244-4C72-A0FA-924D44DCC08C}"/>
+              </a:ext>
+            </a:extLst>
+          </p:cNvPr>
+          <p:cNvCxnSpPr/>
+          <p:nvPr/>
+        </p:nvCxnSpPr>
+        <p:spPr>
+          <a:xfrm>
+            <a:off x="7831585" y="1770045"/>
+            <a:ext cx="0" cy="3989249"/>
+          </a:xfrm>
+          <a:prstGeom prst="line">
+            <a:avLst/>
+          </a:prstGeom>
+        </p:spPr>
+        <p:style>
+          <a:lnRef idx="1">
+            <a:schemeClr val="accent1"/>
+          </a:lnRef>
+          <a:fillRef idx="0">
+            <a:schemeClr val="accent1"/>
+          </a:fillRef>
+          <a:effectRef idx="0">
+            <a:schemeClr val="accent1"/>
+          </a:effectRef>
+          <a:fontRef idx="minor">
+            <a:schemeClr val="tx1"/>
+          </a:fontRef>
+        </p:style>
+      </p:cxnSp>
     </p:spTree>
     <p:extLst>
       <p:ext uri="{BB962C8B-B14F-4D97-AF65-F5344CB8AC3E}">
-        <p14:creationId xmlns:p14="http://schemas.microsoft.com/office/powerpoint/2010/main" val="4235343945"/>
+        <p14:creationId xmlns:p14="http://schemas.microsoft.com/office/powerpoint/2010/main" val="98102957"/>
       </p:ext>
     </p:extLst>
   </p:cSld>
